--- a/Outside In With SpecFlow.pptx
+++ b/Outside In With SpecFlow.pptx
@@ -5,10 +5,10 @@
     <p:sldMasterId id="2147483648" r:id="rId1"/>
   </p:sldMasterIdLst>
   <p:notesMasterIdLst>
-    <p:notesMasterId r:id="rId24"/>
+    <p:notesMasterId r:id="rId12"/>
   </p:notesMasterIdLst>
   <p:handoutMasterIdLst>
-    <p:handoutMasterId r:id="rId25"/>
+    <p:handoutMasterId r:id="rId13"/>
   </p:handoutMasterIdLst>
   <p:sldIdLst>
     <p:sldId id="259" r:id="rId2"/>
@@ -17,22 +17,10 @@
     <p:sldId id="304" r:id="rId5"/>
     <p:sldId id="305" r:id="rId6"/>
     <p:sldId id="307" r:id="rId7"/>
-    <p:sldId id="306" r:id="rId8"/>
-    <p:sldId id="309" r:id="rId9"/>
-    <p:sldId id="308" r:id="rId10"/>
-    <p:sldId id="310" r:id="rId11"/>
-    <p:sldId id="290" r:id="rId12"/>
-    <p:sldId id="282" r:id="rId13"/>
-    <p:sldId id="291" r:id="rId14"/>
-    <p:sldId id="283" r:id="rId15"/>
-    <p:sldId id="292" r:id="rId16"/>
-    <p:sldId id="293" r:id="rId17"/>
-    <p:sldId id="296" r:id="rId18"/>
-    <p:sldId id="298" r:id="rId19"/>
-    <p:sldId id="299" r:id="rId20"/>
-    <p:sldId id="302" r:id="rId21"/>
-    <p:sldId id="300" r:id="rId22"/>
-    <p:sldId id="301" r:id="rId23"/>
+    <p:sldId id="310" r:id="rId8"/>
+    <p:sldId id="282" r:id="rId9"/>
+    <p:sldId id="290" r:id="rId10"/>
+    <p:sldId id="301" r:id="rId11"/>
   </p:sldIdLst>
   <p:sldSz cx="9144000" cy="6858000" type="screen4x3"/>
   <p:notesSz cx="6858000" cy="9144000"/>
@@ -146,21 +134,9 @@
             <p14:sldId id="304"/>
             <p14:sldId id="305"/>
             <p14:sldId id="307"/>
-            <p14:sldId id="306"/>
-            <p14:sldId id="309"/>
-            <p14:sldId id="308"/>
             <p14:sldId id="310"/>
+            <p14:sldId id="282"/>
             <p14:sldId id="290"/>
-            <p14:sldId id="282"/>
-            <p14:sldId id="291"/>
-            <p14:sldId id="283"/>
-            <p14:sldId id="292"/>
-            <p14:sldId id="293"/>
-            <p14:sldId id="296"/>
-            <p14:sldId id="298"/>
-            <p14:sldId id="299"/>
-            <p14:sldId id="302"/>
-            <p14:sldId id="300"/>
             <p14:sldId id="301"/>
           </p14:sldIdLst>
         </p14:section>
@@ -253,7 +229,7 @@
             <a:fld id="{D83FDC75-7F73-4A4A-A77C-09AADF00E0EA}" type="datetimeFigureOut">
               <a:rPr lang="en-US" smtClean="0"/>
               <a:pPr/>
-              <a:t>11/3/2010</a:t>
+              <a:t>11/4/2010</a:t>
             </a:fld>
             <a:endParaRPr lang="en-US" dirty="0"/>
           </a:p>
@@ -420,7 +396,7 @@
             <a:fld id="{48AEF76B-3757-4A0B-AF93-28494465C1DD}" type="datetimeFigureOut">
               <a:rPr lang="en-US" smtClean="0"/>
               <a:pPr/>
-              <a:t>11/3/2010</a:t>
+              <a:t>11/4/2010</a:t>
             </a:fld>
             <a:endParaRPr lang="en-US" dirty="0"/>
           </a:p>
@@ -979,1053 +955,32 @@
         </p:nvSpPr>
         <p:spPr/>
         <p:txBody>
-          <a:bodyPr>
-            <a:normAutofit/>
-          </a:bodyPr>
-          <a:lstStyle/>
-          <a:p>
-            <a:pPr>
-              <a:lnSpc>
-                <a:spcPct val="80000"/>
-              </a:lnSpc>
-            </a:pPr>
-            <a:r>
-              <a:rPr lang="en-US" dirty="0" smtClean="0"/>
-              <a:t>Give a brief overview of the presentation.</a:t>
-            </a:r>
-            <a:r>
-              <a:rPr lang="en-US" baseline="0" dirty="0" smtClean="0"/>
-              <a:t> D</a:t>
-            </a:r>
-            <a:r>
-              <a:rPr lang="en-US" dirty="0" smtClean="0"/>
-              <a:t>escribe the major focus of the presentation and why it is important.</a:t>
-            </a:r>
-          </a:p>
-          <a:p>
-            <a:pPr>
-              <a:lnSpc>
-                <a:spcPct val="80000"/>
-              </a:lnSpc>
-            </a:pPr>
-            <a:r>
-              <a:rPr lang="en-US" dirty="0" smtClean="0"/>
-              <a:t>Introduce each of the major topics.</a:t>
-            </a:r>
-          </a:p>
-          <a:p>
-            <a:r>
-              <a:rPr lang="en-US" dirty="0" smtClean="0"/>
-              <a:t>To provide a road map for the audience, you</a:t>
-            </a:r>
-            <a:r>
-              <a:rPr lang="en-US" baseline="0" dirty="0" smtClean="0"/>
-              <a:t> can </a:t>
-            </a:r>
-            <a:r>
-              <a:rPr lang="en-US" dirty="0" smtClean="0"/>
-              <a:t>repeat this Overview slide throughout the presentation, highlighting the particular topic you will discuss next.</a:t>
-            </a:r>
-          </a:p>
-        </p:txBody>
-      </p:sp>
-      <p:sp>
-        <p:nvSpPr>
-          <p:cNvPr id="4" name="Slide Number Placeholder 3"/>
-          <p:cNvSpPr>
-            <a:spLocks noGrp="1"/>
-          </p:cNvSpPr>
-          <p:nvPr>
-            <p:ph type="sldNum" sz="quarter" idx="10"/>
-          </p:nvPr>
-        </p:nvSpPr>
-        <p:spPr/>
-        <p:txBody>
           <a:bodyPr/>
           <a:lstStyle/>
           <a:p>
-            <a:fld id="{EC6EAC7D-5A89-47C2-8ABA-56C9C2DEF7A4}" type="slidenum">
+            <a:endParaRPr lang="en-US"/>
+          </a:p>
+        </p:txBody>
+      </p:sp>
+      <p:sp>
+        <p:nvSpPr>
+          <p:cNvPr id="4" name="Slide Number Placeholder 3"/>
+          <p:cNvSpPr>
+            <a:spLocks noGrp="1"/>
+          </p:cNvSpPr>
+          <p:nvPr>
+            <p:ph type="sldNum" sz="quarter" idx="10"/>
+          </p:nvPr>
+        </p:nvSpPr>
+        <p:spPr/>
+        <p:txBody>
+          <a:bodyPr/>
+          <a:lstStyle/>
+          <a:p>
+            <a:fld id="{75693FD4-8F83-4EF7-AC3F-0DC0388986B0}" type="slidenum">
               <a:rPr lang="en-US" smtClean="0"/>
               <a:pPr/>
               <a:t>10</a:t>
-            </a:fld>
-            <a:endParaRPr lang="en-US"/>
-          </a:p>
-        </p:txBody>
-      </p:sp>
-    </p:spTree>
-  </p:cSld>
-  <p:clrMapOvr>
-    <a:masterClrMapping/>
-  </p:clrMapOvr>
-</p:notes>
-</file>
-
-<file path=ppt/notesSlides/notesSlide11.xml><?xml version="1.0" encoding="utf-8"?>
-<p:notes xmlns:a="http://schemas.openxmlformats.org/drawingml/2006/main" xmlns:r="http://schemas.openxmlformats.org/officeDocument/2006/relationships" xmlns:p="http://schemas.openxmlformats.org/presentationml/2006/main">
-  <p:cSld>
-    <p:spTree>
-      <p:nvGrpSpPr>
-        <p:cNvPr id="1" name=""/>
-        <p:cNvGrpSpPr/>
-        <p:nvPr/>
-      </p:nvGrpSpPr>
-      <p:grpSpPr>
-        <a:xfrm>
-          <a:off x="0" y="0"/>
-          <a:ext cx="0" cy="0"/>
-          <a:chOff x="0" y="0"/>
-          <a:chExt cx="0" cy="0"/>
-        </a:xfrm>
-      </p:grpSpPr>
-      <p:sp>
-        <p:nvSpPr>
-          <p:cNvPr id="2" name="Slide Image Placeholder 1"/>
-          <p:cNvSpPr>
-            <a:spLocks noGrp="1" noRot="1" noChangeAspect="1"/>
-          </p:cNvSpPr>
-          <p:nvPr>
-            <p:ph type="sldImg"/>
-          </p:nvPr>
-        </p:nvSpPr>
-        <p:spPr/>
-      </p:sp>
-      <p:sp>
-        <p:nvSpPr>
-          <p:cNvPr id="3" name="Notes Placeholder 2"/>
-          <p:cNvSpPr>
-            <a:spLocks noGrp="1"/>
-          </p:cNvSpPr>
-          <p:nvPr>
-            <p:ph type="body" idx="1"/>
-          </p:nvPr>
-        </p:nvSpPr>
-        <p:spPr/>
-        <p:txBody>
-          <a:bodyPr>
-            <a:normAutofit/>
-          </a:bodyPr>
-          <a:lstStyle/>
-          <a:p>
-            <a:pPr>
-              <a:lnSpc>
-                <a:spcPct val="80000"/>
-              </a:lnSpc>
-            </a:pPr>
-            <a:r>
-              <a:rPr lang="en-US" dirty="0" smtClean="0"/>
-              <a:t>Give a brief overview of the presentation.</a:t>
-            </a:r>
-            <a:r>
-              <a:rPr lang="en-US" baseline="0" dirty="0" smtClean="0"/>
-              <a:t> D</a:t>
-            </a:r>
-            <a:r>
-              <a:rPr lang="en-US" dirty="0" smtClean="0"/>
-              <a:t>escribe the major focus of the presentation and why it is important.</a:t>
-            </a:r>
-          </a:p>
-          <a:p>
-            <a:pPr>
-              <a:lnSpc>
-                <a:spcPct val="80000"/>
-              </a:lnSpc>
-            </a:pPr>
-            <a:r>
-              <a:rPr lang="en-US" dirty="0" smtClean="0"/>
-              <a:t>Introduce each of the major topics.</a:t>
-            </a:r>
-          </a:p>
-          <a:p>
-            <a:r>
-              <a:rPr lang="en-US" dirty="0" smtClean="0"/>
-              <a:t>To provide a road map for the audience, you</a:t>
-            </a:r>
-            <a:r>
-              <a:rPr lang="en-US" baseline="0" dirty="0" smtClean="0"/>
-              <a:t> can </a:t>
-            </a:r>
-            <a:r>
-              <a:rPr lang="en-US" dirty="0" smtClean="0"/>
-              <a:t>repeat this Overview slide throughout the presentation, highlighting the particular topic you will discuss next.</a:t>
-            </a:r>
-          </a:p>
-        </p:txBody>
-      </p:sp>
-      <p:sp>
-        <p:nvSpPr>
-          <p:cNvPr id="4" name="Slide Number Placeholder 3"/>
-          <p:cNvSpPr>
-            <a:spLocks noGrp="1"/>
-          </p:cNvSpPr>
-          <p:nvPr>
-            <p:ph type="sldNum" sz="quarter" idx="10"/>
-          </p:nvPr>
-        </p:nvSpPr>
-        <p:spPr/>
-        <p:txBody>
-          <a:bodyPr/>
-          <a:lstStyle/>
-          <a:p>
-            <a:fld id="{EC6EAC7D-5A89-47C2-8ABA-56C9C2DEF7A4}" type="slidenum">
-              <a:rPr lang="en-US" smtClean="0"/>
-              <a:pPr/>
-              <a:t>11</a:t>
-            </a:fld>
-            <a:endParaRPr lang="en-US"/>
-          </a:p>
-        </p:txBody>
-      </p:sp>
-    </p:spTree>
-  </p:cSld>
-  <p:clrMapOvr>
-    <a:masterClrMapping/>
-  </p:clrMapOvr>
-</p:notes>
-</file>
-
-<file path=ppt/notesSlides/notesSlide12.xml><?xml version="1.0" encoding="utf-8"?>
-<p:notes xmlns:a="http://schemas.openxmlformats.org/drawingml/2006/main" xmlns:r="http://schemas.openxmlformats.org/officeDocument/2006/relationships" xmlns:p="http://schemas.openxmlformats.org/presentationml/2006/main">
-  <p:cSld>
-    <p:spTree>
-      <p:nvGrpSpPr>
-        <p:cNvPr id="1" name=""/>
-        <p:cNvGrpSpPr/>
-        <p:nvPr/>
-      </p:nvGrpSpPr>
-      <p:grpSpPr>
-        <a:xfrm>
-          <a:off x="0" y="0"/>
-          <a:ext cx="0" cy="0"/>
-          <a:chOff x="0" y="0"/>
-          <a:chExt cx="0" cy="0"/>
-        </a:xfrm>
-      </p:grpSpPr>
-      <p:sp>
-        <p:nvSpPr>
-          <p:cNvPr id="2" name="Slide Image Placeholder 1"/>
-          <p:cNvSpPr>
-            <a:spLocks noGrp="1" noRot="1" noChangeAspect="1"/>
-          </p:cNvSpPr>
-          <p:nvPr>
-            <p:ph type="sldImg"/>
-          </p:nvPr>
-        </p:nvSpPr>
-        <p:spPr/>
-      </p:sp>
-      <p:sp>
-        <p:nvSpPr>
-          <p:cNvPr id="3" name="Notes Placeholder 2"/>
-          <p:cNvSpPr>
-            <a:spLocks noGrp="1"/>
-          </p:cNvSpPr>
-          <p:nvPr>
-            <p:ph type="body" idx="1"/>
-          </p:nvPr>
-        </p:nvSpPr>
-        <p:spPr/>
-        <p:txBody>
-          <a:bodyPr/>
-          <a:lstStyle/>
-          <a:p>
-            <a:endParaRPr lang="en-US"/>
-          </a:p>
-        </p:txBody>
-      </p:sp>
-      <p:sp>
-        <p:nvSpPr>
-          <p:cNvPr id="4" name="Slide Number Placeholder 3"/>
-          <p:cNvSpPr>
-            <a:spLocks noGrp="1"/>
-          </p:cNvSpPr>
-          <p:nvPr>
-            <p:ph type="sldNum" sz="quarter" idx="10"/>
-          </p:nvPr>
-        </p:nvSpPr>
-        <p:spPr/>
-        <p:txBody>
-          <a:bodyPr/>
-          <a:lstStyle/>
-          <a:p>
-            <a:fld id="{75693FD4-8F83-4EF7-AC3F-0DC0388986B0}" type="slidenum">
-              <a:rPr lang="en-US" smtClean="0"/>
-              <a:pPr/>
-              <a:t>12</a:t>
-            </a:fld>
-            <a:endParaRPr lang="en-US"/>
-          </a:p>
-        </p:txBody>
-      </p:sp>
-    </p:spTree>
-  </p:cSld>
-  <p:clrMapOvr>
-    <a:masterClrMapping/>
-  </p:clrMapOvr>
-</p:notes>
-</file>
-
-<file path=ppt/notesSlides/notesSlide13.xml><?xml version="1.0" encoding="utf-8"?>
-<p:notes xmlns:a="http://schemas.openxmlformats.org/drawingml/2006/main" xmlns:r="http://schemas.openxmlformats.org/officeDocument/2006/relationships" xmlns:p="http://schemas.openxmlformats.org/presentationml/2006/main">
-  <p:cSld>
-    <p:spTree>
-      <p:nvGrpSpPr>
-        <p:cNvPr id="1" name=""/>
-        <p:cNvGrpSpPr/>
-        <p:nvPr/>
-      </p:nvGrpSpPr>
-      <p:grpSpPr>
-        <a:xfrm>
-          <a:off x="0" y="0"/>
-          <a:ext cx="0" cy="0"/>
-          <a:chOff x="0" y="0"/>
-          <a:chExt cx="0" cy="0"/>
-        </a:xfrm>
-      </p:grpSpPr>
-      <p:sp>
-        <p:nvSpPr>
-          <p:cNvPr id="2" name="Slide Image Placeholder 1"/>
-          <p:cNvSpPr>
-            <a:spLocks noGrp="1" noRot="1" noChangeAspect="1"/>
-          </p:cNvSpPr>
-          <p:nvPr>
-            <p:ph type="sldImg"/>
-          </p:nvPr>
-        </p:nvSpPr>
-        <p:spPr/>
-      </p:sp>
-      <p:sp>
-        <p:nvSpPr>
-          <p:cNvPr id="3" name="Notes Placeholder 2"/>
-          <p:cNvSpPr>
-            <a:spLocks noGrp="1"/>
-          </p:cNvSpPr>
-          <p:nvPr>
-            <p:ph type="body" idx="1"/>
-          </p:nvPr>
-        </p:nvSpPr>
-        <p:spPr/>
-        <p:txBody>
-          <a:bodyPr>
-            <a:normAutofit/>
-          </a:bodyPr>
-          <a:lstStyle/>
-          <a:p>
-            <a:pPr>
-              <a:lnSpc>
-                <a:spcPct val="80000"/>
-              </a:lnSpc>
-            </a:pPr>
-            <a:r>
-              <a:rPr lang="en-US" dirty="0" smtClean="0"/>
-              <a:t>Give a brief overview of the presentation.</a:t>
-            </a:r>
-            <a:r>
-              <a:rPr lang="en-US" baseline="0" dirty="0" smtClean="0"/>
-              <a:t> D</a:t>
-            </a:r>
-            <a:r>
-              <a:rPr lang="en-US" dirty="0" smtClean="0"/>
-              <a:t>escribe the major focus of the presentation and why it is important.</a:t>
-            </a:r>
-          </a:p>
-          <a:p>
-            <a:pPr>
-              <a:lnSpc>
-                <a:spcPct val="80000"/>
-              </a:lnSpc>
-            </a:pPr>
-            <a:r>
-              <a:rPr lang="en-US" dirty="0" smtClean="0"/>
-              <a:t>Introduce each of the major topics.</a:t>
-            </a:r>
-          </a:p>
-          <a:p>
-            <a:r>
-              <a:rPr lang="en-US" dirty="0" smtClean="0"/>
-              <a:t>To provide a road map for the audience, you</a:t>
-            </a:r>
-            <a:r>
-              <a:rPr lang="en-US" baseline="0" dirty="0" smtClean="0"/>
-              <a:t> can </a:t>
-            </a:r>
-            <a:r>
-              <a:rPr lang="en-US" dirty="0" smtClean="0"/>
-              <a:t>repeat this Overview slide throughout the presentation, highlighting the particular topic you will discuss next.</a:t>
-            </a:r>
-          </a:p>
-        </p:txBody>
-      </p:sp>
-      <p:sp>
-        <p:nvSpPr>
-          <p:cNvPr id="4" name="Slide Number Placeholder 3"/>
-          <p:cNvSpPr>
-            <a:spLocks noGrp="1"/>
-          </p:cNvSpPr>
-          <p:nvPr>
-            <p:ph type="sldNum" sz="quarter" idx="10"/>
-          </p:nvPr>
-        </p:nvSpPr>
-        <p:spPr/>
-        <p:txBody>
-          <a:bodyPr/>
-          <a:lstStyle/>
-          <a:p>
-            <a:fld id="{EC6EAC7D-5A89-47C2-8ABA-56C9C2DEF7A4}" type="slidenum">
-              <a:rPr lang="en-US" smtClean="0"/>
-              <a:pPr/>
-              <a:t>13</a:t>
-            </a:fld>
-            <a:endParaRPr lang="en-US"/>
-          </a:p>
-        </p:txBody>
-      </p:sp>
-    </p:spTree>
-  </p:cSld>
-  <p:clrMapOvr>
-    <a:masterClrMapping/>
-  </p:clrMapOvr>
-</p:notes>
-</file>
-
-<file path=ppt/notesSlides/notesSlide14.xml><?xml version="1.0" encoding="utf-8"?>
-<p:notes xmlns:a="http://schemas.openxmlformats.org/drawingml/2006/main" xmlns:r="http://schemas.openxmlformats.org/officeDocument/2006/relationships" xmlns:p="http://schemas.openxmlformats.org/presentationml/2006/main">
-  <p:cSld>
-    <p:spTree>
-      <p:nvGrpSpPr>
-        <p:cNvPr id="1" name=""/>
-        <p:cNvGrpSpPr/>
-        <p:nvPr/>
-      </p:nvGrpSpPr>
-      <p:grpSpPr>
-        <a:xfrm>
-          <a:off x="0" y="0"/>
-          <a:ext cx="0" cy="0"/>
-          <a:chOff x="0" y="0"/>
-          <a:chExt cx="0" cy="0"/>
-        </a:xfrm>
-      </p:grpSpPr>
-      <p:sp>
-        <p:nvSpPr>
-          <p:cNvPr id="2" name="Slide Image Placeholder 1"/>
-          <p:cNvSpPr>
-            <a:spLocks noGrp="1" noRot="1" noChangeAspect="1"/>
-          </p:cNvSpPr>
-          <p:nvPr>
-            <p:ph type="sldImg"/>
-          </p:nvPr>
-        </p:nvSpPr>
-        <p:spPr/>
-      </p:sp>
-      <p:sp>
-        <p:nvSpPr>
-          <p:cNvPr id="3" name="Notes Placeholder 2"/>
-          <p:cNvSpPr>
-            <a:spLocks noGrp="1"/>
-          </p:cNvSpPr>
-          <p:nvPr>
-            <p:ph type="body" idx="1"/>
-          </p:nvPr>
-        </p:nvSpPr>
-        <p:spPr/>
-        <p:txBody>
-          <a:bodyPr/>
-          <a:lstStyle/>
-          <a:p>
-            <a:endParaRPr lang="en-US"/>
-          </a:p>
-        </p:txBody>
-      </p:sp>
-      <p:sp>
-        <p:nvSpPr>
-          <p:cNvPr id="4" name="Slide Number Placeholder 3"/>
-          <p:cNvSpPr>
-            <a:spLocks noGrp="1"/>
-          </p:cNvSpPr>
-          <p:nvPr>
-            <p:ph type="sldNum" sz="quarter" idx="10"/>
-          </p:nvPr>
-        </p:nvSpPr>
-        <p:spPr/>
-        <p:txBody>
-          <a:bodyPr/>
-          <a:lstStyle/>
-          <a:p>
-            <a:fld id="{75693FD4-8F83-4EF7-AC3F-0DC0388986B0}" type="slidenum">
-              <a:rPr lang="en-US" smtClean="0"/>
-              <a:pPr/>
-              <a:t>14</a:t>
-            </a:fld>
-            <a:endParaRPr lang="en-US"/>
-          </a:p>
-        </p:txBody>
-      </p:sp>
-    </p:spTree>
-  </p:cSld>
-  <p:clrMapOvr>
-    <a:masterClrMapping/>
-  </p:clrMapOvr>
-</p:notes>
-</file>
-
-<file path=ppt/notesSlides/notesSlide15.xml><?xml version="1.0" encoding="utf-8"?>
-<p:notes xmlns:a="http://schemas.openxmlformats.org/drawingml/2006/main" xmlns:r="http://schemas.openxmlformats.org/officeDocument/2006/relationships" xmlns:p="http://schemas.openxmlformats.org/presentationml/2006/main">
-  <p:cSld>
-    <p:spTree>
-      <p:nvGrpSpPr>
-        <p:cNvPr id="1" name=""/>
-        <p:cNvGrpSpPr/>
-        <p:nvPr/>
-      </p:nvGrpSpPr>
-      <p:grpSpPr>
-        <a:xfrm>
-          <a:off x="0" y="0"/>
-          <a:ext cx="0" cy="0"/>
-          <a:chOff x="0" y="0"/>
-          <a:chExt cx="0" cy="0"/>
-        </a:xfrm>
-      </p:grpSpPr>
-      <p:sp>
-        <p:nvSpPr>
-          <p:cNvPr id="2" name="Slide Image Placeholder 1"/>
-          <p:cNvSpPr>
-            <a:spLocks noGrp="1" noRot="1" noChangeAspect="1"/>
-          </p:cNvSpPr>
-          <p:nvPr>
-            <p:ph type="sldImg"/>
-          </p:nvPr>
-        </p:nvSpPr>
-        <p:spPr/>
-      </p:sp>
-      <p:sp>
-        <p:nvSpPr>
-          <p:cNvPr id="3" name="Notes Placeholder 2"/>
-          <p:cNvSpPr>
-            <a:spLocks noGrp="1"/>
-          </p:cNvSpPr>
-          <p:nvPr>
-            <p:ph type="body" idx="1"/>
-          </p:nvPr>
-        </p:nvSpPr>
-        <p:spPr/>
-        <p:txBody>
-          <a:bodyPr>
-            <a:normAutofit/>
-          </a:bodyPr>
-          <a:lstStyle/>
-          <a:p>
-            <a:pPr>
-              <a:lnSpc>
-                <a:spcPct val="80000"/>
-              </a:lnSpc>
-            </a:pPr>
-            <a:r>
-              <a:rPr lang="en-US" dirty="0" smtClean="0"/>
-              <a:t>Give a brief overview of the presentation.</a:t>
-            </a:r>
-            <a:r>
-              <a:rPr lang="en-US" baseline="0" dirty="0" smtClean="0"/>
-              <a:t> D</a:t>
-            </a:r>
-            <a:r>
-              <a:rPr lang="en-US" dirty="0" smtClean="0"/>
-              <a:t>escribe the major focus of the presentation and why it is important.</a:t>
-            </a:r>
-          </a:p>
-          <a:p>
-            <a:pPr>
-              <a:lnSpc>
-                <a:spcPct val="80000"/>
-              </a:lnSpc>
-            </a:pPr>
-            <a:r>
-              <a:rPr lang="en-US" dirty="0" smtClean="0"/>
-              <a:t>Introduce each of the major topics.</a:t>
-            </a:r>
-          </a:p>
-          <a:p>
-            <a:r>
-              <a:rPr lang="en-US" dirty="0" smtClean="0"/>
-              <a:t>To provide a road map for the audience, you</a:t>
-            </a:r>
-            <a:r>
-              <a:rPr lang="en-US" baseline="0" dirty="0" smtClean="0"/>
-              <a:t> can </a:t>
-            </a:r>
-            <a:r>
-              <a:rPr lang="en-US" dirty="0" smtClean="0"/>
-              <a:t>repeat this Overview slide throughout the presentation, highlighting the particular topic you will discuss next.</a:t>
-            </a:r>
-          </a:p>
-        </p:txBody>
-      </p:sp>
-      <p:sp>
-        <p:nvSpPr>
-          <p:cNvPr id="4" name="Slide Number Placeholder 3"/>
-          <p:cNvSpPr>
-            <a:spLocks noGrp="1"/>
-          </p:cNvSpPr>
-          <p:nvPr>
-            <p:ph type="sldNum" sz="quarter" idx="10"/>
-          </p:nvPr>
-        </p:nvSpPr>
-        <p:spPr/>
-        <p:txBody>
-          <a:bodyPr/>
-          <a:lstStyle/>
-          <a:p>
-            <a:fld id="{EC6EAC7D-5A89-47C2-8ABA-56C9C2DEF7A4}" type="slidenum">
-              <a:rPr lang="en-US" smtClean="0"/>
-              <a:pPr/>
-              <a:t>15</a:t>
-            </a:fld>
-            <a:endParaRPr lang="en-US"/>
-          </a:p>
-        </p:txBody>
-      </p:sp>
-    </p:spTree>
-  </p:cSld>
-  <p:clrMapOvr>
-    <a:masterClrMapping/>
-  </p:clrMapOvr>
-</p:notes>
-</file>
-
-<file path=ppt/notesSlides/notesSlide16.xml><?xml version="1.0" encoding="utf-8"?>
-<p:notes xmlns:a="http://schemas.openxmlformats.org/drawingml/2006/main" xmlns:r="http://schemas.openxmlformats.org/officeDocument/2006/relationships" xmlns:p="http://schemas.openxmlformats.org/presentationml/2006/main">
-  <p:cSld>
-    <p:spTree>
-      <p:nvGrpSpPr>
-        <p:cNvPr id="1" name=""/>
-        <p:cNvGrpSpPr/>
-        <p:nvPr/>
-      </p:nvGrpSpPr>
-      <p:grpSpPr>
-        <a:xfrm>
-          <a:off x="0" y="0"/>
-          <a:ext cx="0" cy="0"/>
-          <a:chOff x="0" y="0"/>
-          <a:chExt cx="0" cy="0"/>
-        </a:xfrm>
-      </p:grpSpPr>
-      <p:sp>
-        <p:nvSpPr>
-          <p:cNvPr id="2" name="Slide Image Placeholder 1"/>
-          <p:cNvSpPr>
-            <a:spLocks noGrp="1" noRot="1" noChangeAspect="1"/>
-          </p:cNvSpPr>
-          <p:nvPr>
-            <p:ph type="sldImg"/>
-          </p:nvPr>
-        </p:nvSpPr>
-        <p:spPr/>
-      </p:sp>
-      <p:sp>
-        <p:nvSpPr>
-          <p:cNvPr id="3" name="Notes Placeholder 2"/>
-          <p:cNvSpPr>
-            <a:spLocks noGrp="1"/>
-          </p:cNvSpPr>
-          <p:nvPr>
-            <p:ph type="body" idx="1"/>
-          </p:nvPr>
-        </p:nvSpPr>
-        <p:spPr/>
-        <p:txBody>
-          <a:bodyPr>
-            <a:normAutofit/>
-          </a:bodyPr>
-          <a:lstStyle/>
-          <a:p>
-            <a:pPr>
-              <a:lnSpc>
-                <a:spcPct val="80000"/>
-              </a:lnSpc>
-            </a:pPr>
-            <a:r>
-              <a:rPr lang="en-US" dirty="0" smtClean="0"/>
-              <a:t>Give a brief overview of the presentation.</a:t>
-            </a:r>
-            <a:r>
-              <a:rPr lang="en-US" baseline="0" dirty="0" smtClean="0"/>
-              <a:t> D</a:t>
-            </a:r>
-            <a:r>
-              <a:rPr lang="en-US" dirty="0" smtClean="0"/>
-              <a:t>escribe the major focus of the presentation and why it is important.</a:t>
-            </a:r>
-          </a:p>
-          <a:p>
-            <a:pPr>
-              <a:lnSpc>
-                <a:spcPct val="80000"/>
-              </a:lnSpc>
-            </a:pPr>
-            <a:r>
-              <a:rPr lang="en-US" dirty="0" smtClean="0"/>
-              <a:t>Introduce each of the major topics.</a:t>
-            </a:r>
-          </a:p>
-          <a:p>
-            <a:r>
-              <a:rPr lang="en-US" dirty="0" smtClean="0"/>
-              <a:t>To provide a road map for the audience, you</a:t>
-            </a:r>
-            <a:r>
-              <a:rPr lang="en-US" baseline="0" dirty="0" smtClean="0"/>
-              <a:t> can </a:t>
-            </a:r>
-            <a:r>
-              <a:rPr lang="en-US" dirty="0" smtClean="0"/>
-              <a:t>repeat this Overview slide throughout the presentation, highlighting the particular topic you will discuss next.</a:t>
-            </a:r>
-          </a:p>
-        </p:txBody>
-      </p:sp>
-      <p:sp>
-        <p:nvSpPr>
-          <p:cNvPr id="4" name="Slide Number Placeholder 3"/>
-          <p:cNvSpPr>
-            <a:spLocks noGrp="1"/>
-          </p:cNvSpPr>
-          <p:nvPr>
-            <p:ph type="sldNum" sz="quarter" idx="10"/>
-          </p:nvPr>
-        </p:nvSpPr>
-        <p:spPr/>
-        <p:txBody>
-          <a:bodyPr/>
-          <a:lstStyle/>
-          <a:p>
-            <a:fld id="{EC6EAC7D-5A89-47C2-8ABA-56C9C2DEF7A4}" type="slidenum">
-              <a:rPr lang="en-US" smtClean="0"/>
-              <a:pPr/>
-              <a:t>16</a:t>
-            </a:fld>
-            <a:endParaRPr lang="en-US"/>
-          </a:p>
-        </p:txBody>
-      </p:sp>
-    </p:spTree>
-  </p:cSld>
-  <p:clrMapOvr>
-    <a:masterClrMapping/>
-  </p:clrMapOvr>
-</p:notes>
-</file>
-
-<file path=ppt/notesSlides/notesSlide17.xml><?xml version="1.0" encoding="utf-8"?>
-<p:notes xmlns:a="http://schemas.openxmlformats.org/drawingml/2006/main" xmlns:r="http://schemas.openxmlformats.org/officeDocument/2006/relationships" xmlns:p="http://schemas.openxmlformats.org/presentationml/2006/main">
-  <p:cSld>
-    <p:spTree>
-      <p:nvGrpSpPr>
-        <p:cNvPr id="1" name=""/>
-        <p:cNvGrpSpPr/>
-        <p:nvPr/>
-      </p:nvGrpSpPr>
-      <p:grpSpPr>
-        <a:xfrm>
-          <a:off x="0" y="0"/>
-          <a:ext cx="0" cy="0"/>
-          <a:chOff x="0" y="0"/>
-          <a:chExt cx="0" cy="0"/>
-        </a:xfrm>
-      </p:grpSpPr>
-      <p:sp>
-        <p:nvSpPr>
-          <p:cNvPr id="2" name="Slide Image Placeholder 1"/>
-          <p:cNvSpPr>
-            <a:spLocks noGrp="1" noRot="1" noChangeAspect="1"/>
-          </p:cNvSpPr>
-          <p:nvPr>
-            <p:ph type="sldImg"/>
-          </p:nvPr>
-        </p:nvSpPr>
-        <p:spPr/>
-      </p:sp>
-      <p:sp>
-        <p:nvSpPr>
-          <p:cNvPr id="3" name="Notes Placeholder 2"/>
-          <p:cNvSpPr>
-            <a:spLocks noGrp="1"/>
-          </p:cNvSpPr>
-          <p:nvPr>
-            <p:ph type="body" idx="1"/>
-          </p:nvPr>
-        </p:nvSpPr>
-        <p:spPr/>
-        <p:txBody>
-          <a:bodyPr>
-            <a:normAutofit/>
-          </a:bodyPr>
-          <a:lstStyle/>
-          <a:p>
-            <a:pPr>
-              <a:lnSpc>
-                <a:spcPct val="80000"/>
-              </a:lnSpc>
-            </a:pPr>
-            <a:r>
-              <a:rPr lang="en-US" dirty="0" smtClean="0"/>
-              <a:t>Give a brief overview of the presentation.</a:t>
-            </a:r>
-            <a:r>
-              <a:rPr lang="en-US" baseline="0" dirty="0" smtClean="0"/>
-              <a:t> D</a:t>
-            </a:r>
-            <a:r>
-              <a:rPr lang="en-US" dirty="0" smtClean="0"/>
-              <a:t>escribe the major focus of the presentation and why it is important.</a:t>
-            </a:r>
-          </a:p>
-          <a:p>
-            <a:pPr>
-              <a:lnSpc>
-                <a:spcPct val="80000"/>
-              </a:lnSpc>
-            </a:pPr>
-            <a:r>
-              <a:rPr lang="en-US" dirty="0" smtClean="0"/>
-              <a:t>Introduce each of the major topics.</a:t>
-            </a:r>
-          </a:p>
-          <a:p>
-            <a:r>
-              <a:rPr lang="en-US" dirty="0" smtClean="0"/>
-              <a:t>To provide a road map for the audience, you</a:t>
-            </a:r>
-            <a:r>
-              <a:rPr lang="en-US" baseline="0" dirty="0" smtClean="0"/>
-              <a:t> can </a:t>
-            </a:r>
-            <a:r>
-              <a:rPr lang="en-US" dirty="0" smtClean="0"/>
-              <a:t>repeat this Overview slide throughout the presentation, highlighting the particular topic you will discuss next.</a:t>
-            </a:r>
-          </a:p>
-        </p:txBody>
-      </p:sp>
-      <p:sp>
-        <p:nvSpPr>
-          <p:cNvPr id="4" name="Slide Number Placeholder 3"/>
-          <p:cNvSpPr>
-            <a:spLocks noGrp="1"/>
-          </p:cNvSpPr>
-          <p:nvPr>
-            <p:ph type="sldNum" sz="quarter" idx="10"/>
-          </p:nvPr>
-        </p:nvSpPr>
-        <p:spPr/>
-        <p:txBody>
-          <a:bodyPr/>
-          <a:lstStyle/>
-          <a:p>
-            <a:fld id="{EC6EAC7D-5A89-47C2-8ABA-56C9C2DEF7A4}" type="slidenum">
-              <a:rPr lang="en-US" smtClean="0"/>
-              <a:pPr/>
-              <a:t>17</a:t>
-            </a:fld>
-            <a:endParaRPr lang="en-US"/>
-          </a:p>
-        </p:txBody>
-      </p:sp>
-    </p:spTree>
-  </p:cSld>
-  <p:clrMapOvr>
-    <a:masterClrMapping/>
-  </p:clrMapOvr>
-</p:notes>
-</file>
-
-<file path=ppt/notesSlides/notesSlide18.xml><?xml version="1.0" encoding="utf-8"?>
-<p:notes xmlns:a="http://schemas.openxmlformats.org/drawingml/2006/main" xmlns:r="http://schemas.openxmlformats.org/officeDocument/2006/relationships" xmlns:p="http://schemas.openxmlformats.org/presentationml/2006/main">
-  <p:cSld>
-    <p:spTree>
-      <p:nvGrpSpPr>
-        <p:cNvPr id="1" name=""/>
-        <p:cNvGrpSpPr/>
-        <p:nvPr/>
-      </p:nvGrpSpPr>
-      <p:grpSpPr>
-        <a:xfrm>
-          <a:off x="0" y="0"/>
-          <a:ext cx="0" cy="0"/>
-          <a:chOff x="0" y="0"/>
-          <a:chExt cx="0" cy="0"/>
-        </a:xfrm>
-      </p:grpSpPr>
-      <p:sp>
-        <p:nvSpPr>
-          <p:cNvPr id="2" name="Slide Image Placeholder 1"/>
-          <p:cNvSpPr>
-            <a:spLocks noGrp="1" noRot="1" noChangeAspect="1"/>
-          </p:cNvSpPr>
-          <p:nvPr>
-            <p:ph type="sldImg"/>
-          </p:nvPr>
-        </p:nvSpPr>
-        <p:spPr/>
-      </p:sp>
-      <p:sp>
-        <p:nvSpPr>
-          <p:cNvPr id="3" name="Notes Placeholder 2"/>
-          <p:cNvSpPr>
-            <a:spLocks noGrp="1"/>
-          </p:cNvSpPr>
-          <p:nvPr>
-            <p:ph type="body" idx="1"/>
-          </p:nvPr>
-        </p:nvSpPr>
-        <p:spPr/>
-        <p:txBody>
-          <a:bodyPr/>
-          <a:lstStyle/>
-          <a:p>
-            <a:endParaRPr lang="en-US"/>
-          </a:p>
-        </p:txBody>
-      </p:sp>
-      <p:sp>
-        <p:nvSpPr>
-          <p:cNvPr id="4" name="Slide Number Placeholder 3"/>
-          <p:cNvSpPr>
-            <a:spLocks noGrp="1"/>
-          </p:cNvSpPr>
-          <p:nvPr>
-            <p:ph type="sldNum" sz="quarter" idx="10"/>
-          </p:nvPr>
-        </p:nvSpPr>
-        <p:spPr/>
-        <p:txBody>
-          <a:bodyPr/>
-          <a:lstStyle/>
-          <a:p>
-            <a:fld id="{75693FD4-8F83-4EF7-AC3F-0DC0388986B0}" type="slidenum">
-              <a:rPr lang="en-US" smtClean="0"/>
-              <a:pPr/>
-              <a:t>18</a:t>
-            </a:fld>
-            <a:endParaRPr lang="en-US"/>
-          </a:p>
-        </p:txBody>
-      </p:sp>
-    </p:spTree>
-  </p:cSld>
-  <p:clrMapOvr>
-    <a:masterClrMapping/>
-  </p:clrMapOvr>
-</p:notes>
-</file>
-
-<file path=ppt/notesSlides/notesSlide19.xml><?xml version="1.0" encoding="utf-8"?>
-<p:notes xmlns:a="http://schemas.openxmlformats.org/drawingml/2006/main" xmlns:r="http://schemas.openxmlformats.org/officeDocument/2006/relationships" xmlns:p="http://schemas.openxmlformats.org/presentationml/2006/main">
-  <p:cSld>
-    <p:spTree>
-      <p:nvGrpSpPr>
-        <p:cNvPr id="1" name=""/>
-        <p:cNvGrpSpPr/>
-        <p:nvPr/>
-      </p:nvGrpSpPr>
-      <p:grpSpPr>
-        <a:xfrm>
-          <a:off x="0" y="0"/>
-          <a:ext cx="0" cy="0"/>
-          <a:chOff x="0" y="0"/>
-          <a:chExt cx="0" cy="0"/>
-        </a:xfrm>
-      </p:grpSpPr>
-      <p:sp>
-        <p:nvSpPr>
-          <p:cNvPr id="2" name="Slide Image Placeholder 1"/>
-          <p:cNvSpPr>
-            <a:spLocks noGrp="1" noRot="1" noChangeAspect="1"/>
-          </p:cNvSpPr>
-          <p:nvPr>
-            <p:ph type="sldImg"/>
-          </p:nvPr>
-        </p:nvSpPr>
-        <p:spPr/>
-      </p:sp>
-      <p:sp>
-        <p:nvSpPr>
-          <p:cNvPr id="3" name="Notes Placeholder 2"/>
-          <p:cNvSpPr>
-            <a:spLocks noGrp="1"/>
-          </p:cNvSpPr>
-          <p:nvPr>
-            <p:ph type="body" idx="1"/>
-          </p:nvPr>
-        </p:nvSpPr>
-        <p:spPr/>
-        <p:txBody>
-          <a:bodyPr>
-            <a:normAutofit/>
-          </a:bodyPr>
-          <a:lstStyle/>
-          <a:p>
-            <a:pPr>
-              <a:lnSpc>
-                <a:spcPct val="80000"/>
-              </a:lnSpc>
-            </a:pPr>
-            <a:r>
-              <a:rPr lang="en-US" dirty="0" smtClean="0"/>
-              <a:t>Give a brief overview of the presentation.</a:t>
-            </a:r>
-            <a:r>
-              <a:rPr lang="en-US" baseline="0" dirty="0" smtClean="0"/>
-              <a:t> D</a:t>
-            </a:r>
-            <a:r>
-              <a:rPr lang="en-US" dirty="0" smtClean="0"/>
-              <a:t>escribe the major focus of the presentation and why it is important.</a:t>
-            </a:r>
-          </a:p>
-          <a:p>
-            <a:pPr>
-              <a:lnSpc>
-                <a:spcPct val="80000"/>
-              </a:lnSpc>
-            </a:pPr>
-            <a:r>
-              <a:rPr lang="en-US" dirty="0" smtClean="0"/>
-              <a:t>Introduce each of the major topics.</a:t>
-            </a:r>
-          </a:p>
-          <a:p>
-            <a:r>
-              <a:rPr lang="en-US" dirty="0" smtClean="0"/>
-              <a:t>To provide a road map for the audience, you</a:t>
-            </a:r>
-            <a:r>
-              <a:rPr lang="en-US" baseline="0" dirty="0" smtClean="0"/>
-              <a:t> can </a:t>
-            </a:r>
-            <a:r>
-              <a:rPr lang="en-US" dirty="0" smtClean="0"/>
-              <a:t>repeat this Overview slide throughout the presentation, highlighting the particular topic you will discuss next.</a:t>
-            </a:r>
-          </a:p>
-        </p:txBody>
-      </p:sp>
-      <p:sp>
-        <p:nvSpPr>
-          <p:cNvPr id="4" name="Slide Number Placeholder 3"/>
-          <p:cNvSpPr>
-            <a:spLocks noGrp="1"/>
-          </p:cNvSpPr>
-          <p:nvPr>
-            <p:ph type="sldNum" sz="quarter" idx="10"/>
-          </p:nvPr>
-        </p:nvSpPr>
-        <p:spPr/>
-        <p:txBody>
-          <a:bodyPr/>
-          <a:lstStyle/>
-          <a:p>
-            <a:fld id="{EC6EAC7D-5A89-47C2-8ABA-56C9C2DEF7A4}" type="slidenum">
-              <a:rPr lang="en-US" smtClean="0"/>
-              <a:pPr/>
-              <a:t>19</a:t>
             </a:fld>
             <a:endParaRPr lang="en-US"/>
           </a:p>
@@ -2149,332 +1104,6 @@
               <a:rPr lang="en-US" smtClean="0"/>
               <a:pPr/>
               <a:t>2</a:t>
-            </a:fld>
-            <a:endParaRPr lang="en-US"/>
-          </a:p>
-        </p:txBody>
-      </p:sp>
-    </p:spTree>
-  </p:cSld>
-  <p:clrMapOvr>
-    <a:masterClrMapping/>
-  </p:clrMapOvr>
-</p:notes>
-</file>
-
-<file path=ppt/notesSlides/notesSlide20.xml><?xml version="1.0" encoding="utf-8"?>
-<p:notes xmlns:a="http://schemas.openxmlformats.org/drawingml/2006/main" xmlns:r="http://schemas.openxmlformats.org/officeDocument/2006/relationships" xmlns:p="http://schemas.openxmlformats.org/presentationml/2006/main">
-  <p:cSld>
-    <p:spTree>
-      <p:nvGrpSpPr>
-        <p:cNvPr id="1" name=""/>
-        <p:cNvGrpSpPr/>
-        <p:nvPr/>
-      </p:nvGrpSpPr>
-      <p:grpSpPr>
-        <a:xfrm>
-          <a:off x="0" y="0"/>
-          <a:ext cx="0" cy="0"/>
-          <a:chOff x="0" y="0"/>
-          <a:chExt cx="0" cy="0"/>
-        </a:xfrm>
-      </p:grpSpPr>
-      <p:sp>
-        <p:nvSpPr>
-          <p:cNvPr id="2" name="Slide Image Placeholder 1"/>
-          <p:cNvSpPr>
-            <a:spLocks noGrp="1" noRot="1" noChangeAspect="1"/>
-          </p:cNvSpPr>
-          <p:nvPr>
-            <p:ph type="sldImg"/>
-          </p:nvPr>
-        </p:nvSpPr>
-        <p:spPr/>
-      </p:sp>
-      <p:sp>
-        <p:nvSpPr>
-          <p:cNvPr id="3" name="Notes Placeholder 2"/>
-          <p:cNvSpPr>
-            <a:spLocks noGrp="1"/>
-          </p:cNvSpPr>
-          <p:nvPr>
-            <p:ph type="body" idx="1"/>
-          </p:nvPr>
-        </p:nvSpPr>
-        <p:spPr/>
-        <p:txBody>
-          <a:bodyPr>
-            <a:normAutofit/>
-          </a:bodyPr>
-          <a:lstStyle/>
-          <a:p>
-            <a:pPr>
-              <a:lnSpc>
-                <a:spcPct val="80000"/>
-              </a:lnSpc>
-            </a:pPr>
-            <a:r>
-              <a:rPr lang="en-US" dirty="0" smtClean="0"/>
-              <a:t>Give a brief overview of the presentation.</a:t>
-            </a:r>
-            <a:r>
-              <a:rPr lang="en-US" baseline="0" dirty="0" smtClean="0"/>
-              <a:t> D</a:t>
-            </a:r>
-            <a:r>
-              <a:rPr lang="en-US" dirty="0" smtClean="0"/>
-              <a:t>escribe the major focus of the presentation and why it is important.</a:t>
-            </a:r>
-          </a:p>
-          <a:p>
-            <a:pPr>
-              <a:lnSpc>
-                <a:spcPct val="80000"/>
-              </a:lnSpc>
-            </a:pPr>
-            <a:r>
-              <a:rPr lang="en-US" dirty="0" smtClean="0"/>
-              <a:t>Introduce each of the major topics.</a:t>
-            </a:r>
-          </a:p>
-          <a:p>
-            <a:r>
-              <a:rPr lang="en-US" dirty="0" smtClean="0"/>
-              <a:t>To provide a road map for the audience, you</a:t>
-            </a:r>
-            <a:r>
-              <a:rPr lang="en-US" baseline="0" dirty="0" smtClean="0"/>
-              <a:t> can </a:t>
-            </a:r>
-            <a:r>
-              <a:rPr lang="en-US" dirty="0" smtClean="0"/>
-              <a:t>repeat this Overview slide throughout the presentation, highlighting the particular topic you will discuss next.</a:t>
-            </a:r>
-          </a:p>
-        </p:txBody>
-      </p:sp>
-      <p:sp>
-        <p:nvSpPr>
-          <p:cNvPr id="4" name="Slide Number Placeholder 3"/>
-          <p:cNvSpPr>
-            <a:spLocks noGrp="1"/>
-          </p:cNvSpPr>
-          <p:nvPr>
-            <p:ph type="sldNum" sz="quarter" idx="10"/>
-          </p:nvPr>
-        </p:nvSpPr>
-        <p:spPr/>
-        <p:txBody>
-          <a:bodyPr/>
-          <a:lstStyle/>
-          <a:p>
-            <a:fld id="{EC6EAC7D-5A89-47C2-8ABA-56C9C2DEF7A4}" type="slidenum">
-              <a:rPr lang="en-US" smtClean="0"/>
-              <a:pPr/>
-              <a:t>20</a:t>
-            </a:fld>
-            <a:endParaRPr lang="en-US"/>
-          </a:p>
-        </p:txBody>
-      </p:sp>
-    </p:spTree>
-  </p:cSld>
-  <p:clrMapOvr>
-    <a:masterClrMapping/>
-  </p:clrMapOvr>
-</p:notes>
-</file>
-
-<file path=ppt/notesSlides/notesSlide21.xml><?xml version="1.0" encoding="utf-8"?>
-<p:notes xmlns:a="http://schemas.openxmlformats.org/drawingml/2006/main" xmlns:r="http://schemas.openxmlformats.org/officeDocument/2006/relationships" xmlns:p="http://schemas.openxmlformats.org/presentationml/2006/main">
-  <p:cSld>
-    <p:spTree>
-      <p:nvGrpSpPr>
-        <p:cNvPr id="1" name=""/>
-        <p:cNvGrpSpPr/>
-        <p:nvPr/>
-      </p:nvGrpSpPr>
-      <p:grpSpPr>
-        <a:xfrm>
-          <a:off x="0" y="0"/>
-          <a:ext cx="0" cy="0"/>
-          <a:chOff x="0" y="0"/>
-          <a:chExt cx="0" cy="0"/>
-        </a:xfrm>
-      </p:grpSpPr>
-      <p:sp>
-        <p:nvSpPr>
-          <p:cNvPr id="2" name="Slide Image Placeholder 1"/>
-          <p:cNvSpPr>
-            <a:spLocks noGrp="1" noRot="1" noChangeAspect="1"/>
-          </p:cNvSpPr>
-          <p:nvPr>
-            <p:ph type="sldImg"/>
-          </p:nvPr>
-        </p:nvSpPr>
-        <p:spPr/>
-      </p:sp>
-      <p:sp>
-        <p:nvSpPr>
-          <p:cNvPr id="3" name="Notes Placeholder 2"/>
-          <p:cNvSpPr>
-            <a:spLocks noGrp="1"/>
-          </p:cNvSpPr>
-          <p:nvPr>
-            <p:ph type="body" idx="1"/>
-          </p:nvPr>
-        </p:nvSpPr>
-        <p:spPr/>
-        <p:txBody>
-          <a:bodyPr>
-            <a:normAutofit/>
-          </a:bodyPr>
-          <a:lstStyle/>
-          <a:p>
-            <a:pPr>
-              <a:lnSpc>
-                <a:spcPct val="80000"/>
-              </a:lnSpc>
-            </a:pPr>
-            <a:r>
-              <a:rPr lang="en-US" dirty="0" smtClean="0"/>
-              <a:t>Give a brief overview of the presentation.</a:t>
-            </a:r>
-            <a:r>
-              <a:rPr lang="en-US" baseline="0" dirty="0" smtClean="0"/>
-              <a:t> D</a:t>
-            </a:r>
-            <a:r>
-              <a:rPr lang="en-US" dirty="0" smtClean="0"/>
-              <a:t>escribe the major focus of the presentation and why it is important.</a:t>
-            </a:r>
-          </a:p>
-          <a:p>
-            <a:pPr>
-              <a:lnSpc>
-                <a:spcPct val="80000"/>
-              </a:lnSpc>
-            </a:pPr>
-            <a:r>
-              <a:rPr lang="en-US" dirty="0" smtClean="0"/>
-              <a:t>Introduce each of the major topics.</a:t>
-            </a:r>
-          </a:p>
-          <a:p>
-            <a:r>
-              <a:rPr lang="en-US" dirty="0" smtClean="0"/>
-              <a:t>To provide a road map for the audience, you</a:t>
-            </a:r>
-            <a:r>
-              <a:rPr lang="en-US" baseline="0" dirty="0" smtClean="0"/>
-              <a:t> can </a:t>
-            </a:r>
-            <a:r>
-              <a:rPr lang="en-US" dirty="0" smtClean="0"/>
-              <a:t>repeat this Overview slide throughout the presentation, highlighting the particular topic you will discuss next.</a:t>
-            </a:r>
-          </a:p>
-        </p:txBody>
-      </p:sp>
-      <p:sp>
-        <p:nvSpPr>
-          <p:cNvPr id="4" name="Slide Number Placeholder 3"/>
-          <p:cNvSpPr>
-            <a:spLocks noGrp="1"/>
-          </p:cNvSpPr>
-          <p:nvPr>
-            <p:ph type="sldNum" sz="quarter" idx="10"/>
-          </p:nvPr>
-        </p:nvSpPr>
-        <p:spPr/>
-        <p:txBody>
-          <a:bodyPr/>
-          <a:lstStyle/>
-          <a:p>
-            <a:fld id="{EC6EAC7D-5A89-47C2-8ABA-56C9C2DEF7A4}" type="slidenum">
-              <a:rPr lang="en-US" smtClean="0"/>
-              <a:pPr/>
-              <a:t>21</a:t>
-            </a:fld>
-            <a:endParaRPr lang="en-US"/>
-          </a:p>
-        </p:txBody>
-      </p:sp>
-    </p:spTree>
-  </p:cSld>
-  <p:clrMapOvr>
-    <a:masterClrMapping/>
-  </p:clrMapOvr>
-</p:notes>
-</file>
-
-<file path=ppt/notesSlides/notesSlide22.xml><?xml version="1.0" encoding="utf-8"?>
-<p:notes xmlns:a="http://schemas.openxmlformats.org/drawingml/2006/main" xmlns:r="http://schemas.openxmlformats.org/officeDocument/2006/relationships" xmlns:p="http://schemas.openxmlformats.org/presentationml/2006/main">
-  <p:cSld>
-    <p:spTree>
-      <p:nvGrpSpPr>
-        <p:cNvPr id="1" name=""/>
-        <p:cNvGrpSpPr/>
-        <p:nvPr/>
-      </p:nvGrpSpPr>
-      <p:grpSpPr>
-        <a:xfrm>
-          <a:off x="0" y="0"/>
-          <a:ext cx="0" cy="0"/>
-          <a:chOff x="0" y="0"/>
-          <a:chExt cx="0" cy="0"/>
-        </a:xfrm>
-      </p:grpSpPr>
-      <p:sp>
-        <p:nvSpPr>
-          <p:cNvPr id="2" name="Slide Image Placeholder 1"/>
-          <p:cNvSpPr>
-            <a:spLocks noGrp="1" noRot="1" noChangeAspect="1"/>
-          </p:cNvSpPr>
-          <p:nvPr>
-            <p:ph type="sldImg"/>
-          </p:nvPr>
-        </p:nvSpPr>
-        <p:spPr/>
-      </p:sp>
-      <p:sp>
-        <p:nvSpPr>
-          <p:cNvPr id="3" name="Notes Placeholder 2"/>
-          <p:cNvSpPr>
-            <a:spLocks noGrp="1"/>
-          </p:cNvSpPr>
-          <p:nvPr>
-            <p:ph type="body" idx="1"/>
-          </p:nvPr>
-        </p:nvSpPr>
-        <p:spPr/>
-        <p:txBody>
-          <a:bodyPr/>
-          <a:lstStyle/>
-          <a:p>
-            <a:endParaRPr lang="en-US"/>
-          </a:p>
-        </p:txBody>
-      </p:sp>
-      <p:sp>
-        <p:nvSpPr>
-          <p:cNvPr id="4" name="Slide Number Placeholder 3"/>
-          <p:cNvSpPr>
-            <a:spLocks noGrp="1"/>
-          </p:cNvSpPr>
-          <p:nvPr>
-            <p:ph type="sldNum" sz="quarter" idx="10"/>
-          </p:nvPr>
-        </p:nvSpPr>
-        <p:spPr/>
-        <p:txBody>
-          <a:bodyPr/>
-          <a:lstStyle/>
-          <a:p>
-            <a:fld id="{75693FD4-8F83-4EF7-AC3F-0DC0388986B0}" type="slidenum">
-              <a:rPr lang="en-US" smtClean="0"/>
-              <a:pPr/>
-              <a:t>22</a:t>
             </a:fld>
             <a:endParaRPr lang="en-US"/>
           </a:p>
@@ -3774,7 +2403,7 @@
             <a:fld id="{757B281C-5159-4971-8228-52B9A72E9ED2}" type="datetimeFigureOut">
               <a:rPr lang="en-US" smtClean="0"/>
               <a:pPr/>
-              <a:t>11/3/2010</a:t>
+              <a:t>11/4/2010</a:t>
             </a:fld>
             <a:endParaRPr lang="en-US" dirty="0"/>
           </a:p>
@@ -3876,7 +2505,7 @@
             <a:fld id="{757B281C-5159-4971-8228-52B9A72E9ED2}" type="datetimeFigureOut">
               <a:rPr lang="en-US" smtClean="0"/>
               <a:pPr/>
-              <a:t>11/3/2010</a:t>
+              <a:t>11/4/2010</a:t>
             </a:fld>
             <a:endParaRPr lang="en-US" dirty="0"/>
           </a:p>
@@ -4012,7 +2641,7 @@
             <a:fld id="{757B281C-5159-4971-8228-52B9A72E9ED2}" type="datetimeFigureOut">
               <a:rPr lang="en-US" smtClean="0"/>
               <a:pPr/>
-              <a:t>11/3/2010</a:t>
+              <a:t>11/4/2010</a:t>
             </a:fld>
             <a:endParaRPr lang="en-US" dirty="0"/>
           </a:p>
@@ -4218,7 +2847,7 @@
             <a:fld id="{757B281C-5159-4971-8228-52B9A72E9ED2}" type="datetimeFigureOut">
               <a:rPr lang="en-US" smtClean="0"/>
               <a:pPr/>
-              <a:t>11/3/2010</a:t>
+              <a:t>11/4/2010</a:t>
             </a:fld>
             <a:endParaRPr lang="en-US" dirty="0"/>
           </a:p>
@@ -4617,7 +3246,7 @@
             <a:fld id="{757B281C-5159-4971-8228-52B9A72E9ED2}" type="datetimeFigureOut">
               <a:rPr lang="en-US" smtClean="0"/>
               <a:pPr/>
-              <a:t>11/3/2010</a:t>
+              <a:t>11/4/2010</a:t>
             </a:fld>
             <a:endParaRPr lang="en-US" dirty="0"/>
           </a:p>
@@ -4917,7 +3546,7 @@
             <a:fld id="{757B281C-5159-4971-8228-52B9A72E9ED2}" type="datetimeFigureOut">
               <a:rPr lang="en-US" smtClean="0"/>
               <a:pPr/>
-              <a:t>11/3/2010</a:t>
+              <a:t>11/4/2010</a:t>
             </a:fld>
             <a:endParaRPr lang="en-US" dirty="0"/>
           </a:p>
@@ -5346,7 +3975,7 @@
             <a:fld id="{757B281C-5159-4971-8228-52B9A72E9ED2}" type="datetimeFigureOut">
               <a:rPr lang="en-US" smtClean="0"/>
               <a:pPr/>
-              <a:t>11/3/2010</a:t>
+              <a:t>11/4/2010</a:t>
             </a:fld>
             <a:endParaRPr lang="en-US" dirty="0"/>
           </a:p>
@@ -5623,7 +4252,7 @@
             <a:fld id="{757B281C-5159-4971-8228-52B9A72E9ED2}" type="datetimeFigureOut">
               <a:rPr lang="en-US" smtClean="0"/>
               <a:pPr/>
-              <a:t>11/3/2010</a:t>
+              <a:t>11/4/2010</a:t>
             </a:fld>
             <a:endParaRPr lang="en-US" dirty="0"/>
           </a:p>
@@ -5887,7 +4516,7 @@
             <a:fld id="{757B281C-5159-4971-8228-52B9A72E9ED2}" type="datetimeFigureOut">
               <a:rPr lang="en-US" smtClean="0"/>
               <a:pPr/>
-              <a:t>11/3/2010</a:t>
+              <a:t>11/4/2010</a:t>
             </a:fld>
             <a:endParaRPr lang="en-US" dirty="0"/>
           </a:p>
@@ -6057,7 +4686,7 @@
             <a:fld id="{757B281C-5159-4971-8228-52B9A72E9ED2}" type="datetimeFigureOut">
               <a:rPr lang="en-US" smtClean="0"/>
               <a:pPr/>
-              <a:t>11/3/2010</a:t>
+              <a:t>11/4/2010</a:t>
             </a:fld>
             <a:endParaRPr lang="en-US" dirty="0"/>
           </a:p>
@@ -6237,7 +4866,7 @@
             <a:fld id="{757B281C-5159-4971-8228-52B9A72E9ED2}" type="datetimeFigureOut">
               <a:rPr lang="en-US" smtClean="0"/>
               <a:pPr/>
-              <a:t>11/3/2010</a:t>
+              <a:t>11/4/2010</a:t>
             </a:fld>
             <a:endParaRPr lang="en-US" dirty="0"/>
           </a:p>
@@ -6479,7 +5108,7 @@
             <a:fld id="{757B281C-5159-4971-8228-52B9A72E9ED2}" type="datetimeFigureOut">
               <a:rPr lang="en-US" smtClean="0"/>
               <a:pPr/>
-              <a:t>11/3/2010</a:t>
+              <a:t>11/4/2010</a:t>
             </a:fld>
             <a:endParaRPr lang="en-US" dirty="0"/>
           </a:p>
@@ -7024,6 +5653,166 @@
       </p:grpSpPr>
       <p:sp>
         <p:nvSpPr>
+          <p:cNvPr id="7" name="TextBox 6"/>
+          <p:cNvSpPr txBox="1"/>
+          <p:nvPr/>
+        </p:nvSpPr>
+        <p:spPr>
+          <a:xfrm>
+            <a:off x="3276600" y="228600"/>
+            <a:ext cx="5257800" cy="5943600"/>
+          </a:xfrm>
+          <a:prstGeom prst="rect">
+            <a:avLst/>
+          </a:prstGeom>
+          <a:noFill/>
+        </p:spPr>
+        <p:txBody>
+          <a:bodyPr wrap="square" rtlCol="0">
+            <a:normAutofit/>
+          </a:bodyPr>
+          <a:lstStyle/>
+          <a:p>
+            <a:r>
+              <a:rPr lang="en-US" sz="4400" dirty="0" smtClean="0"/>
+              <a:t>Darren </a:t>
+            </a:r>
+            <a:r>
+              <a:rPr lang="en-US" sz="4400" dirty="0" err="1" smtClean="0"/>
+              <a:t>Cauthon</a:t>
+            </a:r>
+            <a:endParaRPr lang="en-US" sz="4400" dirty="0" smtClean="0"/>
+          </a:p>
+          <a:p>
+            <a:r>
+              <a:rPr lang="en-US" sz="4400" dirty="0" smtClean="0">
+                <a:hlinkClick r:id="rId3"/>
+              </a:rPr>
+              <a:t>darren@cauthon.com</a:t>
+            </a:r>
+            <a:endParaRPr lang="en-US" sz="4400" dirty="0" smtClean="0"/>
+          </a:p>
+          <a:p>
+            <a:r>
+              <a:rPr lang="en-US" sz="4800" dirty="0" smtClean="0"/>
+              <a:t>@</a:t>
+            </a:r>
+            <a:r>
+              <a:rPr lang="en-US" sz="4800" dirty="0" err="1" smtClean="0"/>
+              <a:t>darrencauthon</a:t>
+            </a:r>
+            <a:endParaRPr lang="en-US" sz="4800" dirty="0" smtClean="0"/>
+          </a:p>
+          <a:p>
+            <a:r>
+              <a:rPr lang="en-US" sz="3600" dirty="0" smtClean="0"/>
+              <a:t>http://www.cauthon.com</a:t>
+            </a:r>
+            <a:endParaRPr lang="en-US" sz="3600" dirty="0"/>
+          </a:p>
+        </p:txBody>
+      </p:sp>
+      <p:pic>
+        <p:nvPicPr>
+          <p:cNvPr id="6" name="Picture 5"/>
+          <p:cNvPicPr>
+            <a:picLocks noChangeAspect="1"/>
+          </p:cNvPicPr>
+          <p:nvPr/>
+        </p:nvPicPr>
+        <p:blipFill>
+          <a:blip r:embed="rId4" cstate="email">
+            <a:extLst>
+              <a:ext uri="{28A0092B-C50C-407E-A947-70E740481C1C}">
+                <a14:useLocalDpi xmlns:a14="http://schemas.microsoft.com/office/drawing/2010/main"/>
+              </a:ext>
+            </a:extLst>
+          </a:blip>
+          <a:stretch>
+            <a:fillRect/>
+          </a:stretch>
+        </p:blipFill>
+        <p:spPr>
+          <a:xfrm>
+            <a:off x="-4963332" y="-6858000"/>
+            <a:ext cx="7765662" cy="16476125"/>
+          </a:xfrm>
+          <a:prstGeom prst="rect">
+            <a:avLst/>
+          </a:prstGeom>
+        </p:spPr>
+      </p:pic>
+      <p:pic>
+        <p:nvPicPr>
+          <p:cNvPr id="13" name="Picture 12"/>
+          <p:cNvPicPr>
+            <a:picLocks noChangeAspect="1"/>
+          </p:cNvPicPr>
+          <p:nvPr/>
+        </p:nvPicPr>
+        <p:blipFill rotWithShape="1">
+          <a:blip r:embed="rId5" cstate="email">
+            <a:extLst>
+              <a:ext uri="{28A0092B-C50C-407E-A947-70E740481C1C}">
+                <a14:useLocalDpi xmlns:a14="http://schemas.microsoft.com/office/drawing/2010/main"/>
+              </a:ext>
+            </a:extLst>
+          </a:blip>
+          <a:srcRect/>
+          <a:stretch/>
+        </p:blipFill>
+        <p:spPr>
+          <a:xfrm rot="20753331" flipH="1">
+            <a:off x="-316180" y="3775286"/>
+            <a:ext cx="2895600" cy="3390489"/>
+          </a:xfrm>
+          <a:prstGeom prst="rect">
+            <a:avLst/>
+          </a:prstGeom>
+        </p:spPr>
+      </p:pic>
+    </p:spTree>
+    <p:extLst>
+      <p:ext uri="{BB962C8B-B14F-4D97-AF65-F5344CB8AC3E}">
+        <p14:creationId xmlns:p14="http://schemas.microsoft.com/office/powerpoint/2010/main" val="2396152795"/>
+      </p:ext>
+    </p:extLst>
+  </p:cSld>
+  <p:clrMapOvr>
+    <a:masterClrMapping/>
+  </p:clrMapOvr>
+  <p:transition spd="slow">
+    <p:push dir="u"/>
+  </p:transition>
+  <p:timing>
+    <p:tnLst>
+      <p:par>
+        <p:cTn id="1" dur="indefinite" restart="never" nodeType="tmRoot"/>
+      </p:par>
+    </p:tnLst>
+  </p:timing>
+</p:sld>
+</file>
+
+<file path=ppt/slides/slide2.xml><?xml version="1.0" encoding="utf-8"?>
+<p:sld xmlns:a="http://schemas.openxmlformats.org/drawingml/2006/main" xmlns:r="http://schemas.openxmlformats.org/officeDocument/2006/relationships" xmlns:p="http://schemas.openxmlformats.org/presentationml/2006/main">
+  <p:cSld>
+    <p:spTree>
+      <p:nvGrpSpPr>
+        <p:cNvPr id="1" name=""/>
+        <p:cNvGrpSpPr/>
+        <p:nvPr/>
+      </p:nvGrpSpPr>
+      <p:grpSpPr>
+        <a:xfrm>
+          <a:off x="0" y="0"/>
+          <a:ext cx="0" cy="0"/>
+          <a:chOff x="0" y="0"/>
+          <a:chExt cx="0" cy="0"/>
+        </a:xfrm>
+      </p:grpSpPr>
+      <p:sp>
+        <p:nvSpPr>
           <p:cNvPr id="2" name="Title 1"/>
           <p:cNvSpPr>
             <a:spLocks noGrp="1"/>
@@ -7037,6 +5826,32 @@
         </p:nvSpPr>
         <p:spPr/>
         <p:txBody>
+          <a:bodyPr/>
+          <a:lstStyle/>
+          <a:p>
+            <a:r>
+              <a:rPr lang="en-US" dirty="0" smtClean="0"/>
+              <a:t>Let’s start with an issue…</a:t>
+            </a:r>
+            <a:endParaRPr lang="en-US" dirty="0"/>
+          </a:p>
+        </p:txBody>
+      </p:sp>
+      <p:sp>
+        <p:nvSpPr>
+          <p:cNvPr id="5" name="Content Placeholder 4"/>
+          <p:cNvSpPr>
+            <a:spLocks noGrp="1"/>
+          </p:cNvSpPr>
+          <p:nvPr>
+            <p:ph idx="1"/>
+            <p:custDataLst>
+              <p:tags r:id="rId3"/>
+            </p:custDataLst>
+          </p:nvPr>
+        </p:nvSpPr>
+        <p:spPr/>
+        <p:txBody>
           <a:bodyPr>
             <a:normAutofit/>
           </a:bodyPr>
@@ -7044,60 +5859,35 @@
           <a:p>
             <a:r>
               <a:rPr lang="en-US" dirty="0" smtClean="0"/>
-              <a:t>Let’s go back to our promotion…</a:t>
+              <a:t>My company, Acme Inc., wants to run a promotion.</a:t>
+            </a:r>
+          </a:p>
+          <a:p>
+            <a:r>
+              <a:rPr lang="en-US" dirty="0" smtClean="0"/>
+              <a:t>Anybody who buys an Acme hot dog gets a promotion code on his receipt.</a:t>
+            </a:r>
+          </a:p>
+          <a:p>
+            <a:r>
+              <a:rPr lang="en-US" dirty="0" smtClean="0"/>
+              <a:t>A few of these </a:t>
+            </a:r>
+            <a:r>
+              <a:rPr lang="en-US" dirty="0" smtClean="0"/>
+              <a:t>promotion </a:t>
+            </a:r>
+            <a:r>
+              <a:rPr lang="en-US" dirty="0" smtClean="0"/>
+              <a:t>codes have prizes attached.</a:t>
+            </a:r>
+          </a:p>
+          <a:p>
+            <a:r>
+              <a:rPr lang="en-US" dirty="0" smtClean="0"/>
+              <a:t>If a user enters the promotion code on the website, he wins the prize.</a:t>
             </a:r>
             <a:endParaRPr lang="en-US" dirty="0"/>
-          </a:p>
-        </p:txBody>
-      </p:sp>
-      <p:sp>
-        <p:nvSpPr>
-          <p:cNvPr id="5" name="Content Placeholder 4"/>
-          <p:cNvSpPr>
-            <a:spLocks noGrp="1"/>
-          </p:cNvSpPr>
-          <p:nvPr>
-            <p:ph idx="1"/>
-            <p:custDataLst>
-              <p:tags r:id="rId3"/>
-            </p:custDataLst>
-          </p:nvPr>
-        </p:nvSpPr>
-        <p:spPr/>
-        <p:txBody>
-          <a:bodyPr>
-            <a:normAutofit/>
-          </a:bodyPr>
-          <a:lstStyle/>
-          <a:p>
-            <a:r>
-              <a:rPr lang="en-US" dirty="0" smtClean="0"/>
-              <a:t>Where to start?  </a:t>
-            </a:r>
-          </a:p>
-          <a:p>
-            <a:r>
-              <a:rPr lang="en-US" dirty="0" smtClean="0"/>
-              <a:t>The page that we’re supposed to code. </a:t>
-            </a:r>
-          </a:p>
-          <a:p>
-            <a:r>
-              <a:rPr lang="en-US" dirty="0" smtClean="0"/>
-              <a:t>After that… we’ll see?  </a:t>
-            </a:r>
-          </a:p>
-          <a:p>
-            <a:r>
-              <a:rPr lang="en-US" dirty="0" smtClean="0"/>
-              <a:t>We’re not even going to think beyond what we need next.</a:t>
-            </a:r>
-          </a:p>
-          <a:p>
-            <a:endParaRPr lang="en-US" dirty="0" smtClean="0"/>
-          </a:p>
-          <a:p>
-            <a:endParaRPr lang="en-US" dirty="0" smtClean="0"/>
           </a:p>
         </p:txBody>
       </p:sp>
@@ -7107,7 +5897,7 @@
     </p:custDataLst>
     <p:extLst>
       <p:ext uri="{BB962C8B-B14F-4D97-AF65-F5344CB8AC3E}">
-        <p14:creationId xmlns:p14="http://schemas.microsoft.com/office/powerpoint/2010/main" val="4082196126"/>
+        <p14:creationId xmlns:p14="http://schemas.microsoft.com/office/powerpoint/2010/main" val="923566193"/>
       </p:ext>
     </p:extLst>
   </p:cSld>
@@ -7397,7 +6187,7 @@
 </p:sld>
 </file>
 
-<file path=ppt/slides/slide11.xml><?xml version="1.0" encoding="utf-8"?>
+<file path=ppt/slides/slide3.xml><?xml version="1.0" encoding="utf-8"?>
 <p:sld xmlns:a="http://schemas.openxmlformats.org/drawingml/2006/main" xmlns:r="http://schemas.openxmlformats.org/officeDocument/2006/relationships" xmlns:p="http://schemas.openxmlformats.org/presentationml/2006/main">
   <p:cSld>
     <p:spTree>
@@ -7429,12 +6219,14 @@
         </p:nvSpPr>
         <p:spPr/>
         <p:txBody>
-          <a:bodyPr/>
+          <a:bodyPr>
+            <a:normAutofit fontScale="90000"/>
+          </a:bodyPr>
           <a:lstStyle/>
           <a:p>
             <a:r>
               <a:rPr lang="en-US" dirty="0" smtClean="0"/>
-              <a:t>Before We Try It Out</a:t>
+              <a:t>Let’s Do This the Old-Fashioned Way</a:t>
             </a:r>
             <a:endParaRPr lang="en-US" dirty="0"/>
           </a:p>
@@ -7456,35 +6248,32 @@
         <p:spPr/>
         <p:txBody>
           <a:bodyPr>
-            <a:noAutofit/>
+            <a:normAutofit/>
           </a:bodyPr>
           <a:lstStyle/>
           <a:p>
             <a:r>
-              <a:rPr lang="en-US" sz="3600" dirty="0" smtClean="0"/>
-              <a:t>This development process is not specific to </a:t>
-            </a:r>
-            <a:r>
-              <a:rPr lang="en-US" sz="3600" dirty="0" err="1" smtClean="0"/>
-              <a:t>SpecFlow</a:t>
-            </a:r>
-            <a:r>
-              <a:rPr lang="en-US" sz="3600" dirty="0" smtClean="0"/>
-              <a:t> or MVC.</a:t>
-            </a:r>
-          </a:p>
-          <a:p>
-            <a:r>
-              <a:rPr lang="en-US" sz="3600" dirty="0" smtClean="0"/>
-              <a:t>I am not going to test the business logic through the UI.</a:t>
-            </a:r>
-          </a:p>
-          <a:p>
-            <a:r>
-              <a:rPr lang="en-US" sz="3600" dirty="0" smtClean="0"/>
-              <a:t>There are a number of different approaches to this type of testing, and since I’m presenting you’ll see mine.</a:t>
-            </a:r>
-            <a:endParaRPr lang="en-US" sz="3600" dirty="0" smtClean="0"/>
+              <a:rPr lang="en-US" dirty="0" smtClean="0"/>
+              <a:t>Plan out everything we can, because planning is good.</a:t>
+            </a:r>
+          </a:p>
+          <a:p>
+            <a:r>
+              <a:rPr lang="en-US" dirty="0" smtClean="0"/>
+              <a:t>Draw some pictures.</a:t>
+            </a:r>
+          </a:p>
+          <a:p>
+            <a:r>
+              <a:rPr lang="en-US" dirty="0" smtClean="0"/>
+              <a:t>Build a relational database with normalized tables, well-defined keys and indexes, etc.</a:t>
+            </a:r>
+          </a:p>
+          <a:p>
+            <a:r>
+              <a:rPr lang="en-US" dirty="0" smtClean="0"/>
+              <a:t>Decide on a data access tool, then build a data layer that exposes the data and methods for adding/modifying it.</a:t>
+            </a:r>
           </a:p>
         </p:txBody>
       </p:sp>
@@ -7494,890 +6283,7 @@
     </p:custDataLst>
     <p:extLst>
       <p:ext uri="{BB962C8B-B14F-4D97-AF65-F5344CB8AC3E}">
-        <p14:creationId xmlns:p14="http://schemas.microsoft.com/office/powerpoint/2010/main" val="2109988480"/>
-      </p:ext>
-    </p:extLst>
-  </p:cSld>
-  <p:clrMapOvr>
-    <a:masterClrMapping/>
-  </p:clrMapOvr>
-  <p:transition spd="slow">
-    <p:wipe dir="d"/>
-  </p:transition>
-  <p:timing>
-    <p:tnLst>
-      <p:par>
-        <p:cTn id="1" dur="indefinite" restart="never" nodeType="tmRoot">
-          <p:childTnLst>
-            <p:seq concurrent="1" nextAc="seek">
-              <p:cTn id="2" dur="indefinite" nodeType="mainSeq">
-                <p:childTnLst>
-                  <p:par>
-                    <p:cTn id="3" fill="hold">
-                      <p:stCondLst>
-                        <p:cond delay="indefinite"/>
-                      </p:stCondLst>
-                      <p:childTnLst>
-                        <p:par>
-                          <p:cTn id="4" fill="hold">
-                            <p:stCondLst>
-                              <p:cond delay="0"/>
-                            </p:stCondLst>
-                            <p:childTnLst>
-                              <p:par>
-                                <p:cTn id="5" presetID="10" presetClass="entr" presetSubtype="0" fill="hold" grpId="0" nodeType="clickEffect">
-                                  <p:stCondLst>
-                                    <p:cond delay="0"/>
-                                  </p:stCondLst>
-                                  <p:childTnLst>
-                                    <p:set>
-                                      <p:cBhvr>
-                                        <p:cTn id="6" dur="1" fill="hold">
-                                          <p:stCondLst>
-                                            <p:cond delay="0"/>
-                                          </p:stCondLst>
-                                        </p:cTn>
-                                        <p:tgtEl>
-                                          <p:spTgt spid="5">
-                                            <p:txEl>
-                                              <p:pRg st="0" end="0"/>
-                                            </p:txEl>
-                                          </p:spTgt>
-                                        </p:tgtEl>
-                                        <p:attrNameLst>
-                                          <p:attrName>style.visibility</p:attrName>
-                                        </p:attrNameLst>
-                                      </p:cBhvr>
-                                      <p:to>
-                                        <p:strVal val="visible"/>
-                                      </p:to>
-                                    </p:set>
-                                    <p:animEffect transition="in" filter="fade">
-                                      <p:cBhvr>
-                                        <p:cTn id="7" dur="500"/>
-                                        <p:tgtEl>
-                                          <p:spTgt spid="5">
-                                            <p:txEl>
-                                              <p:pRg st="0" end="0"/>
-                                            </p:txEl>
-                                          </p:spTgt>
-                                        </p:tgtEl>
-                                      </p:cBhvr>
-                                    </p:animEffect>
-                                  </p:childTnLst>
-                                </p:cTn>
-                              </p:par>
-                            </p:childTnLst>
-                          </p:cTn>
-                        </p:par>
-                      </p:childTnLst>
-                    </p:cTn>
-                  </p:par>
-                  <p:par>
-                    <p:cTn id="8" fill="hold">
-                      <p:stCondLst>
-                        <p:cond delay="indefinite"/>
-                      </p:stCondLst>
-                      <p:childTnLst>
-                        <p:par>
-                          <p:cTn id="9" fill="hold">
-                            <p:stCondLst>
-                              <p:cond delay="0"/>
-                            </p:stCondLst>
-                            <p:childTnLst>
-                              <p:par>
-                                <p:cTn id="10" presetID="10" presetClass="entr" presetSubtype="0" fill="hold" grpId="0" nodeType="clickEffect">
-                                  <p:stCondLst>
-                                    <p:cond delay="0"/>
-                                  </p:stCondLst>
-                                  <p:childTnLst>
-                                    <p:set>
-                                      <p:cBhvr>
-                                        <p:cTn id="11" dur="1" fill="hold">
-                                          <p:stCondLst>
-                                            <p:cond delay="0"/>
-                                          </p:stCondLst>
-                                        </p:cTn>
-                                        <p:tgtEl>
-                                          <p:spTgt spid="5">
-                                            <p:txEl>
-                                              <p:pRg st="1" end="1"/>
-                                            </p:txEl>
-                                          </p:spTgt>
-                                        </p:tgtEl>
-                                        <p:attrNameLst>
-                                          <p:attrName>style.visibility</p:attrName>
-                                        </p:attrNameLst>
-                                      </p:cBhvr>
-                                      <p:to>
-                                        <p:strVal val="visible"/>
-                                      </p:to>
-                                    </p:set>
-                                    <p:animEffect transition="in" filter="fade">
-                                      <p:cBhvr>
-                                        <p:cTn id="12" dur="500"/>
-                                        <p:tgtEl>
-                                          <p:spTgt spid="5">
-                                            <p:txEl>
-                                              <p:pRg st="1" end="1"/>
-                                            </p:txEl>
-                                          </p:spTgt>
-                                        </p:tgtEl>
-                                      </p:cBhvr>
-                                    </p:animEffect>
-                                  </p:childTnLst>
-                                </p:cTn>
-                              </p:par>
-                            </p:childTnLst>
-                          </p:cTn>
-                        </p:par>
-                      </p:childTnLst>
-                    </p:cTn>
-                  </p:par>
-                  <p:par>
-                    <p:cTn id="13" fill="hold">
-                      <p:stCondLst>
-                        <p:cond delay="indefinite"/>
-                      </p:stCondLst>
-                      <p:childTnLst>
-                        <p:par>
-                          <p:cTn id="14" fill="hold">
-                            <p:stCondLst>
-                              <p:cond delay="0"/>
-                            </p:stCondLst>
-                            <p:childTnLst>
-                              <p:par>
-                                <p:cTn id="15" presetID="10" presetClass="entr" presetSubtype="0" fill="hold" grpId="0" nodeType="clickEffect">
-                                  <p:stCondLst>
-                                    <p:cond delay="0"/>
-                                  </p:stCondLst>
-                                  <p:childTnLst>
-                                    <p:set>
-                                      <p:cBhvr>
-                                        <p:cTn id="16" dur="1" fill="hold">
-                                          <p:stCondLst>
-                                            <p:cond delay="0"/>
-                                          </p:stCondLst>
-                                        </p:cTn>
-                                        <p:tgtEl>
-                                          <p:spTgt spid="5">
-                                            <p:txEl>
-                                              <p:pRg st="2" end="2"/>
-                                            </p:txEl>
-                                          </p:spTgt>
-                                        </p:tgtEl>
-                                        <p:attrNameLst>
-                                          <p:attrName>style.visibility</p:attrName>
-                                        </p:attrNameLst>
-                                      </p:cBhvr>
-                                      <p:to>
-                                        <p:strVal val="visible"/>
-                                      </p:to>
-                                    </p:set>
-                                    <p:animEffect transition="in" filter="fade">
-                                      <p:cBhvr>
-                                        <p:cTn id="17" dur="500"/>
-                                        <p:tgtEl>
-                                          <p:spTgt spid="5">
-                                            <p:txEl>
-                                              <p:pRg st="2" end="2"/>
-                                            </p:txEl>
-                                          </p:spTgt>
-                                        </p:tgtEl>
-                                      </p:cBhvr>
-                                    </p:animEffect>
-                                  </p:childTnLst>
-                                </p:cTn>
-                              </p:par>
-                            </p:childTnLst>
-                          </p:cTn>
-                        </p:par>
-                      </p:childTnLst>
-                    </p:cTn>
-                  </p:par>
-                </p:childTnLst>
-              </p:cTn>
-              <p:prevCondLst>
-                <p:cond evt="onPrev" delay="0">
-                  <p:tgtEl>
-                    <p:sldTgt/>
-                  </p:tgtEl>
-                </p:cond>
-              </p:prevCondLst>
-              <p:nextCondLst>
-                <p:cond evt="onNext" delay="0">
-                  <p:tgtEl>
-                    <p:sldTgt/>
-                  </p:tgtEl>
-                </p:cond>
-              </p:nextCondLst>
-            </p:seq>
-          </p:childTnLst>
-        </p:cTn>
-      </p:par>
-    </p:tnLst>
-    <p:bldLst>
-      <p:bldP spid="5" grpId="0" build="p"/>
-    </p:bldLst>
-  </p:timing>
-</p:sld>
-</file>
-
-<file path=ppt/slides/slide12.xml><?xml version="1.0" encoding="utf-8"?>
-<p:sld xmlns:a="http://schemas.openxmlformats.org/drawingml/2006/main" xmlns:r="http://schemas.openxmlformats.org/officeDocument/2006/relationships" xmlns:p="http://schemas.openxmlformats.org/presentationml/2006/main">
-  <p:cSld>
-    <p:spTree>
-      <p:nvGrpSpPr>
-        <p:cNvPr id="1" name=""/>
-        <p:cNvGrpSpPr/>
-        <p:nvPr/>
-      </p:nvGrpSpPr>
-      <p:grpSpPr>
-        <a:xfrm>
-          <a:off x="0" y="0"/>
-          <a:ext cx="0" cy="0"/>
-          <a:chOff x="0" y="0"/>
-          <a:chExt cx="0" cy="0"/>
-        </a:xfrm>
-      </p:grpSpPr>
-      <p:sp>
-        <p:nvSpPr>
-          <p:cNvPr id="7" name="TextBox 6"/>
-          <p:cNvSpPr txBox="1"/>
-          <p:nvPr/>
-        </p:nvSpPr>
-        <p:spPr>
-          <a:xfrm>
-            <a:off x="3276600" y="2087940"/>
-            <a:ext cx="5206554" cy="3855660"/>
-          </a:xfrm>
-          <a:prstGeom prst="rect">
-            <a:avLst/>
-          </a:prstGeom>
-          <a:noFill/>
-        </p:spPr>
-        <p:txBody>
-          <a:bodyPr wrap="square" rtlCol="0">
-            <a:normAutofit/>
-          </a:bodyPr>
-          <a:lstStyle/>
-          <a:p>
-            <a:r>
-              <a:rPr lang="en-US" sz="7200" dirty="0" smtClean="0"/>
-              <a:t>Let’s Try It Out</a:t>
-            </a:r>
-            <a:endParaRPr lang="en-US" sz="7200" dirty="0"/>
-          </a:p>
-        </p:txBody>
-      </p:sp>
-      <p:pic>
-        <p:nvPicPr>
-          <p:cNvPr id="9" name="Picture 8"/>
-          <p:cNvPicPr>
-            <a:picLocks noChangeAspect="1"/>
-          </p:cNvPicPr>
-          <p:nvPr/>
-        </p:nvPicPr>
-        <p:blipFill>
-          <a:blip r:embed="rId3" cstate="email">
-            <a:extLst>
-              <a:ext uri="{28A0092B-C50C-407E-A947-70E740481C1C}">
-                <a14:useLocalDpi xmlns:a14="http://schemas.microsoft.com/office/drawing/2010/main"/>
-              </a:ext>
-            </a:extLst>
-          </a:blip>
-          <a:stretch>
-            <a:fillRect/>
-          </a:stretch>
-        </p:blipFill>
-        <p:spPr>
-          <a:xfrm>
-            <a:off x="-4953000" y="0"/>
-            <a:ext cx="7765662" cy="16476125"/>
-          </a:xfrm>
-          <a:prstGeom prst="rect">
-            <a:avLst/>
-          </a:prstGeom>
-        </p:spPr>
-      </p:pic>
-    </p:spTree>
-  </p:cSld>
-  <p:clrMapOvr>
-    <a:masterClrMapping/>
-  </p:clrMapOvr>
-  <p:transition spd="slow">
-    <p:push/>
-  </p:transition>
-  <p:timing>
-    <p:tnLst>
-      <p:par>
-        <p:cTn id="1" dur="indefinite" restart="never" nodeType="tmRoot"/>
-      </p:par>
-    </p:tnLst>
-  </p:timing>
-</p:sld>
-</file>
-
-<file path=ppt/slides/slide13.xml><?xml version="1.0" encoding="utf-8"?>
-<p:sld xmlns:a="http://schemas.openxmlformats.org/drawingml/2006/main" xmlns:r="http://schemas.openxmlformats.org/officeDocument/2006/relationships" xmlns:p="http://schemas.openxmlformats.org/presentationml/2006/main">
-  <p:cSld>
-    <p:spTree>
-      <p:nvGrpSpPr>
-        <p:cNvPr id="1" name=""/>
-        <p:cNvGrpSpPr/>
-        <p:nvPr/>
-      </p:nvGrpSpPr>
-      <p:grpSpPr>
-        <a:xfrm>
-          <a:off x="0" y="0"/>
-          <a:ext cx="0" cy="0"/>
-          <a:chOff x="0" y="0"/>
-          <a:chExt cx="0" cy="0"/>
-        </a:xfrm>
-      </p:grpSpPr>
-      <p:sp>
-        <p:nvSpPr>
-          <p:cNvPr id="2" name="Title 1"/>
-          <p:cNvSpPr>
-            <a:spLocks noGrp="1"/>
-          </p:cNvSpPr>
-          <p:nvPr>
-            <p:ph type="title"/>
-            <p:custDataLst>
-              <p:tags r:id="rId2"/>
-            </p:custDataLst>
-          </p:nvPr>
-        </p:nvSpPr>
-        <p:spPr/>
-        <p:txBody>
-          <a:bodyPr/>
-          <a:lstStyle/>
-          <a:p>
-            <a:r>
-              <a:rPr lang="en-US" dirty="0" smtClean="0"/>
-              <a:t>Recap</a:t>
-            </a:r>
-            <a:endParaRPr lang="en-US" dirty="0"/>
-          </a:p>
-        </p:txBody>
-      </p:sp>
-      <p:sp>
-        <p:nvSpPr>
-          <p:cNvPr id="5" name="Content Placeholder 4"/>
-          <p:cNvSpPr>
-            <a:spLocks noGrp="1"/>
-          </p:cNvSpPr>
-          <p:nvPr>
-            <p:ph idx="1"/>
-            <p:custDataLst>
-              <p:tags r:id="rId3"/>
-            </p:custDataLst>
-          </p:nvPr>
-        </p:nvSpPr>
-        <p:spPr/>
-        <p:txBody>
-          <a:bodyPr>
-            <a:normAutofit/>
-          </a:bodyPr>
-          <a:lstStyle/>
-          <a:p>
-            <a:r>
-              <a:rPr lang="en-US" smtClean="0"/>
-              <a:t>Scenario </a:t>
-            </a:r>
-            <a:r>
-              <a:rPr lang="en-US" dirty="0" smtClean="0"/>
-              <a:t>– Given [X] context, what should occur?</a:t>
-            </a:r>
-          </a:p>
-          <a:p>
-            <a:r>
-              <a:rPr lang="en-US" dirty="0" smtClean="0"/>
-              <a:t>Steps – Short statements that can be combined to create a Scenario.</a:t>
-            </a:r>
-          </a:p>
-          <a:p>
-            <a:r>
-              <a:rPr lang="en-US" dirty="0" smtClean="0"/>
-              <a:t>Step Definitions – The binding between your Steps to what they mean in code.</a:t>
-            </a:r>
-          </a:p>
-        </p:txBody>
-      </p:sp>
-    </p:spTree>
-    <p:custDataLst>
-      <p:tags r:id="rId1"/>
-    </p:custDataLst>
-    <p:extLst>
-      <p:ext uri="{BB962C8B-B14F-4D97-AF65-F5344CB8AC3E}">
-        <p14:creationId xmlns:p14="http://schemas.microsoft.com/office/powerpoint/2010/main" val="3805995569"/>
-      </p:ext>
-    </p:extLst>
-  </p:cSld>
-  <p:clrMapOvr>
-    <a:masterClrMapping/>
-  </p:clrMapOvr>
-  <p:transition spd="slow">
-    <p:wipe dir="d"/>
-  </p:transition>
-  <p:timing>
-    <p:tnLst>
-      <p:par>
-        <p:cTn id="1" dur="indefinite" restart="never" nodeType="tmRoot">
-          <p:childTnLst>
-            <p:seq concurrent="1" nextAc="seek">
-              <p:cTn id="2" dur="indefinite" nodeType="mainSeq">
-                <p:childTnLst>
-                  <p:par>
-                    <p:cTn id="3" fill="hold">
-                      <p:stCondLst>
-                        <p:cond delay="indefinite"/>
-                      </p:stCondLst>
-                      <p:childTnLst>
-                        <p:par>
-                          <p:cTn id="4" fill="hold">
-                            <p:stCondLst>
-                              <p:cond delay="0"/>
-                            </p:stCondLst>
-                            <p:childTnLst>
-                              <p:par>
-                                <p:cTn id="5" presetID="10" presetClass="entr" presetSubtype="0" fill="hold" grpId="0" nodeType="clickEffect">
-                                  <p:stCondLst>
-                                    <p:cond delay="0"/>
-                                  </p:stCondLst>
-                                  <p:childTnLst>
-                                    <p:set>
-                                      <p:cBhvr>
-                                        <p:cTn id="6" dur="1" fill="hold">
-                                          <p:stCondLst>
-                                            <p:cond delay="0"/>
-                                          </p:stCondLst>
-                                        </p:cTn>
-                                        <p:tgtEl>
-                                          <p:spTgt spid="5">
-                                            <p:txEl>
-                                              <p:pRg st="0" end="0"/>
-                                            </p:txEl>
-                                          </p:spTgt>
-                                        </p:tgtEl>
-                                        <p:attrNameLst>
-                                          <p:attrName>style.visibility</p:attrName>
-                                        </p:attrNameLst>
-                                      </p:cBhvr>
-                                      <p:to>
-                                        <p:strVal val="visible"/>
-                                      </p:to>
-                                    </p:set>
-                                    <p:animEffect transition="in" filter="fade">
-                                      <p:cBhvr>
-                                        <p:cTn id="7" dur="500"/>
-                                        <p:tgtEl>
-                                          <p:spTgt spid="5">
-                                            <p:txEl>
-                                              <p:pRg st="0" end="0"/>
-                                            </p:txEl>
-                                          </p:spTgt>
-                                        </p:tgtEl>
-                                      </p:cBhvr>
-                                    </p:animEffect>
-                                  </p:childTnLst>
-                                </p:cTn>
-                              </p:par>
-                            </p:childTnLst>
-                          </p:cTn>
-                        </p:par>
-                      </p:childTnLst>
-                    </p:cTn>
-                  </p:par>
-                  <p:par>
-                    <p:cTn id="8" fill="hold">
-                      <p:stCondLst>
-                        <p:cond delay="indefinite"/>
-                      </p:stCondLst>
-                      <p:childTnLst>
-                        <p:par>
-                          <p:cTn id="9" fill="hold">
-                            <p:stCondLst>
-                              <p:cond delay="0"/>
-                            </p:stCondLst>
-                            <p:childTnLst>
-                              <p:par>
-                                <p:cTn id="10" presetID="10" presetClass="entr" presetSubtype="0" fill="hold" grpId="0" nodeType="clickEffect">
-                                  <p:stCondLst>
-                                    <p:cond delay="0"/>
-                                  </p:stCondLst>
-                                  <p:childTnLst>
-                                    <p:set>
-                                      <p:cBhvr>
-                                        <p:cTn id="11" dur="1" fill="hold">
-                                          <p:stCondLst>
-                                            <p:cond delay="0"/>
-                                          </p:stCondLst>
-                                        </p:cTn>
-                                        <p:tgtEl>
-                                          <p:spTgt spid="5">
-                                            <p:txEl>
-                                              <p:pRg st="1" end="1"/>
-                                            </p:txEl>
-                                          </p:spTgt>
-                                        </p:tgtEl>
-                                        <p:attrNameLst>
-                                          <p:attrName>style.visibility</p:attrName>
-                                        </p:attrNameLst>
-                                      </p:cBhvr>
-                                      <p:to>
-                                        <p:strVal val="visible"/>
-                                      </p:to>
-                                    </p:set>
-                                    <p:animEffect transition="in" filter="fade">
-                                      <p:cBhvr>
-                                        <p:cTn id="12" dur="500"/>
-                                        <p:tgtEl>
-                                          <p:spTgt spid="5">
-                                            <p:txEl>
-                                              <p:pRg st="1" end="1"/>
-                                            </p:txEl>
-                                          </p:spTgt>
-                                        </p:tgtEl>
-                                      </p:cBhvr>
-                                    </p:animEffect>
-                                  </p:childTnLst>
-                                </p:cTn>
-                              </p:par>
-                            </p:childTnLst>
-                          </p:cTn>
-                        </p:par>
-                      </p:childTnLst>
-                    </p:cTn>
-                  </p:par>
-                  <p:par>
-                    <p:cTn id="13" fill="hold">
-                      <p:stCondLst>
-                        <p:cond delay="indefinite"/>
-                      </p:stCondLst>
-                      <p:childTnLst>
-                        <p:par>
-                          <p:cTn id="14" fill="hold">
-                            <p:stCondLst>
-                              <p:cond delay="0"/>
-                            </p:stCondLst>
-                            <p:childTnLst>
-                              <p:par>
-                                <p:cTn id="15" presetID="10" presetClass="entr" presetSubtype="0" fill="hold" grpId="0" nodeType="clickEffect">
-                                  <p:stCondLst>
-                                    <p:cond delay="0"/>
-                                  </p:stCondLst>
-                                  <p:childTnLst>
-                                    <p:set>
-                                      <p:cBhvr>
-                                        <p:cTn id="16" dur="1" fill="hold">
-                                          <p:stCondLst>
-                                            <p:cond delay="0"/>
-                                          </p:stCondLst>
-                                        </p:cTn>
-                                        <p:tgtEl>
-                                          <p:spTgt spid="5">
-                                            <p:txEl>
-                                              <p:pRg st="2" end="2"/>
-                                            </p:txEl>
-                                          </p:spTgt>
-                                        </p:tgtEl>
-                                        <p:attrNameLst>
-                                          <p:attrName>style.visibility</p:attrName>
-                                        </p:attrNameLst>
-                                      </p:cBhvr>
-                                      <p:to>
-                                        <p:strVal val="visible"/>
-                                      </p:to>
-                                    </p:set>
-                                    <p:animEffect transition="in" filter="fade">
-                                      <p:cBhvr>
-                                        <p:cTn id="17" dur="500"/>
-                                        <p:tgtEl>
-                                          <p:spTgt spid="5">
-                                            <p:txEl>
-                                              <p:pRg st="2" end="2"/>
-                                            </p:txEl>
-                                          </p:spTgt>
-                                        </p:tgtEl>
-                                      </p:cBhvr>
-                                    </p:animEffect>
-                                  </p:childTnLst>
-                                </p:cTn>
-                              </p:par>
-                            </p:childTnLst>
-                          </p:cTn>
-                        </p:par>
-                      </p:childTnLst>
-                    </p:cTn>
-                  </p:par>
-                </p:childTnLst>
-              </p:cTn>
-              <p:prevCondLst>
-                <p:cond evt="onPrev" delay="0">
-                  <p:tgtEl>
-                    <p:sldTgt/>
-                  </p:tgtEl>
-                </p:cond>
-              </p:prevCondLst>
-              <p:nextCondLst>
-                <p:cond evt="onNext" delay="0">
-                  <p:tgtEl>
-                    <p:sldTgt/>
-                  </p:tgtEl>
-                </p:cond>
-              </p:nextCondLst>
-            </p:seq>
-          </p:childTnLst>
-        </p:cTn>
-      </p:par>
-    </p:tnLst>
-    <p:bldLst>
-      <p:bldP spid="5" grpId="0" build="p"/>
-    </p:bldLst>
-  </p:timing>
-</p:sld>
-</file>
-
-<file path=ppt/slides/slide14.xml><?xml version="1.0" encoding="utf-8"?>
-<p:sld xmlns:a="http://schemas.openxmlformats.org/drawingml/2006/main" xmlns:r="http://schemas.openxmlformats.org/officeDocument/2006/relationships" xmlns:p="http://schemas.openxmlformats.org/presentationml/2006/main">
-  <p:cSld>
-    <p:spTree>
-      <p:nvGrpSpPr>
-        <p:cNvPr id="1" name=""/>
-        <p:cNvGrpSpPr/>
-        <p:nvPr/>
-      </p:nvGrpSpPr>
-      <p:grpSpPr>
-        <a:xfrm>
-          <a:off x="0" y="0"/>
-          <a:ext cx="0" cy="0"/>
-          <a:chOff x="0" y="0"/>
-          <a:chExt cx="0" cy="0"/>
-        </a:xfrm>
-      </p:grpSpPr>
-      <p:sp>
-        <p:nvSpPr>
-          <p:cNvPr id="7" name="TextBox 6"/>
-          <p:cNvSpPr txBox="1"/>
-          <p:nvPr/>
-        </p:nvSpPr>
-        <p:spPr>
-          <a:xfrm>
-            <a:off x="3276600" y="2087940"/>
-            <a:ext cx="5257800" cy="4084260"/>
-          </a:xfrm>
-          <a:prstGeom prst="rect">
-            <a:avLst/>
-          </a:prstGeom>
-          <a:noFill/>
-        </p:spPr>
-        <p:txBody>
-          <a:bodyPr wrap="square" rtlCol="0">
-            <a:normAutofit/>
-          </a:bodyPr>
-          <a:lstStyle/>
-          <a:p>
-            <a:r>
-              <a:rPr lang="en-US" sz="7200" dirty="0" smtClean="0"/>
-              <a:t>What is BDD?</a:t>
-            </a:r>
-            <a:endParaRPr lang="en-US" sz="7200" dirty="0"/>
-          </a:p>
-        </p:txBody>
-      </p:sp>
-      <p:pic>
-        <p:nvPicPr>
-          <p:cNvPr id="6" name="Picture 5"/>
-          <p:cNvPicPr>
-            <a:picLocks noChangeAspect="1"/>
-          </p:cNvPicPr>
-          <p:nvPr/>
-        </p:nvPicPr>
-        <p:blipFill>
-          <a:blip r:embed="rId3" cstate="email">
-            <a:extLst>
-              <a:ext uri="{28A0092B-C50C-407E-A947-70E740481C1C}">
-                <a14:useLocalDpi xmlns:a14="http://schemas.microsoft.com/office/drawing/2010/main"/>
-              </a:ext>
-            </a:extLst>
-          </a:blip>
-          <a:stretch>
-            <a:fillRect/>
-          </a:stretch>
-        </p:blipFill>
-        <p:spPr>
-          <a:xfrm>
-            <a:off x="-4963332" y="-6858000"/>
-            <a:ext cx="7765662" cy="16476125"/>
-          </a:xfrm>
-          <a:prstGeom prst="rect">
-            <a:avLst/>
-          </a:prstGeom>
-        </p:spPr>
-      </p:pic>
-      <p:pic>
-        <p:nvPicPr>
-          <p:cNvPr id="13" name="Picture 12"/>
-          <p:cNvPicPr>
-            <a:picLocks noChangeAspect="1"/>
-          </p:cNvPicPr>
-          <p:nvPr/>
-        </p:nvPicPr>
-        <p:blipFill rotWithShape="1">
-          <a:blip r:embed="rId4" cstate="email">
-            <a:extLst>
-              <a:ext uri="{28A0092B-C50C-407E-A947-70E740481C1C}">
-                <a14:useLocalDpi xmlns:a14="http://schemas.microsoft.com/office/drawing/2010/main"/>
-              </a:ext>
-            </a:extLst>
-          </a:blip>
-          <a:srcRect/>
-          <a:stretch/>
-        </p:blipFill>
-        <p:spPr>
-          <a:xfrm rot="20753331" flipH="1">
-            <a:off x="-316180" y="3775286"/>
-            <a:ext cx="2895600" cy="3390489"/>
-          </a:xfrm>
-          <a:prstGeom prst="rect">
-            <a:avLst/>
-          </a:prstGeom>
-        </p:spPr>
-      </p:pic>
-    </p:spTree>
-  </p:cSld>
-  <p:clrMapOvr>
-    <a:masterClrMapping/>
-  </p:clrMapOvr>
-  <p:transition spd="slow">
-    <p:push dir="u"/>
-  </p:transition>
-  <p:timing>
-    <p:tnLst>
-      <p:par>
-        <p:cTn id="1" dur="indefinite" restart="never" nodeType="tmRoot"/>
-      </p:par>
-    </p:tnLst>
-  </p:timing>
-</p:sld>
-</file>
-
-<file path=ppt/slides/slide15.xml><?xml version="1.0" encoding="utf-8"?>
-<p:sld xmlns:a="http://schemas.openxmlformats.org/drawingml/2006/main" xmlns:r="http://schemas.openxmlformats.org/officeDocument/2006/relationships" xmlns:p="http://schemas.openxmlformats.org/presentationml/2006/main">
-  <p:cSld>
-    <p:spTree>
-      <p:nvGrpSpPr>
-        <p:cNvPr id="1" name=""/>
-        <p:cNvGrpSpPr/>
-        <p:nvPr/>
-      </p:nvGrpSpPr>
-      <p:grpSpPr>
-        <a:xfrm>
-          <a:off x="0" y="0"/>
-          <a:ext cx="0" cy="0"/>
-          <a:chOff x="0" y="0"/>
-          <a:chExt cx="0" cy="0"/>
-        </a:xfrm>
-      </p:grpSpPr>
-      <p:sp>
-        <p:nvSpPr>
-          <p:cNvPr id="2" name="Title 1"/>
-          <p:cNvSpPr>
-            <a:spLocks noGrp="1"/>
-          </p:cNvSpPr>
-          <p:nvPr>
-            <p:ph type="title"/>
-            <p:custDataLst>
-              <p:tags r:id="rId2"/>
-            </p:custDataLst>
-          </p:nvPr>
-        </p:nvSpPr>
-        <p:spPr/>
-        <p:txBody>
-          <a:bodyPr/>
-          <a:lstStyle/>
-          <a:p>
-            <a:r>
-              <a:rPr lang="en-US" dirty="0" smtClean="0"/>
-              <a:t>BDD Explained (</a:t>
-            </a:r>
-            <a:r>
-              <a:rPr lang="en-US" dirty="0" err="1" smtClean="0"/>
-              <a:t>sorta</a:t>
-            </a:r>
-            <a:r>
-              <a:rPr lang="en-US" dirty="0" smtClean="0"/>
-              <a:t>)</a:t>
-            </a:r>
-            <a:endParaRPr lang="en-US" dirty="0"/>
-          </a:p>
-        </p:txBody>
-      </p:sp>
-      <p:sp>
-        <p:nvSpPr>
-          <p:cNvPr id="5" name="Content Placeholder 4"/>
-          <p:cNvSpPr>
-            <a:spLocks noGrp="1"/>
-          </p:cNvSpPr>
-          <p:nvPr>
-            <p:ph idx="1"/>
-            <p:custDataLst>
-              <p:tags r:id="rId3"/>
-            </p:custDataLst>
-          </p:nvPr>
-        </p:nvSpPr>
-        <p:spPr/>
-        <p:txBody>
-          <a:bodyPr>
-            <a:normAutofit/>
-          </a:bodyPr>
-          <a:lstStyle/>
-          <a:p>
-            <a:r>
-              <a:rPr lang="en-US" sz="3600" dirty="0" smtClean="0"/>
-              <a:t>It’s an expansion of the ideas and practices of TDD.</a:t>
-            </a:r>
-          </a:p>
-          <a:p>
-            <a:r>
-              <a:rPr lang="en-US" sz="3600" dirty="0" smtClean="0"/>
-              <a:t>Focus is on the behavior of the system, not individual classes.</a:t>
-            </a:r>
-          </a:p>
-          <a:p>
-            <a:r>
-              <a:rPr lang="en-US" sz="3600" dirty="0" smtClean="0"/>
-              <a:t>View is at the forest-level, not tree-level.</a:t>
-            </a:r>
-          </a:p>
-          <a:p>
-            <a:r>
-              <a:rPr lang="en-US" sz="3600" dirty="0" smtClean="0"/>
-              <a:t>Specifications still drive development.</a:t>
-            </a:r>
-          </a:p>
-          <a:p>
-            <a:endParaRPr lang="en-US" dirty="0" smtClean="0"/>
-          </a:p>
-          <a:p>
-            <a:endParaRPr lang="en-US" dirty="0" smtClean="0"/>
-          </a:p>
-          <a:p>
-            <a:endParaRPr lang="en-US" dirty="0" smtClean="0"/>
-          </a:p>
-          <a:p>
-            <a:endParaRPr lang="en-US" dirty="0" smtClean="0"/>
-          </a:p>
-        </p:txBody>
-      </p:sp>
-    </p:spTree>
-    <p:custDataLst>
-      <p:tags r:id="rId1"/>
-    </p:custDataLst>
-    <p:extLst>
-      <p:ext uri="{BB962C8B-B14F-4D97-AF65-F5344CB8AC3E}">
-        <p14:creationId xmlns:p14="http://schemas.microsoft.com/office/powerpoint/2010/main" val="4249678773"/>
+        <p14:creationId xmlns:p14="http://schemas.microsoft.com/office/powerpoint/2010/main" val="3639851051"/>
       </p:ext>
     </p:extLst>
   </p:cSld>
@@ -8667,7 +6573,7 @@
 </p:sld>
 </file>
 
-<file path=ppt/slides/slide16.xml><?xml version="1.0" encoding="utf-8"?>
+<file path=ppt/slides/slide4.xml><?xml version="1.0" encoding="utf-8"?>
 <p:sld xmlns:a="http://schemas.openxmlformats.org/drawingml/2006/main" xmlns:r="http://schemas.openxmlformats.org/officeDocument/2006/relationships" xmlns:p="http://schemas.openxmlformats.org/presentationml/2006/main">
   <p:cSld>
     <p:spTree>
@@ -8699,16 +6605,14 @@
         </p:nvSpPr>
         <p:spPr/>
         <p:txBody>
-          <a:bodyPr/>
+          <a:bodyPr>
+            <a:normAutofit/>
+          </a:bodyPr>
           <a:lstStyle/>
           <a:p>
             <a:r>
               <a:rPr lang="en-US" dirty="0" smtClean="0"/>
-              <a:t>How to do BDD with </a:t>
-            </a:r>
-            <a:r>
-              <a:rPr lang="en-US" dirty="0" err="1" smtClean="0"/>
-              <a:t>SpecFlow</a:t>
+              <a:t>Still Not Done…</a:t>
             </a:r>
             <a:endParaRPr lang="en-US" dirty="0"/>
           </a:p>
@@ -8736,32 +6640,22 @@
           <a:p>
             <a:r>
               <a:rPr lang="en-US" dirty="0" smtClean="0"/>
-              <a:t>Write a “feature” that defines what you want your application to use in plain text.</a:t>
+              <a:t>Create some sort of business layer.</a:t>
             </a:r>
           </a:p>
           <a:p>
             <a:r>
               <a:rPr lang="en-US" dirty="0" smtClean="0"/>
-              <a:t>Yellow</a:t>
-            </a:r>
+              <a:t>Finally start on the part of the application that the user can see. </a:t>
+            </a:r>
+            <a:endParaRPr lang="en-US" dirty="0" smtClean="0"/>
           </a:p>
           <a:p>
             <a:r>
               <a:rPr lang="en-US" dirty="0" smtClean="0"/>
-              <a:t>Red</a:t>
-            </a:r>
-          </a:p>
-          <a:p>
-            <a:r>
-              <a:rPr lang="en-US" dirty="0" smtClean="0"/>
-              <a:t>Green</a:t>
-            </a:r>
-          </a:p>
-          <a:p>
-            <a:r>
-              <a:rPr lang="en-US" dirty="0" smtClean="0"/>
-              <a:t>Refactor</a:t>
-            </a:r>
+              <a:t>Plug your architecture into the front side.  And when/if it doesn’t prove to be a good fit, bash the square peg into the round hole.</a:t>
+            </a:r>
+            <a:endParaRPr lang="en-US" dirty="0" smtClean="0"/>
           </a:p>
         </p:txBody>
       </p:sp>
@@ -8771,7 +6665,731 @@
     </p:custDataLst>
     <p:extLst>
       <p:ext uri="{BB962C8B-B14F-4D97-AF65-F5344CB8AC3E}">
-        <p14:creationId xmlns:p14="http://schemas.microsoft.com/office/powerpoint/2010/main" val="1450232499"/>
+        <p14:creationId xmlns:p14="http://schemas.microsoft.com/office/powerpoint/2010/main" val="3426191096"/>
+      </p:ext>
+    </p:extLst>
+  </p:cSld>
+  <p:clrMapOvr>
+    <a:masterClrMapping/>
+  </p:clrMapOvr>
+  <p:transition spd="slow">
+    <p:wipe dir="d"/>
+  </p:transition>
+  <p:timing>
+    <p:tnLst>
+      <p:par>
+        <p:cTn id="1" dur="indefinite" restart="never" nodeType="tmRoot">
+          <p:childTnLst>
+            <p:seq concurrent="1" nextAc="seek">
+              <p:cTn id="2" dur="indefinite" nodeType="mainSeq">
+                <p:childTnLst>
+                  <p:par>
+                    <p:cTn id="3" fill="hold">
+                      <p:stCondLst>
+                        <p:cond delay="indefinite"/>
+                      </p:stCondLst>
+                      <p:childTnLst>
+                        <p:par>
+                          <p:cTn id="4" fill="hold">
+                            <p:stCondLst>
+                              <p:cond delay="0"/>
+                            </p:stCondLst>
+                            <p:childTnLst>
+                              <p:par>
+                                <p:cTn id="5" presetID="10" presetClass="entr" presetSubtype="0" fill="hold" grpId="0" nodeType="clickEffect">
+                                  <p:stCondLst>
+                                    <p:cond delay="0"/>
+                                  </p:stCondLst>
+                                  <p:childTnLst>
+                                    <p:set>
+                                      <p:cBhvr>
+                                        <p:cTn id="6" dur="1" fill="hold">
+                                          <p:stCondLst>
+                                            <p:cond delay="0"/>
+                                          </p:stCondLst>
+                                        </p:cTn>
+                                        <p:tgtEl>
+                                          <p:spTgt spid="5">
+                                            <p:txEl>
+                                              <p:pRg st="0" end="0"/>
+                                            </p:txEl>
+                                          </p:spTgt>
+                                        </p:tgtEl>
+                                        <p:attrNameLst>
+                                          <p:attrName>style.visibility</p:attrName>
+                                        </p:attrNameLst>
+                                      </p:cBhvr>
+                                      <p:to>
+                                        <p:strVal val="visible"/>
+                                      </p:to>
+                                    </p:set>
+                                    <p:animEffect transition="in" filter="fade">
+                                      <p:cBhvr>
+                                        <p:cTn id="7" dur="500"/>
+                                        <p:tgtEl>
+                                          <p:spTgt spid="5">
+                                            <p:txEl>
+                                              <p:pRg st="0" end="0"/>
+                                            </p:txEl>
+                                          </p:spTgt>
+                                        </p:tgtEl>
+                                      </p:cBhvr>
+                                    </p:animEffect>
+                                  </p:childTnLst>
+                                </p:cTn>
+                              </p:par>
+                            </p:childTnLst>
+                          </p:cTn>
+                        </p:par>
+                      </p:childTnLst>
+                    </p:cTn>
+                  </p:par>
+                  <p:par>
+                    <p:cTn id="8" fill="hold">
+                      <p:stCondLst>
+                        <p:cond delay="indefinite"/>
+                      </p:stCondLst>
+                      <p:childTnLst>
+                        <p:par>
+                          <p:cTn id="9" fill="hold">
+                            <p:stCondLst>
+                              <p:cond delay="0"/>
+                            </p:stCondLst>
+                            <p:childTnLst>
+                              <p:par>
+                                <p:cTn id="10" presetID="10" presetClass="entr" presetSubtype="0" fill="hold" grpId="0" nodeType="clickEffect">
+                                  <p:stCondLst>
+                                    <p:cond delay="0"/>
+                                  </p:stCondLst>
+                                  <p:childTnLst>
+                                    <p:set>
+                                      <p:cBhvr>
+                                        <p:cTn id="11" dur="1" fill="hold">
+                                          <p:stCondLst>
+                                            <p:cond delay="0"/>
+                                          </p:stCondLst>
+                                        </p:cTn>
+                                        <p:tgtEl>
+                                          <p:spTgt spid="5">
+                                            <p:txEl>
+                                              <p:pRg st="1" end="1"/>
+                                            </p:txEl>
+                                          </p:spTgt>
+                                        </p:tgtEl>
+                                        <p:attrNameLst>
+                                          <p:attrName>style.visibility</p:attrName>
+                                        </p:attrNameLst>
+                                      </p:cBhvr>
+                                      <p:to>
+                                        <p:strVal val="visible"/>
+                                      </p:to>
+                                    </p:set>
+                                    <p:animEffect transition="in" filter="fade">
+                                      <p:cBhvr>
+                                        <p:cTn id="12" dur="500"/>
+                                        <p:tgtEl>
+                                          <p:spTgt spid="5">
+                                            <p:txEl>
+                                              <p:pRg st="1" end="1"/>
+                                            </p:txEl>
+                                          </p:spTgt>
+                                        </p:tgtEl>
+                                      </p:cBhvr>
+                                    </p:animEffect>
+                                  </p:childTnLst>
+                                </p:cTn>
+                              </p:par>
+                            </p:childTnLst>
+                          </p:cTn>
+                        </p:par>
+                      </p:childTnLst>
+                    </p:cTn>
+                  </p:par>
+                  <p:par>
+                    <p:cTn id="13" fill="hold">
+                      <p:stCondLst>
+                        <p:cond delay="indefinite"/>
+                      </p:stCondLst>
+                      <p:childTnLst>
+                        <p:par>
+                          <p:cTn id="14" fill="hold">
+                            <p:stCondLst>
+                              <p:cond delay="0"/>
+                            </p:stCondLst>
+                            <p:childTnLst>
+                              <p:par>
+                                <p:cTn id="15" presetID="10" presetClass="entr" presetSubtype="0" fill="hold" grpId="0" nodeType="clickEffect">
+                                  <p:stCondLst>
+                                    <p:cond delay="0"/>
+                                  </p:stCondLst>
+                                  <p:childTnLst>
+                                    <p:set>
+                                      <p:cBhvr>
+                                        <p:cTn id="16" dur="1" fill="hold">
+                                          <p:stCondLst>
+                                            <p:cond delay="0"/>
+                                          </p:stCondLst>
+                                        </p:cTn>
+                                        <p:tgtEl>
+                                          <p:spTgt spid="5">
+                                            <p:txEl>
+                                              <p:pRg st="2" end="2"/>
+                                            </p:txEl>
+                                          </p:spTgt>
+                                        </p:tgtEl>
+                                        <p:attrNameLst>
+                                          <p:attrName>style.visibility</p:attrName>
+                                        </p:attrNameLst>
+                                      </p:cBhvr>
+                                      <p:to>
+                                        <p:strVal val="visible"/>
+                                      </p:to>
+                                    </p:set>
+                                    <p:animEffect transition="in" filter="fade">
+                                      <p:cBhvr>
+                                        <p:cTn id="17" dur="500"/>
+                                        <p:tgtEl>
+                                          <p:spTgt spid="5">
+                                            <p:txEl>
+                                              <p:pRg st="2" end="2"/>
+                                            </p:txEl>
+                                          </p:spTgt>
+                                        </p:tgtEl>
+                                      </p:cBhvr>
+                                    </p:animEffect>
+                                  </p:childTnLst>
+                                </p:cTn>
+                              </p:par>
+                            </p:childTnLst>
+                          </p:cTn>
+                        </p:par>
+                      </p:childTnLst>
+                    </p:cTn>
+                  </p:par>
+                </p:childTnLst>
+              </p:cTn>
+              <p:prevCondLst>
+                <p:cond evt="onPrev" delay="0">
+                  <p:tgtEl>
+                    <p:sldTgt/>
+                  </p:tgtEl>
+                </p:cond>
+              </p:prevCondLst>
+              <p:nextCondLst>
+                <p:cond evt="onNext" delay="0">
+                  <p:tgtEl>
+                    <p:sldTgt/>
+                  </p:tgtEl>
+                </p:cond>
+              </p:nextCondLst>
+            </p:seq>
+          </p:childTnLst>
+        </p:cTn>
+      </p:par>
+    </p:tnLst>
+    <p:bldLst>
+      <p:bldP spid="5" grpId="0" build="p"/>
+    </p:bldLst>
+  </p:timing>
+</p:sld>
+</file>
+
+<file path=ppt/slides/slide5.xml><?xml version="1.0" encoding="utf-8"?>
+<p:sld xmlns:a="http://schemas.openxmlformats.org/drawingml/2006/main" xmlns:r="http://schemas.openxmlformats.org/officeDocument/2006/relationships" xmlns:p="http://schemas.openxmlformats.org/presentationml/2006/main">
+  <p:cSld>
+    <p:spTree>
+      <p:nvGrpSpPr>
+        <p:cNvPr id="1" name=""/>
+        <p:cNvGrpSpPr/>
+        <p:nvPr/>
+      </p:nvGrpSpPr>
+      <p:grpSpPr>
+        <a:xfrm>
+          <a:off x="0" y="0"/>
+          <a:ext cx="0" cy="0"/>
+          <a:chOff x="0" y="0"/>
+          <a:chExt cx="0" cy="0"/>
+        </a:xfrm>
+      </p:grpSpPr>
+      <p:sp>
+        <p:nvSpPr>
+          <p:cNvPr id="2" name="Title 1"/>
+          <p:cNvSpPr>
+            <a:spLocks noGrp="1"/>
+          </p:cNvSpPr>
+          <p:nvPr>
+            <p:ph type="title"/>
+            <p:custDataLst>
+              <p:tags r:id="rId2"/>
+            </p:custDataLst>
+          </p:nvPr>
+        </p:nvSpPr>
+        <p:spPr/>
+        <p:txBody>
+          <a:bodyPr>
+            <a:normAutofit/>
+          </a:bodyPr>
+          <a:lstStyle/>
+          <a:p>
+            <a:r>
+              <a:rPr lang="en-US" dirty="0" smtClean="0"/>
+              <a:t>What are we doing?</a:t>
+            </a:r>
+            <a:endParaRPr lang="en-US" dirty="0"/>
+          </a:p>
+        </p:txBody>
+      </p:sp>
+      <p:sp>
+        <p:nvSpPr>
+          <p:cNvPr id="5" name="Content Placeholder 4"/>
+          <p:cNvSpPr>
+            <a:spLocks noGrp="1"/>
+          </p:cNvSpPr>
+          <p:nvPr>
+            <p:ph idx="1"/>
+            <p:custDataLst>
+              <p:tags r:id="rId3"/>
+            </p:custDataLst>
+          </p:nvPr>
+        </p:nvSpPr>
+        <p:spPr/>
+        <p:txBody>
+          <a:bodyPr>
+            <a:normAutofit/>
+          </a:bodyPr>
+          <a:lstStyle/>
+          <a:p>
+            <a:r>
+              <a:rPr lang="en-US" sz="3600" dirty="0" smtClean="0"/>
+              <a:t>“Inside-out” development.</a:t>
+            </a:r>
+          </a:p>
+          <a:p>
+            <a:r>
+              <a:rPr lang="en-US" sz="3600" dirty="0" smtClean="0"/>
+              <a:t>The focus is on us, the programmers.</a:t>
+            </a:r>
+          </a:p>
+          <a:p>
+            <a:r>
+              <a:rPr lang="en-US" sz="3600" dirty="0" smtClean="0"/>
+              <a:t>The amount of work required to get first tangible results is high.</a:t>
+            </a:r>
+          </a:p>
+          <a:p>
+            <a:r>
+              <a:rPr lang="en-US" sz="3600" dirty="0" smtClean="0"/>
+              <a:t>Leads to bending business requirements to fit code instead of bending code to fit business requirements.</a:t>
+            </a:r>
+          </a:p>
+          <a:p>
+            <a:endParaRPr lang="en-US" dirty="0" smtClean="0"/>
+          </a:p>
+        </p:txBody>
+      </p:sp>
+    </p:spTree>
+    <p:custDataLst>
+      <p:tags r:id="rId1"/>
+    </p:custDataLst>
+    <p:extLst>
+      <p:ext uri="{BB962C8B-B14F-4D97-AF65-F5344CB8AC3E}">
+        <p14:creationId xmlns:p14="http://schemas.microsoft.com/office/powerpoint/2010/main" val="1598860705"/>
+      </p:ext>
+    </p:extLst>
+  </p:cSld>
+  <p:clrMapOvr>
+    <a:masterClrMapping/>
+  </p:clrMapOvr>
+  <p:transition spd="slow">
+    <p:wipe dir="d"/>
+  </p:transition>
+  <p:timing>
+    <p:tnLst>
+      <p:par>
+        <p:cTn id="1" dur="indefinite" restart="never" nodeType="tmRoot">
+          <p:childTnLst>
+            <p:seq concurrent="1" nextAc="seek">
+              <p:cTn id="2" dur="indefinite" nodeType="mainSeq">
+                <p:childTnLst>
+                  <p:par>
+                    <p:cTn id="3" fill="hold">
+                      <p:stCondLst>
+                        <p:cond delay="indefinite"/>
+                      </p:stCondLst>
+                      <p:childTnLst>
+                        <p:par>
+                          <p:cTn id="4" fill="hold">
+                            <p:stCondLst>
+                              <p:cond delay="0"/>
+                            </p:stCondLst>
+                            <p:childTnLst>
+                              <p:par>
+                                <p:cTn id="5" presetID="10" presetClass="entr" presetSubtype="0" fill="hold" grpId="0" nodeType="clickEffect">
+                                  <p:stCondLst>
+                                    <p:cond delay="0"/>
+                                  </p:stCondLst>
+                                  <p:childTnLst>
+                                    <p:set>
+                                      <p:cBhvr>
+                                        <p:cTn id="6" dur="1" fill="hold">
+                                          <p:stCondLst>
+                                            <p:cond delay="0"/>
+                                          </p:stCondLst>
+                                        </p:cTn>
+                                        <p:tgtEl>
+                                          <p:spTgt spid="5">
+                                            <p:txEl>
+                                              <p:pRg st="0" end="0"/>
+                                            </p:txEl>
+                                          </p:spTgt>
+                                        </p:tgtEl>
+                                        <p:attrNameLst>
+                                          <p:attrName>style.visibility</p:attrName>
+                                        </p:attrNameLst>
+                                      </p:cBhvr>
+                                      <p:to>
+                                        <p:strVal val="visible"/>
+                                      </p:to>
+                                    </p:set>
+                                    <p:animEffect transition="in" filter="fade">
+                                      <p:cBhvr>
+                                        <p:cTn id="7" dur="500"/>
+                                        <p:tgtEl>
+                                          <p:spTgt spid="5">
+                                            <p:txEl>
+                                              <p:pRg st="0" end="0"/>
+                                            </p:txEl>
+                                          </p:spTgt>
+                                        </p:tgtEl>
+                                      </p:cBhvr>
+                                    </p:animEffect>
+                                  </p:childTnLst>
+                                </p:cTn>
+                              </p:par>
+                            </p:childTnLst>
+                          </p:cTn>
+                        </p:par>
+                      </p:childTnLst>
+                    </p:cTn>
+                  </p:par>
+                  <p:par>
+                    <p:cTn id="8" fill="hold">
+                      <p:stCondLst>
+                        <p:cond delay="indefinite"/>
+                      </p:stCondLst>
+                      <p:childTnLst>
+                        <p:par>
+                          <p:cTn id="9" fill="hold">
+                            <p:stCondLst>
+                              <p:cond delay="0"/>
+                            </p:stCondLst>
+                            <p:childTnLst>
+                              <p:par>
+                                <p:cTn id="10" presetID="10" presetClass="entr" presetSubtype="0" fill="hold" grpId="0" nodeType="clickEffect">
+                                  <p:stCondLst>
+                                    <p:cond delay="0"/>
+                                  </p:stCondLst>
+                                  <p:childTnLst>
+                                    <p:set>
+                                      <p:cBhvr>
+                                        <p:cTn id="11" dur="1" fill="hold">
+                                          <p:stCondLst>
+                                            <p:cond delay="0"/>
+                                          </p:stCondLst>
+                                        </p:cTn>
+                                        <p:tgtEl>
+                                          <p:spTgt spid="5">
+                                            <p:txEl>
+                                              <p:pRg st="1" end="1"/>
+                                            </p:txEl>
+                                          </p:spTgt>
+                                        </p:tgtEl>
+                                        <p:attrNameLst>
+                                          <p:attrName>style.visibility</p:attrName>
+                                        </p:attrNameLst>
+                                      </p:cBhvr>
+                                      <p:to>
+                                        <p:strVal val="visible"/>
+                                      </p:to>
+                                    </p:set>
+                                    <p:animEffect transition="in" filter="fade">
+                                      <p:cBhvr>
+                                        <p:cTn id="12" dur="500"/>
+                                        <p:tgtEl>
+                                          <p:spTgt spid="5">
+                                            <p:txEl>
+                                              <p:pRg st="1" end="1"/>
+                                            </p:txEl>
+                                          </p:spTgt>
+                                        </p:tgtEl>
+                                      </p:cBhvr>
+                                    </p:animEffect>
+                                  </p:childTnLst>
+                                </p:cTn>
+                              </p:par>
+                            </p:childTnLst>
+                          </p:cTn>
+                        </p:par>
+                      </p:childTnLst>
+                    </p:cTn>
+                  </p:par>
+                  <p:par>
+                    <p:cTn id="13" fill="hold">
+                      <p:stCondLst>
+                        <p:cond delay="indefinite"/>
+                      </p:stCondLst>
+                      <p:childTnLst>
+                        <p:par>
+                          <p:cTn id="14" fill="hold">
+                            <p:stCondLst>
+                              <p:cond delay="0"/>
+                            </p:stCondLst>
+                            <p:childTnLst>
+                              <p:par>
+                                <p:cTn id="15" presetID="10" presetClass="entr" presetSubtype="0" fill="hold" grpId="0" nodeType="clickEffect">
+                                  <p:stCondLst>
+                                    <p:cond delay="0"/>
+                                  </p:stCondLst>
+                                  <p:childTnLst>
+                                    <p:set>
+                                      <p:cBhvr>
+                                        <p:cTn id="16" dur="1" fill="hold">
+                                          <p:stCondLst>
+                                            <p:cond delay="0"/>
+                                          </p:stCondLst>
+                                        </p:cTn>
+                                        <p:tgtEl>
+                                          <p:spTgt spid="5">
+                                            <p:txEl>
+                                              <p:pRg st="2" end="2"/>
+                                            </p:txEl>
+                                          </p:spTgt>
+                                        </p:tgtEl>
+                                        <p:attrNameLst>
+                                          <p:attrName>style.visibility</p:attrName>
+                                        </p:attrNameLst>
+                                      </p:cBhvr>
+                                      <p:to>
+                                        <p:strVal val="visible"/>
+                                      </p:to>
+                                    </p:set>
+                                    <p:animEffect transition="in" filter="fade">
+                                      <p:cBhvr>
+                                        <p:cTn id="17" dur="500"/>
+                                        <p:tgtEl>
+                                          <p:spTgt spid="5">
+                                            <p:txEl>
+                                              <p:pRg st="2" end="2"/>
+                                            </p:txEl>
+                                          </p:spTgt>
+                                        </p:tgtEl>
+                                      </p:cBhvr>
+                                    </p:animEffect>
+                                  </p:childTnLst>
+                                </p:cTn>
+                              </p:par>
+                            </p:childTnLst>
+                          </p:cTn>
+                        </p:par>
+                      </p:childTnLst>
+                    </p:cTn>
+                  </p:par>
+                  <p:par>
+                    <p:cTn id="18" fill="hold">
+                      <p:stCondLst>
+                        <p:cond delay="indefinite"/>
+                      </p:stCondLst>
+                      <p:childTnLst>
+                        <p:par>
+                          <p:cTn id="19" fill="hold">
+                            <p:stCondLst>
+                              <p:cond delay="0"/>
+                            </p:stCondLst>
+                            <p:childTnLst>
+                              <p:par>
+                                <p:cTn id="20" presetID="10" presetClass="entr" presetSubtype="0" fill="hold" grpId="0" nodeType="clickEffect">
+                                  <p:stCondLst>
+                                    <p:cond delay="0"/>
+                                  </p:stCondLst>
+                                  <p:childTnLst>
+                                    <p:set>
+                                      <p:cBhvr>
+                                        <p:cTn id="21" dur="1" fill="hold">
+                                          <p:stCondLst>
+                                            <p:cond delay="0"/>
+                                          </p:stCondLst>
+                                        </p:cTn>
+                                        <p:tgtEl>
+                                          <p:spTgt spid="5">
+                                            <p:txEl>
+                                              <p:pRg st="3" end="3"/>
+                                            </p:txEl>
+                                          </p:spTgt>
+                                        </p:tgtEl>
+                                        <p:attrNameLst>
+                                          <p:attrName>style.visibility</p:attrName>
+                                        </p:attrNameLst>
+                                      </p:cBhvr>
+                                      <p:to>
+                                        <p:strVal val="visible"/>
+                                      </p:to>
+                                    </p:set>
+                                    <p:animEffect transition="in" filter="fade">
+                                      <p:cBhvr>
+                                        <p:cTn id="22" dur="500"/>
+                                        <p:tgtEl>
+                                          <p:spTgt spid="5">
+                                            <p:txEl>
+                                              <p:pRg st="3" end="3"/>
+                                            </p:txEl>
+                                          </p:spTgt>
+                                        </p:tgtEl>
+                                      </p:cBhvr>
+                                    </p:animEffect>
+                                  </p:childTnLst>
+                                </p:cTn>
+                              </p:par>
+                            </p:childTnLst>
+                          </p:cTn>
+                        </p:par>
+                      </p:childTnLst>
+                    </p:cTn>
+                  </p:par>
+                </p:childTnLst>
+              </p:cTn>
+              <p:prevCondLst>
+                <p:cond evt="onPrev" delay="0">
+                  <p:tgtEl>
+                    <p:sldTgt/>
+                  </p:tgtEl>
+                </p:cond>
+              </p:prevCondLst>
+              <p:nextCondLst>
+                <p:cond evt="onNext" delay="0">
+                  <p:tgtEl>
+                    <p:sldTgt/>
+                  </p:tgtEl>
+                </p:cond>
+              </p:nextCondLst>
+            </p:seq>
+          </p:childTnLst>
+        </p:cTn>
+      </p:par>
+    </p:tnLst>
+    <p:bldLst>
+      <p:bldP spid="5" grpId="0" build="p"/>
+    </p:bldLst>
+  </p:timing>
+</p:sld>
+</file>
+
+<file path=ppt/slides/slide6.xml><?xml version="1.0" encoding="utf-8"?>
+<p:sld xmlns:a="http://schemas.openxmlformats.org/drawingml/2006/main" xmlns:r="http://schemas.openxmlformats.org/officeDocument/2006/relationships" xmlns:p="http://schemas.openxmlformats.org/presentationml/2006/main">
+  <p:cSld>
+    <p:spTree>
+      <p:nvGrpSpPr>
+        <p:cNvPr id="1" name=""/>
+        <p:cNvGrpSpPr/>
+        <p:nvPr/>
+      </p:nvGrpSpPr>
+      <p:grpSpPr>
+        <a:xfrm>
+          <a:off x="0" y="0"/>
+          <a:ext cx="0" cy="0"/>
+          <a:chOff x="0" y="0"/>
+          <a:chExt cx="0" cy="0"/>
+        </a:xfrm>
+      </p:grpSpPr>
+      <p:sp>
+        <p:nvSpPr>
+          <p:cNvPr id="2" name="Title 1"/>
+          <p:cNvSpPr>
+            <a:spLocks noGrp="1"/>
+          </p:cNvSpPr>
+          <p:nvPr>
+            <p:ph type="title"/>
+            <p:custDataLst>
+              <p:tags r:id="rId2"/>
+            </p:custDataLst>
+          </p:nvPr>
+        </p:nvSpPr>
+        <p:spPr/>
+        <p:txBody>
+          <a:bodyPr>
+            <a:normAutofit/>
+          </a:bodyPr>
+          <a:lstStyle/>
+          <a:p>
+            <a:r>
+              <a:rPr lang="en-US" dirty="0" smtClean="0"/>
+              <a:t>Alternatives?</a:t>
+            </a:r>
+            <a:endParaRPr lang="en-US" dirty="0"/>
+          </a:p>
+        </p:txBody>
+      </p:sp>
+      <p:sp>
+        <p:nvSpPr>
+          <p:cNvPr id="5" name="Content Placeholder 4"/>
+          <p:cNvSpPr>
+            <a:spLocks noGrp="1"/>
+          </p:cNvSpPr>
+          <p:nvPr>
+            <p:ph idx="1"/>
+            <p:custDataLst>
+              <p:tags r:id="rId3"/>
+            </p:custDataLst>
+          </p:nvPr>
+        </p:nvSpPr>
+        <p:spPr/>
+        <p:txBody>
+          <a:bodyPr>
+            <a:normAutofit fontScale="92500"/>
+          </a:bodyPr>
+          <a:lstStyle/>
+          <a:p>
+            <a:r>
+              <a:rPr lang="en-US" dirty="0" smtClean="0"/>
+              <a:t>“Outside-in” development.</a:t>
+            </a:r>
+          </a:p>
+          <a:p>
+            <a:r>
+              <a:rPr lang="en-US" dirty="0" smtClean="0"/>
+              <a:t>The focus is on th</a:t>
+            </a:r>
+            <a:r>
+              <a:rPr lang="en-US" dirty="0" smtClean="0"/>
+              <a:t>e business requirements.</a:t>
+            </a:r>
+          </a:p>
+          <a:p>
+            <a:r>
+              <a:rPr lang="en-US" dirty="0" smtClean="0"/>
+              <a:t>Development starts where the user interacts with the application.</a:t>
+            </a:r>
+          </a:p>
+          <a:p>
+            <a:r>
+              <a:rPr lang="en-US" dirty="0" smtClean="0"/>
+              <a:t>Less work is required to get first tangible results, so feedback comes faster.</a:t>
+            </a:r>
+          </a:p>
+          <a:p>
+            <a:r>
+              <a:rPr lang="en-US" dirty="0" smtClean="0"/>
+              <a:t>Leads to writing code that mirrors the business problem the code is supposed to be solving.</a:t>
+            </a:r>
+          </a:p>
+        </p:txBody>
+      </p:sp>
+    </p:spTree>
+    <p:custDataLst>
+      <p:tags r:id="rId1"/>
+    </p:custDataLst>
+    <p:extLst>
+      <p:ext uri="{BB962C8B-B14F-4D97-AF65-F5344CB8AC3E}">
+        <p14:creationId xmlns:p14="http://schemas.microsoft.com/office/powerpoint/2010/main" val="1759918784"/>
       </p:ext>
     </p:extLst>
   </p:cSld>
@@ -9122,7 +7740,7 @@
 </p:sld>
 </file>
 
-<file path=ppt/slides/slide17.xml><?xml version="1.0" encoding="utf-8"?>
+<file path=ppt/slides/slide7.xml><?xml version="1.0" encoding="utf-8"?>
 <p:sld xmlns:a="http://schemas.openxmlformats.org/drawingml/2006/main" xmlns:r="http://schemas.openxmlformats.org/officeDocument/2006/relationships" xmlns:p="http://schemas.openxmlformats.org/presentationml/2006/main">
   <p:cSld>
     <p:spTree>
@@ -9154,20 +7772,14 @@
         </p:nvSpPr>
         <p:spPr/>
         <p:txBody>
-          <a:bodyPr/>
+          <a:bodyPr>
+            <a:normAutofit/>
+          </a:bodyPr>
           <a:lstStyle/>
           <a:p>
             <a:r>
               <a:rPr lang="en-US" dirty="0" smtClean="0"/>
-              <a:t>Why Use </a:t>
-            </a:r>
-            <a:r>
-              <a:rPr lang="en-US" dirty="0" err="1" smtClean="0"/>
-              <a:t>SpecFlow</a:t>
-            </a:r>
-            <a:r>
-              <a:rPr lang="en-US" dirty="0" smtClean="0"/>
-              <a:t> at all?</a:t>
+              <a:t>Let’s go back to our promotion…</a:t>
             </a:r>
             <a:endParaRPr lang="en-US" dirty="0"/>
           </a:p>
@@ -9189,64 +7801,35 @@
         <p:spPr/>
         <p:txBody>
           <a:bodyPr>
-            <a:noAutofit/>
+            <a:normAutofit/>
           </a:bodyPr>
           <a:lstStyle/>
           <a:p>
             <a:r>
               <a:rPr lang="en-US" dirty="0" smtClean="0"/>
-              <a:t>Other </a:t>
-            </a:r>
-            <a:r>
-              <a:rPr lang="en-US" dirty="0" err="1" smtClean="0"/>
-              <a:t>.Net</a:t>
-            </a:r>
+              <a:t>Where to start?  </a:t>
+            </a:r>
+          </a:p>
+          <a:p>
             <a:r>
               <a:rPr lang="en-US" dirty="0" smtClean="0"/>
-              <a:t> coders use it.</a:t>
+              <a:t>The page that we’re supposed to code. </a:t>
             </a:r>
           </a:p>
           <a:p>
             <a:r>
               <a:rPr lang="en-US" dirty="0" smtClean="0"/>
-              <a:t>Non-</a:t>
-            </a:r>
-            <a:r>
-              <a:rPr lang="en-US" dirty="0" err="1" smtClean="0"/>
-              <a:t>.Net</a:t>
-            </a:r>
-            <a:r>
-              <a:rPr lang="en-US" dirty="0" smtClean="0"/>
-              <a:t> coders use it (Cucumber in Ruby).</a:t>
-            </a:r>
-          </a:p>
-          <a:p>
-            <a:r>
-              <a:rPr lang="en-US" dirty="0" smtClean="0"/>
-              <a:t>It keeps the sp</a:t>
-            </a:r>
-            <a:r>
-              <a:rPr lang="en-US" dirty="0"/>
-              <a:t>e</a:t>
-            </a:r>
-            <a:r>
-              <a:rPr lang="en-US" dirty="0" smtClean="0"/>
-              <a:t>cifications in human-readable language.</a:t>
-            </a:r>
-          </a:p>
-          <a:p>
-            <a:r>
-              <a:rPr lang="en-US" dirty="0" smtClean="0"/>
-              <a:t>It integrates with Visual Studio 2010, existing </a:t>
-            </a:r>
-            <a:r>
-              <a:rPr lang="en-US" dirty="0" err="1" smtClean="0"/>
-              <a:t>.Net</a:t>
-            </a:r>
-            <a:r>
-              <a:rPr lang="en-US" dirty="0" smtClean="0"/>
-              <a:t> test frameworks without any additional work.</a:t>
-            </a:r>
+              <a:t>After that… we’ll see?  </a:t>
+            </a:r>
+          </a:p>
+          <a:p>
+            <a:pPr marL="0" indent="0">
+              <a:buNone/>
+            </a:pPr>
+            <a:endParaRPr lang="en-US" dirty="0" smtClean="0"/>
+          </a:p>
+          <a:p>
+            <a:endParaRPr lang="en-US" dirty="0" smtClean="0"/>
           </a:p>
         </p:txBody>
       </p:sp>
@@ -9256,514 +7839,7 @@
     </p:custDataLst>
     <p:extLst>
       <p:ext uri="{BB962C8B-B14F-4D97-AF65-F5344CB8AC3E}">
-        <p14:creationId xmlns:p14="http://schemas.microsoft.com/office/powerpoint/2010/main" val="408931243"/>
-      </p:ext>
-    </p:extLst>
-  </p:cSld>
-  <p:clrMapOvr>
-    <a:masterClrMapping/>
-  </p:clrMapOvr>
-  <p:transition spd="slow">
-    <p:wipe dir="d"/>
-  </p:transition>
-  <p:timing>
-    <p:tnLst>
-      <p:par>
-        <p:cTn id="1" dur="indefinite" restart="never" nodeType="tmRoot">
-          <p:childTnLst>
-            <p:seq concurrent="1" nextAc="seek">
-              <p:cTn id="2" dur="indefinite" nodeType="mainSeq">
-                <p:childTnLst>
-                  <p:par>
-                    <p:cTn id="3" fill="hold">
-                      <p:stCondLst>
-                        <p:cond delay="indefinite"/>
-                      </p:stCondLst>
-                      <p:childTnLst>
-                        <p:par>
-                          <p:cTn id="4" fill="hold">
-                            <p:stCondLst>
-                              <p:cond delay="0"/>
-                            </p:stCondLst>
-                            <p:childTnLst>
-                              <p:par>
-                                <p:cTn id="5" presetID="10" presetClass="entr" presetSubtype="0" fill="hold" grpId="0" nodeType="clickEffect">
-                                  <p:stCondLst>
-                                    <p:cond delay="0"/>
-                                  </p:stCondLst>
-                                  <p:childTnLst>
-                                    <p:set>
-                                      <p:cBhvr>
-                                        <p:cTn id="6" dur="1" fill="hold">
-                                          <p:stCondLst>
-                                            <p:cond delay="0"/>
-                                          </p:stCondLst>
-                                        </p:cTn>
-                                        <p:tgtEl>
-                                          <p:spTgt spid="5">
-                                            <p:txEl>
-                                              <p:pRg st="0" end="0"/>
-                                            </p:txEl>
-                                          </p:spTgt>
-                                        </p:tgtEl>
-                                        <p:attrNameLst>
-                                          <p:attrName>style.visibility</p:attrName>
-                                        </p:attrNameLst>
-                                      </p:cBhvr>
-                                      <p:to>
-                                        <p:strVal val="visible"/>
-                                      </p:to>
-                                    </p:set>
-                                    <p:animEffect transition="in" filter="fade">
-                                      <p:cBhvr>
-                                        <p:cTn id="7" dur="500"/>
-                                        <p:tgtEl>
-                                          <p:spTgt spid="5">
-                                            <p:txEl>
-                                              <p:pRg st="0" end="0"/>
-                                            </p:txEl>
-                                          </p:spTgt>
-                                        </p:tgtEl>
-                                      </p:cBhvr>
-                                    </p:animEffect>
-                                  </p:childTnLst>
-                                </p:cTn>
-                              </p:par>
-                            </p:childTnLst>
-                          </p:cTn>
-                        </p:par>
-                      </p:childTnLst>
-                    </p:cTn>
-                  </p:par>
-                  <p:par>
-                    <p:cTn id="8" fill="hold">
-                      <p:stCondLst>
-                        <p:cond delay="indefinite"/>
-                      </p:stCondLst>
-                      <p:childTnLst>
-                        <p:par>
-                          <p:cTn id="9" fill="hold">
-                            <p:stCondLst>
-                              <p:cond delay="0"/>
-                            </p:stCondLst>
-                            <p:childTnLst>
-                              <p:par>
-                                <p:cTn id="10" presetID="10" presetClass="entr" presetSubtype="0" fill="hold" grpId="0" nodeType="clickEffect">
-                                  <p:stCondLst>
-                                    <p:cond delay="0"/>
-                                  </p:stCondLst>
-                                  <p:childTnLst>
-                                    <p:set>
-                                      <p:cBhvr>
-                                        <p:cTn id="11" dur="1" fill="hold">
-                                          <p:stCondLst>
-                                            <p:cond delay="0"/>
-                                          </p:stCondLst>
-                                        </p:cTn>
-                                        <p:tgtEl>
-                                          <p:spTgt spid="5">
-                                            <p:txEl>
-                                              <p:pRg st="1" end="1"/>
-                                            </p:txEl>
-                                          </p:spTgt>
-                                        </p:tgtEl>
-                                        <p:attrNameLst>
-                                          <p:attrName>style.visibility</p:attrName>
-                                        </p:attrNameLst>
-                                      </p:cBhvr>
-                                      <p:to>
-                                        <p:strVal val="visible"/>
-                                      </p:to>
-                                    </p:set>
-                                    <p:animEffect transition="in" filter="fade">
-                                      <p:cBhvr>
-                                        <p:cTn id="12" dur="500"/>
-                                        <p:tgtEl>
-                                          <p:spTgt spid="5">
-                                            <p:txEl>
-                                              <p:pRg st="1" end="1"/>
-                                            </p:txEl>
-                                          </p:spTgt>
-                                        </p:tgtEl>
-                                      </p:cBhvr>
-                                    </p:animEffect>
-                                  </p:childTnLst>
-                                </p:cTn>
-                              </p:par>
-                            </p:childTnLst>
-                          </p:cTn>
-                        </p:par>
-                      </p:childTnLst>
-                    </p:cTn>
-                  </p:par>
-                  <p:par>
-                    <p:cTn id="13" fill="hold">
-                      <p:stCondLst>
-                        <p:cond delay="indefinite"/>
-                      </p:stCondLst>
-                      <p:childTnLst>
-                        <p:par>
-                          <p:cTn id="14" fill="hold">
-                            <p:stCondLst>
-                              <p:cond delay="0"/>
-                            </p:stCondLst>
-                            <p:childTnLst>
-                              <p:par>
-                                <p:cTn id="15" presetID="10" presetClass="entr" presetSubtype="0" fill="hold" grpId="0" nodeType="clickEffect">
-                                  <p:stCondLst>
-                                    <p:cond delay="0"/>
-                                  </p:stCondLst>
-                                  <p:childTnLst>
-                                    <p:set>
-                                      <p:cBhvr>
-                                        <p:cTn id="16" dur="1" fill="hold">
-                                          <p:stCondLst>
-                                            <p:cond delay="0"/>
-                                          </p:stCondLst>
-                                        </p:cTn>
-                                        <p:tgtEl>
-                                          <p:spTgt spid="5">
-                                            <p:txEl>
-                                              <p:pRg st="2" end="2"/>
-                                            </p:txEl>
-                                          </p:spTgt>
-                                        </p:tgtEl>
-                                        <p:attrNameLst>
-                                          <p:attrName>style.visibility</p:attrName>
-                                        </p:attrNameLst>
-                                      </p:cBhvr>
-                                      <p:to>
-                                        <p:strVal val="visible"/>
-                                      </p:to>
-                                    </p:set>
-                                    <p:animEffect transition="in" filter="fade">
-                                      <p:cBhvr>
-                                        <p:cTn id="17" dur="500"/>
-                                        <p:tgtEl>
-                                          <p:spTgt spid="5">
-                                            <p:txEl>
-                                              <p:pRg st="2" end="2"/>
-                                            </p:txEl>
-                                          </p:spTgt>
-                                        </p:tgtEl>
-                                      </p:cBhvr>
-                                    </p:animEffect>
-                                  </p:childTnLst>
-                                </p:cTn>
-                              </p:par>
-                            </p:childTnLst>
-                          </p:cTn>
-                        </p:par>
-                      </p:childTnLst>
-                    </p:cTn>
-                  </p:par>
-                  <p:par>
-                    <p:cTn id="18" fill="hold">
-                      <p:stCondLst>
-                        <p:cond delay="indefinite"/>
-                      </p:stCondLst>
-                      <p:childTnLst>
-                        <p:par>
-                          <p:cTn id="19" fill="hold">
-                            <p:stCondLst>
-                              <p:cond delay="0"/>
-                            </p:stCondLst>
-                            <p:childTnLst>
-                              <p:par>
-                                <p:cTn id="20" presetID="10" presetClass="entr" presetSubtype="0" fill="hold" grpId="0" nodeType="clickEffect">
-                                  <p:stCondLst>
-                                    <p:cond delay="0"/>
-                                  </p:stCondLst>
-                                  <p:childTnLst>
-                                    <p:set>
-                                      <p:cBhvr>
-                                        <p:cTn id="21" dur="1" fill="hold">
-                                          <p:stCondLst>
-                                            <p:cond delay="0"/>
-                                          </p:stCondLst>
-                                        </p:cTn>
-                                        <p:tgtEl>
-                                          <p:spTgt spid="5">
-                                            <p:txEl>
-                                              <p:pRg st="3" end="3"/>
-                                            </p:txEl>
-                                          </p:spTgt>
-                                        </p:tgtEl>
-                                        <p:attrNameLst>
-                                          <p:attrName>style.visibility</p:attrName>
-                                        </p:attrNameLst>
-                                      </p:cBhvr>
-                                      <p:to>
-                                        <p:strVal val="visible"/>
-                                      </p:to>
-                                    </p:set>
-                                    <p:animEffect transition="in" filter="fade">
-                                      <p:cBhvr>
-                                        <p:cTn id="22" dur="500"/>
-                                        <p:tgtEl>
-                                          <p:spTgt spid="5">
-                                            <p:txEl>
-                                              <p:pRg st="3" end="3"/>
-                                            </p:txEl>
-                                          </p:spTgt>
-                                        </p:tgtEl>
-                                      </p:cBhvr>
-                                    </p:animEffect>
-                                  </p:childTnLst>
-                                </p:cTn>
-                              </p:par>
-                            </p:childTnLst>
-                          </p:cTn>
-                        </p:par>
-                      </p:childTnLst>
-                    </p:cTn>
-                  </p:par>
-                </p:childTnLst>
-              </p:cTn>
-              <p:prevCondLst>
-                <p:cond evt="onPrev" delay="0">
-                  <p:tgtEl>
-                    <p:sldTgt/>
-                  </p:tgtEl>
-                </p:cond>
-              </p:prevCondLst>
-              <p:nextCondLst>
-                <p:cond evt="onNext" delay="0">
-                  <p:tgtEl>
-                    <p:sldTgt/>
-                  </p:tgtEl>
-                </p:cond>
-              </p:nextCondLst>
-            </p:seq>
-          </p:childTnLst>
-        </p:cTn>
-      </p:par>
-    </p:tnLst>
-    <p:bldLst>
-      <p:bldP spid="5" grpId="0" build="p"/>
-    </p:bldLst>
-  </p:timing>
-</p:sld>
-</file>
-
-<file path=ppt/slides/slide18.xml><?xml version="1.0" encoding="utf-8"?>
-<p:sld xmlns:a="http://schemas.openxmlformats.org/drawingml/2006/main" xmlns:r="http://schemas.openxmlformats.org/officeDocument/2006/relationships" xmlns:p="http://schemas.openxmlformats.org/presentationml/2006/main">
-  <p:cSld>
-    <p:spTree>
-      <p:nvGrpSpPr>
-        <p:cNvPr id="1" name=""/>
-        <p:cNvGrpSpPr/>
-        <p:nvPr/>
-      </p:nvGrpSpPr>
-      <p:grpSpPr>
-        <a:xfrm>
-          <a:off x="0" y="0"/>
-          <a:ext cx="0" cy="0"/>
-          <a:chOff x="0" y="0"/>
-          <a:chExt cx="0" cy="0"/>
-        </a:xfrm>
-      </p:grpSpPr>
-      <p:sp>
-        <p:nvSpPr>
-          <p:cNvPr id="7" name="TextBox 6"/>
-          <p:cNvSpPr txBox="1"/>
-          <p:nvPr/>
-        </p:nvSpPr>
-        <p:spPr>
-          <a:xfrm>
-            <a:off x="3276600" y="2087940"/>
-            <a:ext cx="5257800" cy="4084260"/>
-          </a:xfrm>
-          <a:prstGeom prst="rect">
-            <a:avLst/>
-          </a:prstGeom>
-          <a:noFill/>
-        </p:spPr>
-        <p:txBody>
-          <a:bodyPr wrap="square" rtlCol="0">
-            <a:normAutofit/>
-          </a:bodyPr>
-          <a:lstStyle/>
-          <a:p>
-            <a:r>
-              <a:rPr lang="en-US" sz="7200" dirty="0" smtClean="0"/>
-              <a:t>Enough talk, let’s try it out.</a:t>
-            </a:r>
-            <a:endParaRPr lang="en-US" sz="7200" dirty="0"/>
-          </a:p>
-        </p:txBody>
-      </p:sp>
-      <p:pic>
-        <p:nvPicPr>
-          <p:cNvPr id="6" name="Picture 5"/>
-          <p:cNvPicPr>
-            <a:picLocks noChangeAspect="1"/>
-          </p:cNvPicPr>
-          <p:nvPr/>
-        </p:nvPicPr>
-        <p:blipFill>
-          <a:blip r:embed="rId3" cstate="email">
-            <a:extLst>
-              <a:ext uri="{28A0092B-C50C-407E-A947-70E740481C1C}">
-                <a14:useLocalDpi xmlns:a14="http://schemas.microsoft.com/office/drawing/2010/main"/>
-              </a:ext>
-            </a:extLst>
-          </a:blip>
-          <a:stretch>
-            <a:fillRect/>
-          </a:stretch>
-        </p:blipFill>
-        <p:spPr>
-          <a:xfrm>
-            <a:off x="-4963332" y="-6858000"/>
-            <a:ext cx="7765662" cy="16476125"/>
-          </a:xfrm>
-          <a:prstGeom prst="rect">
-            <a:avLst/>
-          </a:prstGeom>
-        </p:spPr>
-      </p:pic>
-      <p:pic>
-        <p:nvPicPr>
-          <p:cNvPr id="13" name="Picture 12"/>
-          <p:cNvPicPr>
-            <a:picLocks noChangeAspect="1"/>
-          </p:cNvPicPr>
-          <p:nvPr/>
-        </p:nvPicPr>
-        <p:blipFill rotWithShape="1">
-          <a:blip r:embed="rId4" cstate="email">
-            <a:extLst>
-              <a:ext uri="{28A0092B-C50C-407E-A947-70E740481C1C}">
-                <a14:useLocalDpi xmlns:a14="http://schemas.microsoft.com/office/drawing/2010/main"/>
-              </a:ext>
-            </a:extLst>
-          </a:blip>
-          <a:srcRect/>
-          <a:stretch/>
-        </p:blipFill>
-        <p:spPr>
-          <a:xfrm rot="20753331" flipH="1">
-            <a:off x="-316180" y="3775286"/>
-            <a:ext cx="2895600" cy="3390489"/>
-          </a:xfrm>
-          <a:prstGeom prst="rect">
-            <a:avLst/>
-          </a:prstGeom>
-        </p:spPr>
-      </p:pic>
-    </p:spTree>
-    <p:extLst>
-      <p:ext uri="{BB962C8B-B14F-4D97-AF65-F5344CB8AC3E}">
-        <p14:creationId xmlns:p14="http://schemas.microsoft.com/office/powerpoint/2010/main" val="1741073871"/>
-      </p:ext>
-    </p:extLst>
-  </p:cSld>
-  <p:clrMapOvr>
-    <a:masterClrMapping/>
-  </p:clrMapOvr>
-  <p:transition spd="slow">
-    <p:push dir="u"/>
-  </p:transition>
-  <p:timing>
-    <p:tnLst>
-      <p:par>
-        <p:cTn id="1" dur="indefinite" restart="never" nodeType="tmRoot"/>
-      </p:par>
-    </p:tnLst>
-  </p:timing>
-</p:sld>
-</file>
-
-<file path=ppt/slides/slide19.xml><?xml version="1.0" encoding="utf-8"?>
-<p:sld xmlns:a="http://schemas.openxmlformats.org/drawingml/2006/main" xmlns:r="http://schemas.openxmlformats.org/officeDocument/2006/relationships" xmlns:p="http://schemas.openxmlformats.org/presentationml/2006/main">
-  <p:cSld>
-    <p:spTree>
-      <p:nvGrpSpPr>
-        <p:cNvPr id="1" name=""/>
-        <p:cNvGrpSpPr/>
-        <p:nvPr/>
-      </p:nvGrpSpPr>
-      <p:grpSpPr>
-        <a:xfrm>
-          <a:off x="0" y="0"/>
-          <a:ext cx="0" cy="0"/>
-          <a:chOff x="0" y="0"/>
-          <a:chExt cx="0" cy="0"/>
-        </a:xfrm>
-      </p:grpSpPr>
-      <p:sp>
-        <p:nvSpPr>
-          <p:cNvPr id="2" name="Title 1"/>
-          <p:cNvSpPr>
-            <a:spLocks noGrp="1"/>
-          </p:cNvSpPr>
-          <p:nvPr>
-            <p:ph type="title"/>
-            <p:custDataLst>
-              <p:tags r:id="rId2"/>
-            </p:custDataLst>
-          </p:nvPr>
-        </p:nvSpPr>
-        <p:spPr/>
-        <p:txBody>
-          <a:bodyPr/>
-          <a:lstStyle/>
-          <a:p>
-            <a:r>
-              <a:rPr lang="en-US" dirty="0" smtClean="0"/>
-              <a:t>BDD Recap</a:t>
-            </a:r>
-            <a:endParaRPr lang="en-US" dirty="0"/>
-          </a:p>
-        </p:txBody>
-      </p:sp>
-      <p:sp>
-        <p:nvSpPr>
-          <p:cNvPr id="5" name="Content Placeholder 4"/>
-          <p:cNvSpPr>
-            <a:spLocks noGrp="1"/>
-          </p:cNvSpPr>
-          <p:nvPr>
-            <p:ph idx="1"/>
-            <p:custDataLst>
-              <p:tags r:id="rId3"/>
-            </p:custDataLst>
-          </p:nvPr>
-        </p:nvSpPr>
-        <p:spPr/>
-        <p:txBody>
-          <a:bodyPr>
-            <a:normAutofit/>
-          </a:bodyPr>
-          <a:lstStyle/>
-          <a:p>
-            <a:r>
-              <a:rPr lang="en-US" sz="4000" dirty="0" smtClean="0"/>
-              <a:t>BDD is still TDD, but with a focus on the business requirements.</a:t>
-            </a:r>
-          </a:p>
-          <a:p>
-            <a:r>
-              <a:rPr lang="en-US" sz="4000" dirty="0" smtClean="0"/>
-              <a:t>You still let the specifications determine the code you write.</a:t>
-            </a:r>
-          </a:p>
-          <a:p>
-            <a:r>
-              <a:rPr lang="en-US" sz="4000" dirty="0" smtClean="0"/>
-              <a:t>Most of the best unit testing practices still apply to BDD.</a:t>
-            </a:r>
-          </a:p>
-        </p:txBody>
-      </p:sp>
-    </p:spTree>
-    <p:custDataLst>
-      <p:tags r:id="rId1"/>
-    </p:custDataLst>
-    <p:extLst>
-      <p:ext uri="{BB962C8B-B14F-4D97-AF65-F5344CB8AC3E}">
-        <p14:creationId xmlns:p14="http://schemas.microsoft.com/office/powerpoint/2010/main" val="2779745891"/>
+        <p14:creationId xmlns:p14="http://schemas.microsoft.com/office/powerpoint/2010/main" val="4082196126"/>
       </p:ext>
     </p:extLst>
   </p:cSld>
@@ -9992,3080 +8068,6 @@
 </p:sld>
 </file>
 
-<file path=ppt/slides/slide2.xml><?xml version="1.0" encoding="utf-8"?>
-<p:sld xmlns:a="http://schemas.openxmlformats.org/drawingml/2006/main" xmlns:r="http://schemas.openxmlformats.org/officeDocument/2006/relationships" xmlns:p="http://schemas.openxmlformats.org/presentationml/2006/main">
-  <p:cSld>
-    <p:spTree>
-      <p:nvGrpSpPr>
-        <p:cNvPr id="1" name=""/>
-        <p:cNvGrpSpPr/>
-        <p:nvPr/>
-      </p:nvGrpSpPr>
-      <p:grpSpPr>
-        <a:xfrm>
-          <a:off x="0" y="0"/>
-          <a:ext cx="0" cy="0"/>
-          <a:chOff x="0" y="0"/>
-          <a:chExt cx="0" cy="0"/>
-        </a:xfrm>
-      </p:grpSpPr>
-      <p:sp>
-        <p:nvSpPr>
-          <p:cNvPr id="2" name="Title 1"/>
-          <p:cNvSpPr>
-            <a:spLocks noGrp="1"/>
-          </p:cNvSpPr>
-          <p:nvPr>
-            <p:ph type="title"/>
-            <p:custDataLst>
-              <p:tags r:id="rId2"/>
-            </p:custDataLst>
-          </p:nvPr>
-        </p:nvSpPr>
-        <p:spPr/>
-        <p:txBody>
-          <a:bodyPr/>
-          <a:lstStyle/>
-          <a:p>
-            <a:r>
-              <a:rPr lang="en-US" dirty="0" smtClean="0"/>
-              <a:t>Let’s start with an issue…</a:t>
-            </a:r>
-            <a:endParaRPr lang="en-US" dirty="0"/>
-          </a:p>
-        </p:txBody>
-      </p:sp>
-      <p:sp>
-        <p:nvSpPr>
-          <p:cNvPr id="5" name="Content Placeholder 4"/>
-          <p:cNvSpPr>
-            <a:spLocks noGrp="1"/>
-          </p:cNvSpPr>
-          <p:nvPr>
-            <p:ph idx="1"/>
-            <p:custDataLst>
-              <p:tags r:id="rId3"/>
-            </p:custDataLst>
-          </p:nvPr>
-        </p:nvSpPr>
-        <p:spPr/>
-        <p:txBody>
-          <a:bodyPr>
-            <a:normAutofit/>
-          </a:bodyPr>
-          <a:lstStyle/>
-          <a:p>
-            <a:r>
-              <a:rPr lang="en-US" dirty="0" smtClean="0"/>
-              <a:t>My company, Acme Inc</a:t>
-            </a:r>
-            <a:r>
-              <a:rPr lang="en-US" dirty="0" smtClean="0"/>
-              <a:t>., wants to run a promotion.</a:t>
-            </a:r>
-            <a:endParaRPr lang="en-US" dirty="0" smtClean="0"/>
-          </a:p>
-          <a:p>
-            <a:r>
-              <a:rPr lang="en-US" dirty="0" smtClean="0"/>
-              <a:t>Anybody who buys an Acme hot dog gets a promotion code on his receipt.</a:t>
-            </a:r>
-            <a:endParaRPr lang="en-US" dirty="0" smtClean="0"/>
-          </a:p>
-          <a:p>
-            <a:r>
-              <a:rPr lang="en-US" dirty="0" smtClean="0"/>
-              <a:t>A few of these promotions codes have prizes attached.</a:t>
-            </a:r>
-            <a:endParaRPr lang="en-US" dirty="0" smtClean="0"/>
-          </a:p>
-          <a:p>
-            <a:r>
-              <a:rPr lang="en-US" dirty="0" smtClean="0"/>
-              <a:t>If a user enters the promotion code on the website, he wins the prize.</a:t>
-            </a:r>
-            <a:endParaRPr lang="en-US" dirty="0"/>
-          </a:p>
-        </p:txBody>
-      </p:sp>
-    </p:spTree>
-    <p:custDataLst>
-      <p:tags r:id="rId1"/>
-    </p:custDataLst>
-    <p:extLst>
-      <p:ext uri="{BB962C8B-B14F-4D97-AF65-F5344CB8AC3E}">
-        <p14:creationId xmlns:p14="http://schemas.microsoft.com/office/powerpoint/2010/main" val="923566193"/>
-      </p:ext>
-    </p:extLst>
-  </p:cSld>
-  <p:clrMapOvr>
-    <a:masterClrMapping/>
-  </p:clrMapOvr>
-  <p:transition spd="slow">
-    <p:wipe dir="d"/>
-  </p:transition>
-  <p:timing>
-    <p:tnLst>
-      <p:par>
-        <p:cTn id="1" dur="indefinite" restart="never" nodeType="tmRoot">
-          <p:childTnLst>
-            <p:seq concurrent="1" nextAc="seek">
-              <p:cTn id="2" dur="indefinite" nodeType="mainSeq">
-                <p:childTnLst>
-                  <p:par>
-                    <p:cTn id="3" fill="hold">
-                      <p:stCondLst>
-                        <p:cond delay="indefinite"/>
-                      </p:stCondLst>
-                      <p:childTnLst>
-                        <p:par>
-                          <p:cTn id="4" fill="hold">
-                            <p:stCondLst>
-                              <p:cond delay="0"/>
-                            </p:stCondLst>
-                            <p:childTnLst>
-                              <p:par>
-                                <p:cTn id="5" presetID="10" presetClass="entr" presetSubtype="0" fill="hold" grpId="0" nodeType="clickEffect">
-                                  <p:stCondLst>
-                                    <p:cond delay="0"/>
-                                  </p:stCondLst>
-                                  <p:childTnLst>
-                                    <p:set>
-                                      <p:cBhvr>
-                                        <p:cTn id="6" dur="1" fill="hold">
-                                          <p:stCondLst>
-                                            <p:cond delay="0"/>
-                                          </p:stCondLst>
-                                        </p:cTn>
-                                        <p:tgtEl>
-                                          <p:spTgt spid="5">
-                                            <p:txEl>
-                                              <p:pRg st="0" end="0"/>
-                                            </p:txEl>
-                                          </p:spTgt>
-                                        </p:tgtEl>
-                                        <p:attrNameLst>
-                                          <p:attrName>style.visibility</p:attrName>
-                                        </p:attrNameLst>
-                                      </p:cBhvr>
-                                      <p:to>
-                                        <p:strVal val="visible"/>
-                                      </p:to>
-                                    </p:set>
-                                    <p:animEffect transition="in" filter="fade">
-                                      <p:cBhvr>
-                                        <p:cTn id="7" dur="500"/>
-                                        <p:tgtEl>
-                                          <p:spTgt spid="5">
-                                            <p:txEl>
-                                              <p:pRg st="0" end="0"/>
-                                            </p:txEl>
-                                          </p:spTgt>
-                                        </p:tgtEl>
-                                      </p:cBhvr>
-                                    </p:animEffect>
-                                  </p:childTnLst>
-                                </p:cTn>
-                              </p:par>
-                            </p:childTnLst>
-                          </p:cTn>
-                        </p:par>
-                      </p:childTnLst>
-                    </p:cTn>
-                  </p:par>
-                  <p:par>
-                    <p:cTn id="8" fill="hold">
-                      <p:stCondLst>
-                        <p:cond delay="indefinite"/>
-                      </p:stCondLst>
-                      <p:childTnLst>
-                        <p:par>
-                          <p:cTn id="9" fill="hold">
-                            <p:stCondLst>
-                              <p:cond delay="0"/>
-                            </p:stCondLst>
-                            <p:childTnLst>
-                              <p:par>
-                                <p:cTn id="10" presetID="10" presetClass="entr" presetSubtype="0" fill="hold" grpId="0" nodeType="clickEffect">
-                                  <p:stCondLst>
-                                    <p:cond delay="0"/>
-                                  </p:stCondLst>
-                                  <p:childTnLst>
-                                    <p:set>
-                                      <p:cBhvr>
-                                        <p:cTn id="11" dur="1" fill="hold">
-                                          <p:stCondLst>
-                                            <p:cond delay="0"/>
-                                          </p:stCondLst>
-                                        </p:cTn>
-                                        <p:tgtEl>
-                                          <p:spTgt spid="5">
-                                            <p:txEl>
-                                              <p:pRg st="1" end="1"/>
-                                            </p:txEl>
-                                          </p:spTgt>
-                                        </p:tgtEl>
-                                        <p:attrNameLst>
-                                          <p:attrName>style.visibility</p:attrName>
-                                        </p:attrNameLst>
-                                      </p:cBhvr>
-                                      <p:to>
-                                        <p:strVal val="visible"/>
-                                      </p:to>
-                                    </p:set>
-                                    <p:animEffect transition="in" filter="fade">
-                                      <p:cBhvr>
-                                        <p:cTn id="12" dur="500"/>
-                                        <p:tgtEl>
-                                          <p:spTgt spid="5">
-                                            <p:txEl>
-                                              <p:pRg st="1" end="1"/>
-                                            </p:txEl>
-                                          </p:spTgt>
-                                        </p:tgtEl>
-                                      </p:cBhvr>
-                                    </p:animEffect>
-                                  </p:childTnLst>
-                                </p:cTn>
-                              </p:par>
-                            </p:childTnLst>
-                          </p:cTn>
-                        </p:par>
-                      </p:childTnLst>
-                    </p:cTn>
-                  </p:par>
-                  <p:par>
-                    <p:cTn id="13" fill="hold">
-                      <p:stCondLst>
-                        <p:cond delay="indefinite"/>
-                      </p:stCondLst>
-                      <p:childTnLst>
-                        <p:par>
-                          <p:cTn id="14" fill="hold">
-                            <p:stCondLst>
-                              <p:cond delay="0"/>
-                            </p:stCondLst>
-                            <p:childTnLst>
-                              <p:par>
-                                <p:cTn id="15" presetID="10" presetClass="entr" presetSubtype="0" fill="hold" grpId="0" nodeType="clickEffect">
-                                  <p:stCondLst>
-                                    <p:cond delay="0"/>
-                                  </p:stCondLst>
-                                  <p:childTnLst>
-                                    <p:set>
-                                      <p:cBhvr>
-                                        <p:cTn id="16" dur="1" fill="hold">
-                                          <p:stCondLst>
-                                            <p:cond delay="0"/>
-                                          </p:stCondLst>
-                                        </p:cTn>
-                                        <p:tgtEl>
-                                          <p:spTgt spid="5">
-                                            <p:txEl>
-                                              <p:pRg st="2" end="2"/>
-                                            </p:txEl>
-                                          </p:spTgt>
-                                        </p:tgtEl>
-                                        <p:attrNameLst>
-                                          <p:attrName>style.visibility</p:attrName>
-                                        </p:attrNameLst>
-                                      </p:cBhvr>
-                                      <p:to>
-                                        <p:strVal val="visible"/>
-                                      </p:to>
-                                    </p:set>
-                                    <p:animEffect transition="in" filter="fade">
-                                      <p:cBhvr>
-                                        <p:cTn id="17" dur="500"/>
-                                        <p:tgtEl>
-                                          <p:spTgt spid="5">
-                                            <p:txEl>
-                                              <p:pRg st="2" end="2"/>
-                                            </p:txEl>
-                                          </p:spTgt>
-                                        </p:tgtEl>
-                                      </p:cBhvr>
-                                    </p:animEffect>
-                                  </p:childTnLst>
-                                </p:cTn>
-                              </p:par>
-                            </p:childTnLst>
-                          </p:cTn>
-                        </p:par>
-                      </p:childTnLst>
-                    </p:cTn>
-                  </p:par>
-                  <p:par>
-                    <p:cTn id="18" fill="hold">
-                      <p:stCondLst>
-                        <p:cond delay="indefinite"/>
-                      </p:stCondLst>
-                      <p:childTnLst>
-                        <p:par>
-                          <p:cTn id="19" fill="hold">
-                            <p:stCondLst>
-                              <p:cond delay="0"/>
-                            </p:stCondLst>
-                            <p:childTnLst>
-                              <p:par>
-                                <p:cTn id="20" presetID="10" presetClass="entr" presetSubtype="0" fill="hold" grpId="0" nodeType="clickEffect">
-                                  <p:stCondLst>
-                                    <p:cond delay="0"/>
-                                  </p:stCondLst>
-                                  <p:childTnLst>
-                                    <p:set>
-                                      <p:cBhvr>
-                                        <p:cTn id="21" dur="1" fill="hold">
-                                          <p:stCondLst>
-                                            <p:cond delay="0"/>
-                                          </p:stCondLst>
-                                        </p:cTn>
-                                        <p:tgtEl>
-                                          <p:spTgt spid="5">
-                                            <p:txEl>
-                                              <p:pRg st="3" end="3"/>
-                                            </p:txEl>
-                                          </p:spTgt>
-                                        </p:tgtEl>
-                                        <p:attrNameLst>
-                                          <p:attrName>style.visibility</p:attrName>
-                                        </p:attrNameLst>
-                                      </p:cBhvr>
-                                      <p:to>
-                                        <p:strVal val="visible"/>
-                                      </p:to>
-                                    </p:set>
-                                    <p:animEffect transition="in" filter="fade">
-                                      <p:cBhvr>
-                                        <p:cTn id="22" dur="500"/>
-                                        <p:tgtEl>
-                                          <p:spTgt spid="5">
-                                            <p:txEl>
-                                              <p:pRg st="3" end="3"/>
-                                            </p:txEl>
-                                          </p:spTgt>
-                                        </p:tgtEl>
-                                      </p:cBhvr>
-                                    </p:animEffect>
-                                  </p:childTnLst>
-                                </p:cTn>
-                              </p:par>
-                            </p:childTnLst>
-                          </p:cTn>
-                        </p:par>
-                      </p:childTnLst>
-                    </p:cTn>
-                  </p:par>
-                </p:childTnLst>
-              </p:cTn>
-              <p:prevCondLst>
-                <p:cond evt="onPrev" delay="0">
-                  <p:tgtEl>
-                    <p:sldTgt/>
-                  </p:tgtEl>
-                </p:cond>
-              </p:prevCondLst>
-              <p:nextCondLst>
-                <p:cond evt="onNext" delay="0">
-                  <p:tgtEl>
-                    <p:sldTgt/>
-                  </p:tgtEl>
-                </p:cond>
-              </p:nextCondLst>
-            </p:seq>
-          </p:childTnLst>
-        </p:cTn>
-      </p:par>
-    </p:tnLst>
-    <p:bldLst>
-      <p:bldP spid="5" grpId="0" build="p"/>
-    </p:bldLst>
-  </p:timing>
-</p:sld>
-</file>
-
-<file path=ppt/slides/slide20.xml><?xml version="1.0" encoding="utf-8"?>
-<p:sld xmlns:a="http://schemas.openxmlformats.org/drawingml/2006/main" xmlns:r="http://schemas.openxmlformats.org/officeDocument/2006/relationships" xmlns:p="http://schemas.openxmlformats.org/presentationml/2006/main">
-  <p:cSld>
-    <p:spTree>
-      <p:nvGrpSpPr>
-        <p:cNvPr id="1" name=""/>
-        <p:cNvGrpSpPr/>
-        <p:nvPr/>
-      </p:nvGrpSpPr>
-      <p:grpSpPr>
-        <a:xfrm>
-          <a:off x="0" y="0"/>
-          <a:ext cx="0" cy="0"/>
-          <a:chOff x="0" y="0"/>
-          <a:chExt cx="0" cy="0"/>
-        </a:xfrm>
-      </p:grpSpPr>
-      <p:sp>
-        <p:nvSpPr>
-          <p:cNvPr id="2" name="Title 1"/>
-          <p:cNvSpPr>
-            <a:spLocks noGrp="1"/>
-          </p:cNvSpPr>
-          <p:nvPr>
-            <p:ph type="title"/>
-            <p:custDataLst>
-              <p:tags r:id="rId2"/>
-            </p:custDataLst>
-          </p:nvPr>
-        </p:nvSpPr>
-        <p:spPr/>
-        <p:txBody>
-          <a:bodyPr/>
-          <a:lstStyle/>
-          <a:p>
-            <a:r>
-              <a:rPr lang="en-US" dirty="0" smtClean="0"/>
-              <a:t>Something to keep in mind…</a:t>
-            </a:r>
-            <a:endParaRPr lang="en-US" dirty="0"/>
-          </a:p>
-        </p:txBody>
-      </p:sp>
-      <p:sp>
-        <p:nvSpPr>
-          <p:cNvPr id="5" name="Content Placeholder 4"/>
-          <p:cNvSpPr>
-            <a:spLocks noGrp="1"/>
-          </p:cNvSpPr>
-          <p:nvPr>
-            <p:ph idx="1"/>
-            <p:custDataLst>
-              <p:tags r:id="rId3"/>
-            </p:custDataLst>
-          </p:nvPr>
-        </p:nvSpPr>
-        <p:spPr/>
-        <p:txBody>
-          <a:bodyPr>
-            <a:normAutofit fontScale="92500" lnSpcReduction="10000"/>
-          </a:bodyPr>
-          <a:lstStyle/>
-          <a:p>
-            <a:r>
-              <a:rPr lang="en-US" sz="4000" dirty="0" smtClean="0"/>
-              <a:t>There is no law that says you have to use BDD everywhere or nowhere.</a:t>
-            </a:r>
-          </a:p>
-          <a:p>
-            <a:r>
-              <a:rPr lang="en-US" sz="4000" dirty="0" smtClean="0"/>
-              <a:t>It’s hard to go wrong with TDD, but when BDD is a better fit, use it.</a:t>
-            </a:r>
-          </a:p>
-          <a:p>
-            <a:r>
-              <a:rPr lang="en-US" sz="4000" dirty="0" smtClean="0"/>
-              <a:t>Your code-only tests aren’t as easy to read as </a:t>
-            </a:r>
-            <a:r>
-              <a:rPr lang="en-US" sz="4000" smtClean="0"/>
-              <a:t>you think.</a:t>
-            </a:r>
-            <a:endParaRPr lang="en-US" sz="4000" dirty="0" smtClean="0"/>
-          </a:p>
-          <a:p>
-            <a:r>
-              <a:rPr lang="en-US" sz="4000" dirty="0" smtClean="0"/>
-              <a:t>No matter what you do, test.</a:t>
-            </a:r>
-          </a:p>
-        </p:txBody>
-      </p:sp>
-    </p:spTree>
-    <p:custDataLst>
-      <p:tags r:id="rId1"/>
-    </p:custDataLst>
-    <p:extLst>
-      <p:ext uri="{BB962C8B-B14F-4D97-AF65-F5344CB8AC3E}">
-        <p14:creationId xmlns:p14="http://schemas.microsoft.com/office/powerpoint/2010/main" val="3715841469"/>
-      </p:ext>
-    </p:extLst>
-  </p:cSld>
-  <p:clrMapOvr>
-    <a:masterClrMapping/>
-  </p:clrMapOvr>
-  <p:transition spd="slow">
-    <p:wipe dir="d"/>
-  </p:transition>
-  <p:timing>
-    <p:tnLst>
-      <p:par>
-        <p:cTn id="1" dur="indefinite" restart="never" nodeType="tmRoot">
-          <p:childTnLst>
-            <p:seq concurrent="1" nextAc="seek">
-              <p:cTn id="2" dur="indefinite" nodeType="mainSeq">
-                <p:childTnLst>
-                  <p:par>
-                    <p:cTn id="3" fill="hold">
-                      <p:stCondLst>
-                        <p:cond delay="indefinite"/>
-                      </p:stCondLst>
-                      <p:childTnLst>
-                        <p:par>
-                          <p:cTn id="4" fill="hold">
-                            <p:stCondLst>
-                              <p:cond delay="0"/>
-                            </p:stCondLst>
-                            <p:childTnLst>
-                              <p:par>
-                                <p:cTn id="5" presetID="10" presetClass="entr" presetSubtype="0" fill="hold" grpId="0" nodeType="clickEffect">
-                                  <p:stCondLst>
-                                    <p:cond delay="0"/>
-                                  </p:stCondLst>
-                                  <p:childTnLst>
-                                    <p:set>
-                                      <p:cBhvr>
-                                        <p:cTn id="6" dur="1" fill="hold">
-                                          <p:stCondLst>
-                                            <p:cond delay="0"/>
-                                          </p:stCondLst>
-                                        </p:cTn>
-                                        <p:tgtEl>
-                                          <p:spTgt spid="5">
-                                            <p:txEl>
-                                              <p:pRg st="0" end="0"/>
-                                            </p:txEl>
-                                          </p:spTgt>
-                                        </p:tgtEl>
-                                        <p:attrNameLst>
-                                          <p:attrName>style.visibility</p:attrName>
-                                        </p:attrNameLst>
-                                      </p:cBhvr>
-                                      <p:to>
-                                        <p:strVal val="visible"/>
-                                      </p:to>
-                                    </p:set>
-                                    <p:animEffect transition="in" filter="fade">
-                                      <p:cBhvr>
-                                        <p:cTn id="7" dur="500"/>
-                                        <p:tgtEl>
-                                          <p:spTgt spid="5">
-                                            <p:txEl>
-                                              <p:pRg st="0" end="0"/>
-                                            </p:txEl>
-                                          </p:spTgt>
-                                        </p:tgtEl>
-                                      </p:cBhvr>
-                                    </p:animEffect>
-                                  </p:childTnLst>
-                                </p:cTn>
-                              </p:par>
-                            </p:childTnLst>
-                          </p:cTn>
-                        </p:par>
-                      </p:childTnLst>
-                    </p:cTn>
-                  </p:par>
-                  <p:par>
-                    <p:cTn id="8" fill="hold">
-                      <p:stCondLst>
-                        <p:cond delay="indefinite"/>
-                      </p:stCondLst>
-                      <p:childTnLst>
-                        <p:par>
-                          <p:cTn id="9" fill="hold">
-                            <p:stCondLst>
-                              <p:cond delay="0"/>
-                            </p:stCondLst>
-                            <p:childTnLst>
-                              <p:par>
-                                <p:cTn id="10" presetID="10" presetClass="entr" presetSubtype="0" fill="hold" grpId="0" nodeType="clickEffect">
-                                  <p:stCondLst>
-                                    <p:cond delay="0"/>
-                                  </p:stCondLst>
-                                  <p:childTnLst>
-                                    <p:set>
-                                      <p:cBhvr>
-                                        <p:cTn id="11" dur="1" fill="hold">
-                                          <p:stCondLst>
-                                            <p:cond delay="0"/>
-                                          </p:stCondLst>
-                                        </p:cTn>
-                                        <p:tgtEl>
-                                          <p:spTgt spid="5">
-                                            <p:txEl>
-                                              <p:pRg st="1" end="1"/>
-                                            </p:txEl>
-                                          </p:spTgt>
-                                        </p:tgtEl>
-                                        <p:attrNameLst>
-                                          <p:attrName>style.visibility</p:attrName>
-                                        </p:attrNameLst>
-                                      </p:cBhvr>
-                                      <p:to>
-                                        <p:strVal val="visible"/>
-                                      </p:to>
-                                    </p:set>
-                                    <p:animEffect transition="in" filter="fade">
-                                      <p:cBhvr>
-                                        <p:cTn id="12" dur="500"/>
-                                        <p:tgtEl>
-                                          <p:spTgt spid="5">
-                                            <p:txEl>
-                                              <p:pRg st="1" end="1"/>
-                                            </p:txEl>
-                                          </p:spTgt>
-                                        </p:tgtEl>
-                                      </p:cBhvr>
-                                    </p:animEffect>
-                                  </p:childTnLst>
-                                </p:cTn>
-                              </p:par>
-                            </p:childTnLst>
-                          </p:cTn>
-                        </p:par>
-                      </p:childTnLst>
-                    </p:cTn>
-                  </p:par>
-                  <p:par>
-                    <p:cTn id="13" fill="hold">
-                      <p:stCondLst>
-                        <p:cond delay="indefinite"/>
-                      </p:stCondLst>
-                      <p:childTnLst>
-                        <p:par>
-                          <p:cTn id="14" fill="hold">
-                            <p:stCondLst>
-                              <p:cond delay="0"/>
-                            </p:stCondLst>
-                            <p:childTnLst>
-                              <p:par>
-                                <p:cTn id="15" presetID="10" presetClass="entr" presetSubtype="0" fill="hold" grpId="0" nodeType="clickEffect">
-                                  <p:stCondLst>
-                                    <p:cond delay="0"/>
-                                  </p:stCondLst>
-                                  <p:childTnLst>
-                                    <p:set>
-                                      <p:cBhvr>
-                                        <p:cTn id="16" dur="1" fill="hold">
-                                          <p:stCondLst>
-                                            <p:cond delay="0"/>
-                                          </p:stCondLst>
-                                        </p:cTn>
-                                        <p:tgtEl>
-                                          <p:spTgt spid="5">
-                                            <p:txEl>
-                                              <p:pRg st="2" end="2"/>
-                                            </p:txEl>
-                                          </p:spTgt>
-                                        </p:tgtEl>
-                                        <p:attrNameLst>
-                                          <p:attrName>style.visibility</p:attrName>
-                                        </p:attrNameLst>
-                                      </p:cBhvr>
-                                      <p:to>
-                                        <p:strVal val="visible"/>
-                                      </p:to>
-                                    </p:set>
-                                    <p:animEffect transition="in" filter="fade">
-                                      <p:cBhvr>
-                                        <p:cTn id="17" dur="500"/>
-                                        <p:tgtEl>
-                                          <p:spTgt spid="5">
-                                            <p:txEl>
-                                              <p:pRg st="2" end="2"/>
-                                            </p:txEl>
-                                          </p:spTgt>
-                                        </p:tgtEl>
-                                      </p:cBhvr>
-                                    </p:animEffect>
-                                  </p:childTnLst>
-                                </p:cTn>
-                              </p:par>
-                            </p:childTnLst>
-                          </p:cTn>
-                        </p:par>
-                      </p:childTnLst>
-                    </p:cTn>
-                  </p:par>
-                  <p:par>
-                    <p:cTn id="18" fill="hold">
-                      <p:stCondLst>
-                        <p:cond delay="indefinite"/>
-                      </p:stCondLst>
-                      <p:childTnLst>
-                        <p:par>
-                          <p:cTn id="19" fill="hold">
-                            <p:stCondLst>
-                              <p:cond delay="0"/>
-                            </p:stCondLst>
-                            <p:childTnLst>
-                              <p:par>
-                                <p:cTn id="20" presetID="10" presetClass="entr" presetSubtype="0" fill="hold" grpId="0" nodeType="clickEffect">
-                                  <p:stCondLst>
-                                    <p:cond delay="0"/>
-                                  </p:stCondLst>
-                                  <p:childTnLst>
-                                    <p:set>
-                                      <p:cBhvr>
-                                        <p:cTn id="21" dur="1" fill="hold">
-                                          <p:stCondLst>
-                                            <p:cond delay="0"/>
-                                          </p:stCondLst>
-                                        </p:cTn>
-                                        <p:tgtEl>
-                                          <p:spTgt spid="5">
-                                            <p:txEl>
-                                              <p:pRg st="3" end="3"/>
-                                            </p:txEl>
-                                          </p:spTgt>
-                                        </p:tgtEl>
-                                        <p:attrNameLst>
-                                          <p:attrName>style.visibility</p:attrName>
-                                        </p:attrNameLst>
-                                      </p:cBhvr>
-                                      <p:to>
-                                        <p:strVal val="visible"/>
-                                      </p:to>
-                                    </p:set>
-                                    <p:animEffect transition="in" filter="fade">
-                                      <p:cBhvr>
-                                        <p:cTn id="22" dur="500"/>
-                                        <p:tgtEl>
-                                          <p:spTgt spid="5">
-                                            <p:txEl>
-                                              <p:pRg st="3" end="3"/>
-                                            </p:txEl>
-                                          </p:spTgt>
-                                        </p:tgtEl>
-                                      </p:cBhvr>
-                                    </p:animEffect>
-                                  </p:childTnLst>
-                                </p:cTn>
-                              </p:par>
-                            </p:childTnLst>
-                          </p:cTn>
-                        </p:par>
-                      </p:childTnLst>
-                    </p:cTn>
-                  </p:par>
-                </p:childTnLst>
-              </p:cTn>
-              <p:prevCondLst>
-                <p:cond evt="onPrev" delay="0">
-                  <p:tgtEl>
-                    <p:sldTgt/>
-                  </p:tgtEl>
-                </p:cond>
-              </p:prevCondLst>
-              <p:nextCondLst>
-                <p:cond evt="onNext" delay="0">
-                  <p:tgtEl>
-                    <p:sldTgt/>
-                  </p:tgtEl>
-                </p:cond>
-              </p:nextCondLst>
-            </p:seq>
-          </p:childTnLst>
-        </p:cTn>
-      </p:par>
-    </p:tnLst>
-    <p:bldLst>
-      <p:bldP spid="5" grpId="0" build="p"/>
-    </p:bldLst>
-  </p:timing>
-</p:sld>
-</file>
-
-<file path=ppt/slides/slide21.xml><?xml version="1.0" encoding="utf-8"?>
-<p:sld xmlns:a="http://schemas.openxmlformats.org/drawingml/2006/main" xmlns:r="http://schemas.openxmlformats.org/officeDocument/2006/relationships" xmlns:p="http://schemas.openxmlformats.org/presentationml/2006/main">
-  <p:cSld>
-    <p:spTree>
-      <p:nvGrpSpPr>
-        <p:cNvPr id="1" name=""/>
-        <p:cNvGrpSpPr/>
-        <p:nvPr/>
-      </p:nvGrpSpPr>
-      <p:grpSpPr>
-        <a:xfrm>
-          <a:off x="0" y="0"/>
-          <a:ext cx="0" cy="0"/>
-          <a:chOff x="0" y="0"/>
-          <a:chExt cx="0" cy="0"/>
-        </a:xfrm>
-      </p:grpSpPr>
-      <p:sp>
-        <p:nvSpPr>
-          <p:cNvPr id="2" name="Title 1"/>
-          <p:cNvSpPr>
-            <a:spLocks noGrp="1"/>
-          </p:cNvSpPr>
-          <p:nvPr>
-            <p:ph type="title"/>
-            <p:custDataLst>
-              <p:tags r:id="rId2"/>
-            </p:custDataLst>
-          </p:nvPr>
-        </p:nvSpPr>
-        <p:spPr/>
-        <p:txBody>
-          <a:bodyPr/>
-          <a:lstStyle/>
-          <a:p>
-            <a:r>
-              <a:rPr lang="en-US" dirty="0" smtClean="0"/>
-              <a:t>What’s the point?</a:t>
-            </a:r>
-            <a:endParaRPr lang="en-US" dirty="0"/>
-          </a:p>
-        </p:txBody>
-      </p:sp>
-      <p:sp>
-        <p:nvSpPr>
-          <p:cNvPr id="5" name="Content Placeholder 4"/>
-          <p:cNvSpPr>
-            <a:spLocks noGrp="1"/>
-          </p:cNvSpPr>
-          <p:nvPr>
-            <p:ph idx="1"/>
-            <p:custDataLst>
-              <p:tags r:id="rId3"/>
-            </p:custDataLst>
-          </p:nvPr>
-        </p:nvSpPr>
-        <p:spPr/>
-        <p:txBody>
-          <a:bodyPr>
-            <a:noAutofit/>
-          </a:bodyPr>
-          <a:lstStyle/>
-          <a:p>
-            <a:r>
-              <a:rPr lang="en-US" sz="4000" dirty="0" smtClean="0"/>
-              <a:t>Software that works.</a:t>
-            </a:r>
-          </a:p>
-          <a:p>
-            <a:r>
-              <a:rPr lang="en-US" sz="4000" dirty="0" smtClean="0"/>
-              <a:t>Software that can be maintained.</a:t>
-            </a:r>
-          </a:p>
-          <a:p>
-            <a:r>
-              <a:rPr lang="en-US" sz="4000" dirty="0" smtClean="0"/>
-              <a:t>Software that can be explained.</a:t>
-            </a:r>
-          </a:p>
-          <a:p>
-            <a:r>
-              <a:rPr lang="en-US" sz="4000" dirty="0" smtClean="0"/>
-              <a:t>Happy clients.</a:t>
-            </a:r>
-          </a:p>
-          <a:p>
-            <a:r>
-              <a:rPr lang="en-US" sz="4000" dirty="0" smtClean="0"/>
-              <a:t>Stress-free life.</a:t>
-            </a:r>
-          </a:p>
-        </p:txBody>
-      </p:sp>
-    </p:spTree>
-    <p:custDataLst>
-      <p:tags r:id="rId1"/>
-    </p:custDataLst>
-    <p:extLst>
-      <p:ext uri="{BB962C8B-B14F-4D97-AF65-F5344CB8AC3E}">
-        <p14:creationId xmlns:p14="http://schemas.microsoft.com/office/powerpoint/2010/main" val="1116159406"/>
-      </p:ext>
-    </p:extLst>
-  </p:cSld>
-  <p:clrMapOvr>
-    <a:masterClrMapping/>
-  </p:clrMapOvr>
-  <p:transition spd="slow">
-    <p:wipe dir="d"/>
-  </p:transition>
-  <p:timing>
-    <p:tnLst>
-      <p:par>
-        <p:cTn id="1" dur="indefinite" restart="never" nodeType="tmRoot">
-          <p:childTnLst>
-            <p:seq concurrent="1" nextAc="seek">
-              <p:cTn id="2" dur="indefinite" nodeType="mainSeq">
-                <p:childTnLst>
-                  <p:par>
-                    <p:cTn id="3" fill="hold">
-                      <p:stCondLst>
-                        <p:cond delay="indefinite"/>
-                      </p:stCondLst>
-                      <p:childTnLst>
-                        <p:par>
-                          <p:cTn id="4" fill="hold">
-                            <p:stCondLst>
-                              <p:cond delay="0"/>
-                            </p:stCondLst>
-                            <p:childTnLst>
-                              <p:par>
-                                <p:cTn id="5" presetID="10" presetClass="entr" presetSubtype="0" fill="hold" grpId="0" nodeType="clickEffect">
-                                  <p:stCondLst>
-                                    <p:cond delay="0"/>
-                                  </p:stCondLst>
-                                  <p:childTnLst>
-                                    <p:set>
-                                      <p:cBhvr>
-                                        <p:cTn id="6" dur="1" fill="hold">
-                                          <p:stCondLst>
-                                            <p:cond delay="0"/>
-                                          </p:stCondLst>
-                                        </p:cTn>
-                                        <p:tgtEl>
-                                          <p:spTgt spid="5">
-                                            <p:txEl>
-                                              <p:pRg st="0" end="0"/>
-                                            </p:txEl>
-                                          </p:spTgt>
-                                        </p:tgtEl>
-                                        <p:attrNameLst>
-                                          <p:attrName>style.visibility</p:attrName>
-                                        </p:attrNameLst>
-                                      </p:cBhvr>
-                                      <p:to>
-                                        <p:strVal val="visible"/>
-                                      </p:to>
-                                    </p:set>
-                                    <p:animEffect transition="in" filter="fade">
-                                      <p:cBhvr>
-                                        <p:cTn id="7" dur="500"/>
-                                        <p:tgtEl>
-                                          <p:spTgt spid="5">
-                                            <p:txEl>
-                                              <p:pRg st="0" end="0"/>
-                                            </p:txEl>
-                                          </p:spTgt>
-                                        </p:tgtEl>
-                                      </p:cBhvr>
-                                    </p:animEffect>
-                                  </p:childTnLst>
-                                </p:cTn>
-                              </p:par>
-                            </p:childTnLst>
-                          </p:cTn>
-                        </p:par>
-                      </p:childTnLst>
-                    </p:cTn>
-                  </p:par>
-                  <p:par>
-                    <p:cTn id="8" fill="hold">
-                      <p:stCondLst>
-                        <p:cond delay="indefinite"/>
-                      </p:stCondLst>
-                      <p:childTnLst>
-                        <p:par>
-                          <p:cTn id="9" fill="hold">
-                            <p:stCondLst>
-                              <p:cond delay="0"/>
-                            </p:stCondLst>
-                            <p:childTnLst>
-                              <p:par>
-                                <p:cTn id="10" presetID="10" presetClass="entr" presetSubtype="0" fill="hold" grpId="0" nodeType="clickEffect">
-                                  <p:stCondLst>
-                                    <p:cond delay="0"/>
-                                  </p:stCondLst>
-                                  <p:childTnLst>
-                                    <p:set>
-                                      <p:cBhvr>
-                                        <p:cTn id="11" dur="1" fill="hold">
-                                          <p:stCondLst>
-                                            <p:cond delay="0"/>
-                                          </p:stCondLst>
-                                        </p:cTn>
-                                        <p:tgtEl>
-                                          <p:spTgt spid="5">
-                                            <p:txEl>
-                                              <p:pRg st="1" end="1"/>
-                                            </p:txEl>
-                                          </p:spTgt>
-                                        </p:tgtEl>
-                                        <p:attrNameLst>
-                                          <p:attrName>style.visibility</p:attrName>
-                                        </p:attrNameLst>
-                                      </p:cBhvr>
-                                      <p:to>
-                                        <p:strVal val="visible"/>
-                                      </p:to>
-                                    </p:set>
-                                    <p:animEffect transition="in" filter="fade">
-                                      <p:cBhvr>
-                                        <p:cTn id="12" dur="500"/>
-                                        <p:tgtEl>
-                                          <p:spTgt spid="5">
-                                            <p:txEl>
-                                              <p:pRg st="1" end="1"/>
-                                            </p:txEl>
-                                          </p:spTgt>
-                                        </p:tgtEl>
-                                      </p:cBhvr>
-                                    </p:animEffect>
-                                  </p:childTnLst>
-                                </p:cTn>
-                              </p:par>
-                            </p:childTnLst>
-                          </p:cTn>
-                        </p:par>
-                      </p:childTnLst>
-                    </p:cTn>
-                  </p:par>
-                  <p:par>
-                    <p:cTn id="13" fill="hold">
-                      <p:stCondLst>
-                        <p:cond delay="indefinite"/>
-                      </p:stCondLst>
-                      <p:childTnLst>
-                        <p:par>
-                          <p:cTn id="14" fill="hold">
-                            <p:stCondLst>
-                              <p:cond delay="0"/>
-                            </p:stCondLst>
-                            <p:childTnLst>
-                              <p:par>
-                                <p:cTn id="15" presetID="10" presetClass="entr" presetSubtype="0" fill="hold" grpId="0" nodeType="clickEffect">
-                                  <p:stCondLst>
-                                    <p:cond delay="0"/>
-                                  </p:stCondLst>
-                                  <p:childTnLst>
-                                    <p:set>
-                                      <p:cBhvr>
-                                        <p:cTn id="16" dur="1" fill="hold">
-                                          <p:stCondLst>
-                                            <p:cond delay="0"/>
-                                          </p:stCondLst>
-                                        </p:cTn>
-                                        <p:tgtEl>
-                                          <p:spTgt spid="5">
-                                            <p:txEl>
-                                              <p:pRg st="2" end="2"/>
-                                            </p:txEl>
-                                          </p:spTgt>
-                                        </p:tgtEl>
-                                        <p:attrNameLst>
-                                          <p:attrName>style.visibility</p:attrName>
-                                        </p:attrNameLst>
-                                      </p:cBhvr>
-                                      <p:to>
-                                        <p:strVal val="visible"/>
-                                      </p:to>
-                                    </p:set>
-                                    <p:animEffect transition="in" filter="fade">
-                                      <p:cBhvr>
-                                        <p:cTn id="17" dur="500"/>
-                                        <p:tgtEl>
-                                          <p:spTgt spid="5">
-                                            <p:txEl>
-                                              <p:pRg st="2" end="2"/>
-                                            </p:txEl>
-                                          </p:spTgt>
-                                        </p:tgtEl>
-                                      </p:cBhvr>
-                                    </p:animEffect>
-                                  </p:childTnLst>
-                                </p:cTn>
-                              </p:par>
-                            </p:childTnLst>
-                          </p:cTn>
-                        </p:par>
-                      </p:childTnLst>
-                    </p:cTn>
-                  </p:par>
-                  <p:par>
-                    <p:cTn id="18" fill="hold">
-                      <p:stCondLst>
-                        <p:cond delay="indefinite"/>
-                      </p:stCondLst>
-                      <p:childTnLst>
-                        <p:par>
-                          <p:cTn id="19" fill="hold">
-                            <p:stCondLst>
-                              <p:cond delay="0"/>
-                            </p:stCondLst>
-                            <p:childTnLst>
-                              <p:par>
-                                <p:cTn id="20" presetID="10" presetClass="entr" presetSubtype="0" fill="hold" grpId="0" nodeType="clickEffect">
-                                  <p:stCondLst>
-                                    <p:cond delay="0"/>
-                                  </p:stCondLst>
-                                  <p:childTnLst>
-                                    <p:set>
-                                      <p:cBhvr>
-                                        <p:cTn id="21" dur="1" fill="hold">
-                                          <p:stCondLst>
-                                            <p:cond delay="0"/>
-                                          </p:stCondLst>
-                                        </p:cTn>
-                                        <p:tgtEl>
-                                          <p:spTgt spid="5">
-                                            <p:txEl>
-                                              <p:pRg st="3" end="3"/>
-                                            </p:txEl>
-                                          </p:spTgt>
-                                        </p:tgtEl>
-                                        <p:attrNameLst>
-                                          <p:attrName>style.visibility</p:attrName>
-                                        </p:attrNameLst>
-                                      </p:cBhvr>
-                                      <p:to>
-                                        <p:strVal val="visible"/>
-                                      </p:to>
-                                    </p:set>
-                                    <p:animEffect transition="in" filter="fade">
-                                      <p:cBhvr>
-                                        <p:cTn id="22" dur="500"/>
-                                        <p:tgtEl>
-                                          <p:spTgt spid="5">
-                                            <p:txEl>
-                                              <p:pRg st="3" end="3"/>
-                                            </p:txEl>
-                                          </p:spTgt>
-                                        </p:tgtEl>
-                                      </p:cBhvr>
-                                    </p:animEffect>
-                                  </p:childTnLst>
-                                </p:cTn>
-                              </p:par>
-                            </p:childTnLst>
-                          </p:cTn>
-                        </p:par>
-                      </p:childTnLst>
-                    </p:cTn>
-                  </p:par>
-                  <p:par>
-                    <p:cTn id="23" fill="hold">
-                      <p:stCondLst>
-                        <p:cond delay="indefinite"/>
-                      </p:stCondLst>
-                      <p:childTnLst>
-                        <p:par>
-                          <p:cTn id="24" fill="hold">
-                            <p:stCondLst>
-                              <p:cond delay="0"/>
-                            </p:stCondLst>
-                            <p:childTnLst>
-                              <p:par>
-                                <p:cTn id="25" presetID="10" presetClass="entr" presetSubtype="0" fill="hold" grpId="0" nodeType="clickEffect">
-                                  <p:stCondLst>
-                                    <p:cond delay="0"/>
-                                  </p:stCondLst>
-                                  <p:childTnLst>
-                                    <p:set>
-                                      <p:cBhvr>
-                                        <p:cTn id="26" dur="1" fill="hold">
-                                          <p:stCondLst>
-                                            <p:cond delay="0"/>
-                                          </p:stCondLst>
-                                        </p:cTn>
-                                        <p:tgtEl>
-                                          <p:spTgt spid="5">
-                                            <p:txEl>
-                                              <p:pRg st="4" end="4"/>
-                                            </p:txEl>
-                                          </p:spTgt>
-                                        </p:tgtEl>
-                                        <p:attrNameLst>
-                                          <p:attrName>style.visibility</p:attrName>
-                                        </p:attrNameLst>
-                                      </p:cBhvr>
-                                      <p:to>
-                                        <p:strVal val="visible"/>
-                                      </p:to>
-                                    </p:set>
-                                    <p:animEffect transition="in" filter="fade">
-                                      <p:cBhvr>
-                                        <p:cTn id="27" dur="500"/>
-                                        <p:tgtEl>
-                                          <p:spTgt spid="5">
-                                            <p:txEl>
-                                              <p:pRg st="4" end="4"/>
-                                            </p:txEl>
-                                          </p:spTgt>
-                                        </p:tgtEl>
-                                      </p:cBhvr>
-                                    </p:animEffect>
-                                  </p:childTnLst>
-                                </p:cTn>
-                              </p:par>
-                            </p:childTnLst>
-                          </p:cTn>
-                        </p:par>
-                      </p:childTnLst>
-                    </p:cTn>
-                  </p:par>
-                </p:childTnLst>
-              </p:cTn>
-              <p:prevCondLst>
-                <p:cond evt="onPrev" delay="0">
-                  <p:tgtEl>
-                    <p:sldTgt/>
-                  </p:tgtEl>
-                </p:cond>
-              </p:prevCondLst>
-              <p:nextCondLst>
-                <p:cond evt="onNext" delay="0">
-                  <p:tgtEl>
-                    <p:sldTgt/>
-                  </p:tgtEl>
-                </p:cond>
-              </p:nextCondLst>
-            </p:seq>
-          </p:childTnLst>
-        </p:cTn>
-      </p:par>
-    </p:tnLst>
-    <p:bldLst>
-      <p:bldP spid="5" grpId="0" build="p"/>
-    </p:bldLst>
-  </p:timing>
-</p:sld>
-</file>
-
-<file path=ppt/slides/slide22.xml><?xml version="1.0" encoding="utf-8"?>
-<p:sld xmlns:a="http://schemas.openxmlformats.org/drawingml/2006/main" xmlns:r="http://schemas.openxmlformats.org/officeDocument/2006/relationships" xmlns:p="http://schemas.openxmlformats.org/presentationml/2006/main">
-  <p:cSld>
-    <p:spTree>
-      <p:nvGrpSpPr>
-        <p:cNvPr id="1" name=""/>
-        <p:cNvGrpSpPr/>
-        <p:nvPr/>
-      </p:nvGrpSpPr>
-      <p:grpSpPr>
-        <a:xfrm>
-          <a:off x="0" y="0"/>
-          <a:ext cx="0" cy="0"/>
-          <a:chOff x="0" y="0"/>
-          <a:chExt cx="0" cy="0"/>
-        </a:xfrm>
-      </p:grpSpPr>
-      <p:sp>
-        <p:nvSpPr>
-          <p:cNvPr id="7" name="TextBox 6"/>
-          <p:cNvSpPr txBox="1"/>
-          <p:nvPr/>
-        </p:nvSpPr>
-        <p:spPr>
-          <a:xfrm>
-            <a:off x="3276600" y="228600"/>
-            <a:ext cx="5257800" cy="5943600"/>
-          </a:xfrm>
-          <a:prstGeom prst="rect">
-            <a:avLst/>
-          </a:prstGeom>
-          <a:noFill/>
-        </p:spPr>
-        <p:txBody>
-          <a:bodyPr wrap="square" rtlCol="0">
-            <a:normAutofit/>
-          </a:bodyPr>
-          <a:lstStyle/>
-          <a:p>
-            <a:r>
-              <a:rPr lang="en-US" sz="4400" dirty="0" smtClean="0"/>
-              <a:t>Darren </a:t>
-            </a:r>
-            <a:r>
-              <a:rPr lang="en-US" sz="4400" dirty="0" err="1" smtClean="0"/>
-              <a:t>Cauthon</a:t>
-            </a:r>
-            <a:endParaRPr lang="en-US" sz="4400" dirty="0" smtClean="0"/>
-          </a:p>
-          <a:p>
-            <a:r>
-              <a:rPr lang="en-US" sz="4400" dirty="0" smtClean="0">
-                <a:hlinkClick r:id="rId3"/>
-              </a:rPr>
-              <a:t>darren@cauthon.com</a:t>
-            </a:r>
-            <a:endParaRPr lang="en-US" sz="4400" dirty="0" smtClean="0"/>
-          </a:p>
-          <a:p>
-            <a:r>
-              <a:rPr lang="en-US" sz="4800" dirty="0" smtClean="0"/>
-              <a:t>@</a:t>
-            </a:r>
-            <a:r>
-              <a:rPr lang="en-US" sz="4800" dirty="0" err="1" smtClean="0"/>
-              <a:t>darrencauthon</a:t>
-            </a:r>
-            <a:endParaRPr lang="en-US" sz="4800" dirty="0" smtClean="0"/>
-          </a:p>
-          <a:p>
-            <a:r>
-              <a:rPr lang="en-US" sz="3600" dirty="0" smtClean="0"/>
-              <a:t>http://www.cauthon.com</a:t>
-            </a:r>
-            <a:endParaRPr lang="en-US" sz="3600" dirty="0"/>
-          </a:p>
-        </p:txBody>
-      </p:sp>
-      <p:pic>
-        <p:nvPicPr>
-          <p:cNvPr id="6" name="Picture 5"/>
-          <p:cNvPicPr>
-            <a:picLocks noChangeAspect="1"/>
-          </p:cNvPicPr>
-          <p:nvPr/>
-        </p:nvPicPr>
-        <p:blipFill>
-          <a:blip r:embed="rId4" cstate="email">
-            <a:extLst>
-              <a:ext uri="{28A0092B-C50C-407E-A947-70E740481C1C}">
-                <a14:useLocalDpi xmlns:a14="http://schemas.microsoft.com/office/drawing/2010/main"/>
-              </a:ext>
-            </a:extLst>
-          </a:blip>
-          <a:stretch>
-            <a:fillRect/>
-          </a:stretch>
-        </p:blipFill>
-        <p:spPr>
-          <a:xfrm>
-            <a:off x="-4963332" y="-6858000"/>
-            <a:ext cx="7765662" cy="16476125"/>
-          </a:xfrm>
-          <a:prstGeom prst="rect">
-            <a:avLst/>
-          </a:prstGeom>
-        </p:spPr>
-      </p:pic>
-      <p:pic>
-        <p:nvPicPr>
-          <p:cNvPr id="13" name="Picture 12"/>
-          <p:cNvPicPr>
-            <a:picLocks noChangeAspect="1"/>
-          </p:cNvPicPr>
-          <p:nvPr/>
-        </p:nvPicPr>
-        <p:blipFill rotWithShape="1">
-          <a:blip r:embed="rId5" cstate="email">
-            <a:extLst>
-              <a:ext uri="{28A0092B-C50C-407E-A947-70E740481C1C}">
-                <a14:useLocalDpi xmlns:a14="http://schemas.microsoft.com/office/drawing/2010/main"/>
-              </a:ext>
-            </a:extLst>
-          </a:blip>
-          <a:srcRect/>
-          <a:stretch/>
-        </p:blipFill>
-        <p:spPr>
-          <a:xfrm rot="20753331" flipH="1">
-            <a:off x="-316180" y="3775286"/>
-            <a:ext cx="2895600" cy="3390489"/>
-          </a:xfrm>
-          <a:prstGeom prst="rect">
-            <a:avLst/>
-          </a:prstGeom>
-        </p:spPr>
-      </p:pic>
-    </p:spTree>
-    <p:extLst>
-      <p:ext uri="{BB962C8B-B14F-4D97-AF65-F5344CB8AC3E}">
-        <p14:creationId xmlns:p14="http://schemas.microsoft.com/office/powerpoint/2010/main" val="2396152795"/>
-      </p:ext>
-    </p:extLst>
-  </p:cSld>
-  <p:clrMapOvr>
-    <a:masterClrMapping/>
-  </p:clrMapOvr>
-  <p:transition spd="slow">
-    <p:push dir="u"/>
-  </p:transition>
-  <p:timing>
-    <p:tnLst>
-      <p:par>
-        <p:cTn id="1" dur="indefinite" restart="never" nodeType="tmRoot"/>
-      </p:par>
-    </p:tnLst>
-  </p:timing>
-</p:sld>
-</file>
-
-<file path=ppt/slides/slide3.xml><?xml version="1.0" encoding="utf-8"?>
-<p:sld xmlns:a="http://schemas.openxmlformats.org/drawingml/2006/main" xmlns:r="http://schemas.openxmlformats.org/officeDocument/2006/relationships" xmlns:p="http://schemas.openxmlformats.org/presentationml/2006/main">
-  <p:cSld>
-    <p:spTree>
-      <p:nvGrpSpPr>
-        <p:cNvPr id="1" name=""/>
-        <p:cNvGrpSpPr/>
-        <p:nvPr/>
-      </p:nvGrpSpPr>
-      <p:grpSpPr>
-        <a:xfrm>
-          <a:off x="0" y="0"/>
-          <a:ext cx="0" cy="0"/>
-          <a:chOff x="0" y="0"/>
-          <a:chExt cx="0" cy="0"/>
-        </a:xfrm>
-      </p:grpSpPr>
-      <p:sp>
-        <p:nvSpPr>
-          <p:cNvPr id="2" name="Title 1"/>
-          <p:cNvSpPr>
-            <a:spLocks noGrp="1"/>
-          </p:cNvSpPr>
-          <p:nvPr>
-            <p:ph type="title"/>
-            <p:custDataLst>
-              <p:tags r:id="rId2"/>
-            </p:custDataLst>
-          </p:nvPr>
-        </p:nvSpPr>
-        <p:spPr/>
-        <p:txBody>
-          <a:bodyPr>
-            <a:normAutofit fontScale="90000"/>
-          </a:bodyPr>
-          <a:lstStyle/>
-          <a:p>
-            <a:r>
-              <a:rPr lang="en-US" dirty="0" smtClean="0"/>
-              <a:t>Let’s Do This the Old-Fashioned Way</a:t>
-            </a:r>
-            <a:endParaRPr lang="en-US" dirty="0"/>
-          </a:p>
-        </p:txBody>
-      </p:sp>
-      <p:sp>
-        <p:nvSpPr>
-          <p:cNvPr id="5" name="Content Placeholder 4"/>
-          <p:cNvSpPr>
-            <a:spLocks noGrp="1"/>
-          </p:cNvSpPr>
-          <p:nvPr>
-            <p:ph idx="1"/>
-            <p:custDataLst>
-              <p:tags r:id="rId3"/>
-            </p:custDataLst>
-          </p:nvPr>
-        </p:nvSpPr>
-        <p:spPr/>
-        <p:txBody>
-          <a:bodyPr>
-            <a:normAutofit/>
-          </a:bodyPr>
-          <a:lstStyle/>
-          <a:p>
-            <a:r>
-              <a:rPr lang="en-US" dirty="0" smtClean="0"/>
-              <a:t>Plan out everything we can, because planning is good.</a:t>
-            </a:r>
-          </a:p>
-          <a:p>
-            <a:r>
-              <a:rPr lang="en-US" dirty="0" smtClean="0"/>
-              <a:t>Draw some pictures.</a:t>
-            </a:r>
-          </a:p>
-          <a:p>
-            <a:r>
-              <a:rPr lang="en-US" dirty="0" smtClean="0"/>
-              <a:t>Build a relational database with normalized tables, well-defined keys and indexes, etc.</a:t>
-            </a:r>
-          </a:p>
-          <a:p>
-            <a:r>
-              <a:rPr lang="en-US" dirty="0" smtClean="0"/>
-              <a:t>Decide on a data access tool, then build a data layer that exposes the data and methods for adding/modifying it.</a:t>
-            </a:r>
-            <a:endParaRPr lang="en-US" dirty="0" smtClean="0"/>
-          </a:p>
-        </p:txBody>
-      </p:sp>
-    </p:spTree>
-    <p:custDataLst>
-      <p:tags r:id="rId1"/>
-    </p:custDataLst>
-    <p:extLst>
-      <p:ext uri="{BB962C8B-B14F-4D97-AF65-F5344CB8AC3E}">
-        <p14:creationId xmlns:p14="http://schemas.microsoft.com/office/powerpoint/2010/main" val="3639851051"/>
-      </p:ext>
-    </p:extLst>
-  </p:cSld>
-  <p:clrMapOvr>
-    <a:masterClrMapping/>
-  </p:clrMapOvr>
-  <p:transition spd="slow">
-    <p:wipe dir="d"/>
-  </p:transition>
-  <p:timing>
-    <p:tnLst>
-      <p:par>
-        <p:cTn id="1" dur="indefinite" restart="never" nodeType="tmRoot">
-          <p:childTnLst>
-            <p:seq concurrent="1" nextAc="seek">
-              <p:cTn id="2" dur="indefinite" nodeType="mainSeq">
-                <p:childTnLst>
-                  <p:par>
-                    <p:cTn id="3" fill="hold">
-                      <p:stCondLst>
-                        <p:cond delay="indefinite"/>
-                      </p:stCondLst>
-                      <p:childTnLst>
-                        <p:par>
-                          <p:cTn id="4" fill="hold">
-                            <p:stCondLst>
-                              <p:cond delay="0"/>
-                            </p:stCondLst>
-                            <p:childTnLst>
-                              <p:par>
-                                <p:cTn id="5" presetID="10" presetClass="entr" presetSubtype="0" fill="hold" grpId="0" nodeType="clickEffect">
-                                  <p:stCondLst>
-                                    <p:cond delay="0"/>
-                                  </p:stCondLst>
-                                  <p:childTnLst>
-                                    <p:set>
-                                      <p:cBhvr>
-                                        <p:cTn id="6" dur="1" fill="hold">
-                                          <p:stCondLst>
-                                            <p:cond delay="0"/>
-                                          </p:stCondLst>
-                                        </p:cTn>
-                                        <p:tgtEl>
-                                          <p:spTgt spid="5">
-                                            <p:txEl>
-                                              <p:pRg st="0" end="0"/>
-                                            </p:txEl>
-                                          </p:spTgt>
-                                        </p:tgtEl>
-                                        <p:attrNameLst>
-                                          <p:attrName>style.visibility</p:attrName>
-                                        </p:attrNameLst>
-                                      </p:cBhvr>
-                                      <p:to>
-                                        <p:strVal val="visible"/>
-                                      </p:to>
-                                    </p:set>
-                                    <p:animEffect transition="in" filter="fade">
-                                      <p:cBhvr>
-                                        <p:cTn id="7" dur="500"/>
-                                        <p:tgtEl>
-                                          <p:spTgt spid="5">
-                                            <p:txEl>
-                                              <p:pRg st="0" end="0"/>
-                                            </p:txEl>
-                                          </p:spTgt>
-                                        </p:tgtEl>
-                                      </p:cBhvr>
-                                    </p:animEffect>
-                                  </p:childTnLst>
-                                </p:cTn>
-                              </p:par>
-                            </p:childTnLst>
-                          </p:cTn>
-                        </p:par>
-                      </p:childTnLst>
-                    </p:cTn>
-                  </p:par>
-                  <p:par>
-                    <p:cTn id="8" fill="hold">
-                      <p:stCondLst>
-                        <p:cond delay="indefinite"/>
-                      </p:stCondLst>
-                      <p:childTnLst>
-                        <p:par>
-                          <p:cTn id="9" fill="hold">
-                            <p:stCondLst>
-                              <p:cond delay="0"/>
-                            </p:stCondLst>
-                            <p:childTnLst>
-                              <p:par>
-                                <p:cTn id="10" presetID="10" presetClass="entr" presetSubtype="0" fill="hold" grpId="0" nodeType="clickEffect">
-                                  <p:stCondLst>
-                                    <p:cond delay="0"/>
-                                  </p:stCondLst>
-                                  <p:childTnLst>
-                                    <p:set>
-                                      <p:cBhvr>
-                                        <p:cTn id="11" dur="1" fill="hold">
-                                          <p:stCondLst>
-                                            <p:cond delay="0"/>
-                                          </p:stCondLst>
-                                        </p:cTn>
-                                        <p:tgtEl>
-                                          <p:spTgt spid="5">
-                                            <p:txEl>
-                                              <p:pRg st="1" end="1"/>
-                                            </p:txEl>
-                                          </p:spTgt>
-                                        </p:tgtEl>
-                                        <p:attrNameLst>
-                                          <p:attrName>style.visibility</p:attrName>
-                                        </p:attrNameLst>
-                                      </p:cBhvr>
-                                      <p:to>
-                                        <p:strVal val="visible"/>
-                                      </p:to>
-                                    </p:set>
-                                    <p:animEffect transition="in" filter="fade">
-                                      <p:cBhvr>
-                                        <p:cTn id="12" dur="500"/>
-                                        <p:tgtEl>
-                                          <p:spTgt spid="5">
-                                            <p:txEl>
-                                              <p:pRg st="1" end="1"/>
-                                            </p:txEl>
-                                          </p:spTgt>
-                                        </p:tgtEl>
-                                      </p:cBhvr>
-                                    </p:animEffect>
-                                  </p:childTnLst>
-                                </p:cTn>
-                              </p:par>
-                            </p:childTnLst>
-                          </p:cTn>
-                        </p:par>
-                      </p:childTnLst>
-                    </p:cTn>
-                  </p:par>
-                  <p:par>
-                    <p:cTn id="13" fill="hold">
-                      <p:stCondLst>
-                        <p:cond delay="indefinite"/>
-                      </p:stCondLst>
-                      <p:childTnLst>
-                        <p:par>
-                          <p:cTn id="14" fill="hold">
-                            <p:stCondLst>
-                              <p:cond delay="0"/>
-                            </p:stCondLst>
-                            <p:childTnLst>
-                              <p:par>
-                                <p:cTn id="15" presetID="10" presetClass="entr" presetSubtype="0" fill="hold" grpId="0" nodeType="clickEffect">
-                                  <p:stCondLst>
-                                    <p:cond delay="0"/>
-                                  </p:stCondLst>
-                                  <p:childTnLst>
-                                    <p:set>
-                                      <p:cBhvr>
-                                        <p:cTn id="16" dur="1" fill="hold">
-                                          <p:stCondLst>
-                                            <p:cond delay="0"/>
-                                          </p:stCondLst>
-                                        </p:cTn>
-                                        <p:tgtEl>
-                                          <p:spTgt spid="5">
-                                            <p:txEl>
-                                              <p:pRg st="2" end="2"/>
-                                            </p:txEl>
-                                          </p:spTgt>
-                                        </p:tgtEl>
-                                        <p:attrNameLst>
-                                          <p:attrName>style.visibility</p:attrName>
-                                        </p:attrNameLst>
-                                      </p:cBhvr>
-                                      <p:to>
-                                        <p:strVal val="visible"/>
-                                      </p:to>
-                                    </p:set>
-                                    <p:animEffect transition="in" filter="fade">
-                                      <p:cBhvr>
-                                        <p:cTn id="17" dur="500"/>
-                                        <p:tgtEl>
-                                          <p:spTgt spid="5">
-                                            <p:txEl>
-                                              <p:pRg st="2" end="2"/>
-                                            </p:txEl>
-                                          </p:spTgt>
-                                        </p:tgtEl>
-                                      </p:cBhvr>
-                                    </p:animEffect>
-                                  </p:childTnLst>
-                                </p:cTn>
-                              </p:par>
-                            </p:childTnLst>
-                          </p:cTn>
-                        </p:par>
-                      </p:childTnLst>
-                    </p:cTn>
-                  </p:par>
-                  <p:par>
-                    <p:cTn id="18" fill="hold">
-                      <p:stCondLst>
-                        <p:cond delay="indefinite"/>
-                      </p:stCondLst>
-                      <p:childTnLst>
-                        <p:par>
-                          <p:cTn id="19" fill="hold">
-                            <p:stCondLst>
-                              <p:cond delay="0"/>
-                            </p:stCondLst>
-                            <p:childTnLst>
-                              <p:par>
-                                <p:cTn id="20" presetID="10" presetClass="entr" presetSubtype="0" fill="hold" grpId="0" nodeType="clickEffect">
-                                  <p:stCondLst>
-                                    <p:cond delay="0"/>
-                                  </p:stCondLst>
-                                  <p:childTnLst>
-                                    <p:set>
-                                      <p:cBhvr>
-                                        <p:cTn id="21" dur="1" fill="hold">
-                                          <p:stCondLst>
-                                            <p:cond delay="0"/>
-                                          </p:stCondLst>
-                                        </p:cTn>
-                                        <p:tgtEl>
-                                          <p:spTgt spid="5">
-                                            <p:txEl>
-                                              <p:pRg st="3" end="3"/>
-                                            </p:txEl>
-                                          </p:spTgt>
-                                        </p:tgtEl>
-                                        <p:attrNameLst>
-                                          <p:attrName>style.visibility</p:attrName>
-                                        </p:attrNameLst>
-                                      </p:cBhvr>
-                                      <p:to>
-                                        <p:strVal val="visible"/>
-                                      </p:to>
-                                    </p:set>
-                                    <p:animEffect transition="in" filter="fade">
-                                      <p:cBhvr>
-                                        <p:cTn id="22" dur="500"/>
-                                        <p:tgtEl>
-                                          <p:spTgt spid="5">
-                                            <p:txEl>
-                                              <p:pRg st="3" end="3"/>
-                                            </p:txEl>
-                                          </p:spTgt>
-                                        </p:tgtEl>
-                                      </p:cBhvr>
-                                    </p:animEffect>
-                                  </p:childTnLst>
-                                </p:cTn>
-                              </p:par>
-                            </p:childTnLst>
-                          </p:cTn>
-                        </p:par>
-                      </p:childTnLst>
-                    </p:cTn>
-                  </p:par>
-                </p:childTnLst>
-              </p:cTn>
-              <p:prevCondLst>
-                <p:cond evt="onPrev" delay="0">
-                  <p:tgtEl>
-                    <p:sldTgt/>
-                  </p:tgtEl>
-                </p:cond>
-              </p:prevCondLst>
-              <p:nextCondLst>
-                <p:cond evt="onNext" delay="0">
-                  <p:tgtEl>
-                    <p:sldTgt/>
-                  </p:tgtEl>
-                </p:cond>
-              </p:nextCondLst>
-            </p:seq>
-          </p:childTnLst>
-        </p:cTn>
-      </p:par>
-    </p:tnLst>
-    <p:bldLst>
-      <p:bldP spid="5" grpId="0" build="p"/>
-    </p:bldLst>
-  </p:timing>
-</p:sld>
-</file>
-
-<file path=ppt/slides/slide4.xml><?xml version="1.0" encoding="utf-8"?>
-<p:sld xmlns:a="http://schemas.openxmlformats.org/drawingml/2006/main" xmlns:r="http://schemas.openxmlformats.org/officeDocument/2006/relationships" xmlns:p="http://schemas.openxmlformats.org/presentationml/2006/main">
-  <p:cSld>
-    <p:spTree>
-      <p:nvGrpSpPr>
-        <p:cNvPr id="1" name=""/>
-        <p:cNvGrpSpPr/>
-        <p:nvPr/>
-      </p:nvGrpSpPr>
-      <p:grpSpPr>
-        <a:xfrm>
-          <a:off x="0" y="0"/>
-          <a:ext cx="0" cy="0"/>
-          <a:chOff x="0" y="0"/>
-          <a:chExt cx="0" cy="0"/>
-        </a:xfrm>
-      </p:grpSpPr>
-      <p:sp>
-        <p:nvSpPr>
-          <p:cNvPr id="2" name="Title 1"/>
-          <p:cNvSpPr>
-            <a:spLocks noGrp="1"/>
-          </p:cNvSpPr>
-          <p:nvPr>
-            <p:ph type="title"/>
-            <p:custDataLst>
-              <p:tags r:id="rId2"/>
-            </p:custDataLst>
-          </p:nvPr>
-        </p:nvSpPr>
-        <p:spPr/>
-        <p:txBody>
-          <a:bodyPr>
-            <a:normAutofit/>
-          </a:bodyPr>
-          <a:lstStyle/>
-          <a:p>
-            <a:r>
-              <a:rPr lang="en-US" dirty="0" smtClean="0"/>
-              <a:t>Still Not Done…</a:t>
-            </a:r>
-            <a:endParaRPr lang="en-US" dirty="0"/>
-          </a:p>
-        </p:txBody>
-      </p:sp>
-      <p:sp>
-        <p:nvSpPr>
-          <p:cNvPr id="5" name="Content Placeholder 4"/>
-          <p:cNvSpPr>
-            <a:spLocks noGrp="1"/>
-          </p:cNvSpPr>
-          <p:nvPr>
-            <p:ph idx="1"/>
-            <p:custDataLst>
-              <p:tags r:id="rId3"/>
-            </p:custDataLst>
-          </p:nvPr>
-        </p:nvSpPr>
-        <p:spPr/>
-        <p:txBody>
-          <a:bodyPr>
-            <a:normAutofit/>
-          </a:bodyPr>
-          <a:lstStyle/>
-          <a:p>
-            <a:r>
-              <a:rPr lang="en-US" dirty="0" smtClean="0"/>
-              <a:t>Create some sort of business layer.</a:t>
-            </a:r>
-          </a:p>
-          <a:p>
-            <a:r>
-              <a:rPr lang="en-US" dirty="0" smtClean="0"/>
-              <a:t>When asked how things are going (since hours have passed with no visible progress), say most of the back end work is done and “all” that remains is tying it to the front-side.</a:t>
-            </a:r>
-          </a:p>
-          <a:p>
-            <a:r>
-              <a:rPr lang="en-US" dirty="0" smtClean="0"/>
-              <a:t>Start to tie your code </a:t>
-            </a:r>
-            <a:r>
-              <a:rPr lang="en-US" dirty="0" smtClean="0"/>
-              <a:t>to the front-side.  </a:t>
-            </a:r>
-            <a:r>
-              <a:rPr lang="en-US" dirty="0" smtClean="0"/>
-              <a:t>When it doesn’t fit exactly, apply some </a:t>
-            </a:r>
-            <a:r>
-              <a:rPr lang="en-US" dirty="0" err="1" smtClean="0"/>
-              <a:t>hackity</a:t>
-            </a:r>
-            <a:r>
-              <a:rPr lang="en-US" dirty="0" smtClean="0"/>
-              <a:t>-hack magic to make it work.</a:t>
-            </a:r>
-          </a:p>
-        </p:txBody>
-      </p:sp>
-    </p:spTree>
-    <p:custDataLst>
-      <p:tags r:id="rId1"/>
-    </p:custDataLst>
-    <p:extLst>
-      <p:ext uri="{BB962C8B-B14F-4D97-AF65-F5344CB8AC3E}">
-        <p14:creationId xmlns:p14="http://schemas.microsoft.com/office/powerpoint/2010/main" val="3426191096"/>
-      </p:ext>
-    </p:extLst>
-  </p:cSld>
-  <p:clrMapOvr>
-    <a:masterClrMapping/>
-  </p:clrMapOvr>
-  <p:transition spd="slow">
-    <p:wipe dir="d"/>
-  </p:transition>
-  <p:timing>
-    <p:tnLst>
-      <p:par>
-        <p:cTn id="1" dur="indefinite" restart="never" nodeType="tmRoot">
-          <p:childTnLst>
-            <p:seq concurrent="1" nextAc="seek">
-              <p:cTn id="2" dur="indefinite" nodeType="mainSeq">
-                <p:childTnLst>
-                  <p:par>
-                    <p:cTn id="3" fill="hold">
-                      <p:stCondLst>
-                        <p:cond delay="indefinite"/>
-                      </p:stCondLst>
-                      <p:childTnLst>
-                        <p:par>
-                          <p:cTn id="4" fill="hold">
-                            <p:stCondLst>
-                              <p:cond delay="0"/>
-                            </p:stCondLst>
-                            <p:childTnLst>
-                              <p:par>
-                                <p:cTn id="5" presetID="10" presetClass="entr" presetSubtype="0" fill="hold" grpId="0" nodeType="clickEffect">
-                                  <p:stCondLst>
-                                    <p:cond delay="0"/>
-                                  </p:stCondLst>
-                                  <p:childTnLst>
-                                    <p:set>
-                                      <p:cBhvr>
-                                        <p:cTn id="6" dur="1" fill="hold">
-                                          <p:stCondLst>
-                                            <p:cond delay="0"/>
-                                          </p:stCondLst>
-                                        </p:cTn>
-                                        <p:tgtEl>
-                                          <p:spTgt spid="5">
-                                            <p:txEl>
-                                              <p:pRg st="0" end="0"/>
-                                            </p:txEl>
-                                          </p:spTgt>
-                                        </p:tgtEl>
-                                        <p:attrNameLst>
-                                          <p:attrName>style.visibility</p:attrName>
-                                        </p:attrNameLst>
-                                      </p:cBhvr>
-                                      <p:to>
-                                        <p:strVal val="visible"/>
-                                      </p:to>
-                                    </p:set>
-                                    <p:animEffect transition="in" filter="fade">
-                                      <p:cBhvr>
-                                        <p:cTn id="7" dur="500"/>
-                                        <p:tgtEl>
-                                          <p:spTgt spid="5">
-                                            <p:txEl>
-                                              <p:pRg st="0" end="0"/>
-                                            </p:txEl>
-                                          </p:spTgt>
-                                        </p:tgtEl>
-                                      </p:cBhvr>
-                                    </p:animEffect>
-                                  </p:childTnLst>
-                                </p:cTn>
-                              </p:par>
-                            </p:childTnLst>
-                          </p:cTn>
-                        </p:par>
-                      </p:childTnLst>
-                    </p:cTn>
-                  </p:par>
-                  <p:par>
-                    <p:cTn id="8" fill="hold">
-                      <p:stCondLst>
-                        <p:cond delay="indefinite"/>
-                      </p:stCondLst>
-                      <p:childTnLst>
-                        <p:par>
-                          <p:cTn id="9" fill="hold">
-                            <p:stCondLst>
-                              <p:cond delay="0"/>
-                            </p:stCondLst>
-                            <p:childTnLst>
-                              <p:par>
-                                <p:cTn id="10" presetID="10" presetClass="entr" presetSubtype="0" fill="hold" grpId="0" nodeType="clickEffect">
-                                  <p:stCondLst>
-                                    <p:cond delay="0"/>
-                                  </p:stCondLst>
-                                  <p:childTnLst>
-                                    <p:set>
-                                      <p:cBhvr>
-                                        <p:cTn id="11" dur="1" fill="hold">
-                                          <p:stCondLst>
-                                            <p:cond delay="0"/>
-                                          </p:stCondLst>
-                                        </p:cTn>
-                                        <p:tgtEl>
-                                          <p:spTgt spid="5">
-                                            <p:txEl>
-                                              <p:pRg st="1" end="1"/>
-                                            </p:txEl>
-                                          </p:spTgt>
-                                        </p:tgtEl>
-                                        <p:attrNameLst>
-                                          <p:attrName>style.visibility</p:attrName>
-                                        </p:attrNameLst>
-                                      </p:cBhvr>
-                                      <p:to>
-                                        <p:strVal val="visible"/>
-                                      </p:to>
-                                    </p:set>
-                                    <p:animEffect transition="in" filter="fade">
-                                      <p:cBhvr>
-                                        <p:cTn id="12" dur="500"/>
-                                        <p:tgtEl>
-                                          <p:spTgt spid="5">
-                                            <p:txEl>
-                                              <p:pRg st="1" end="1"/>
-                                            </p:txEl>
-                                          </p:spTgt>
-                                        </p:tgtEl>
-                                      </p:cBhvr>
-                                    </p:animEffect>
-                                  </p:childTnLst>
-                                </p:cTn>
-                              </p:par>
-                            </p:childTnLst>
-                          </p:cTn>
-                        </p:par>
-                      </p:childTnLst>
-                    </p:cTn>
-                  </p:par>
-                  <p:par>
-                    <p:cTn id="13" fill="hold">
-                      <p:stCondLst>
-                        <p:cond delay="indefinite"/>
-                      </p:stCondLst>
-                      <p:childTnLst>
-                        <p:par>
-                          <p:cTn id="14" fill="hold">
-                            <p:stCondLst>
-                              <p:cond delay="0"/>
-                            </p:stCondLst>
-                            <p:childTnLst>
-                              <p:par>
-                                <p:cTn id="15" presetID="10" presetClass="entr" presetSubtype="0" fill="hold" grpId="0" nodeType="clickEffect">
-                                  <p:stCondLst>
-                                    <p:cond delay="0"/>
-                                  </p:stCondLst>
-                                  <p:childTnLst>
-                                    <p:set>
-                                      <p:cBhvr>
-                                        <p:cTn id="16" dur="1" fill="hold">
-                                          <p:stCondLst>
-                                            <p:cond delay="0"/>
-                                          </p:stCondLst>
-                                        </p:cTn>
-                                        <p:tgtEl>
-                                          <p:spTgt spid="5">
-                                            <p:txEl>
-                                              <p:pRg st="2" end="2"/>
-                                            </p:txEl>
-                                          </p:spTgt>
-                                        </p:tgtEl>
-                                        <p:attrNameLst>
-                                          <p:attrName>style.visibility</p:attrName>
-                                        </p:attrNameLst>
-                                      </p:cBhvr>
-                                      <p:to>
-                                        <p:strVal val="visible"/>
-                                      </p:to>
-                                    </p:set>
-                                    <p:animEffect transition="in" filter="fade">
-                                      <p:cBhvr>
-                                        <p:cTn id="17" dur="500"/>
-                                        <p:tgtEl>
-                                          <p:spTgt spid="5">
-                                            <p:txEl>
-                                              <p:pRg st="2" end="2"/>
-                                            </p:txEl>
-                                          </p:spTgt>
-                                        </p:tgtEl>
-                                      </p:cBhvr>
-                                    </p:animEffect>
-                                  </p:childTnLst>
-                                </p:cTn>
-                              </p:par>
-                            </p:childTnLst>
-                          </p:cTn>
-                        </p:par>
-                      </p:childTnLst>
-                    </p:cTn>
-                  </p:par>
-                </p:childTnLst>
-              </p:cTn>
-              <p:prevCondLst>
-                <p:cond evt="onPrev" delay="0">
-                  <p:tgtEl>
-                    <p:sldTgt/>
-                  </p:tgtEl>
-                </p:cond>
-              </p:prevCondLst>
-              <p:nextCondLst>
-                <p:cond evt="onNext" delay="0">
-                  <p:tgtEl>
-                    <p:sldTgt/>
-                  </p:tgtEl>
-                </p:cond>
-              </p:nextCondLst>
-            </p:seq>
-          </p:childTnLst>
-        </p:cTn>
-      </p:par>
-    </p:tnLst>
-    <p:bldLst>
-      <p:bldP spid="5" grpId="0" build="p"/>
-    </p:bldLst>
-  </p:timing>
-</p:sld>
-</file>
-
-<file path=ppt/slides/slide5.xml><?xml version="1.0" encoding="utf-8"?>
-<p:sld xmlns:a="http://schemas.openxmlformats.org/drawingml/2006/main" xmlns:r="http://schemas.openxmlformats.org/officeDocument/2006/relationships" xmlns:p="http://schemas.openxmlformats.org/presentationml/2006/main">
-  <p:cSld>
-    <p:spTree>
-      <p:nvGrpSpPr>
-        <p:cNvPr id="1" name=""/>
-        <p:cNvGrpSpPr/>
-        <p:nvPr/>
-      </p:nvGrpSpPr>
-      <p:grpSpPr>
-        <a:xfrm>
-          <a:off x="0" y="0"/>
-          <a:ext cx="0" cy="0"/>
-          <a:chOff x="0" y="0"/>
-          <a:chExt cx="0" cy="0"/>
-        </a:xfrm>
-      </p:grpSpPr>
-      <p:sp>
-        <p:nvSpPr>
-          <p:cNvPr id="2" name="Title 1"/>
-          <p:cNvSpPr>
-            <a:spLocks noGrp="1"/>
-          </p:cNvSpPr>
-          <p:nvPr>
-            <p:ph type="title"/>
-            <p:custDataLst>
-              <p:tags r:id="rId2"/>
-            </p:custDataLst>
-          </p:nvPr>
-        </p:nvSpPr>
-        <p:spPr/>
-        <p:txBody>
-          <a:bodyPr>
-            <a:normAutofit/>
-          </a:bodyPr>
-          <a:lstStyle/>
-          <a:p>
-            <a:r>
-              <a:rPr lang="en-US" dirty="0" smtClean="0"/>
-              <a:t>Almost there…</a:t>
-            </a:r>
-            <a:endParaRPr lang="en-US" dirty="0"/>
-          </a:p>
-        </p:txBody>
-      </p:sp>
-      <p:sp>
-        <p:nvSpPr>
-          <p:cNvPr id="5" name="Content Placeholder 4"/>
-          <p:cNvSpPr>
-            <a:spLocks noGrp="1"/>
-          </p:cNvSpPr>
-          <p:nvPr>
-            <p:ph idx="1"/>
-            <p:custDataLst>
-              <p:tags r:id="rId3"/>
-            </p:custDataLst>
-          </p:nvPr>
-        </p:nvSpPr>
-        <p:spPr/>
-        <p:txBody>
-          <a:bodyPr>
-            <a:normAutofit/>
-          </a:bodyPr>
-          <a:lstStyle/>
-          <a:p>
-            <a:r>
-              <a:rPr lang="en-US" dirty="0" smtClean="0"/>
-              <a:t>Pass it along for feedback.</a:t>
-            </a:r>
-          </a:p>
-          <a:p>
-            <a:r>
-              <a:rPr lang="en-US" dirty="0" smtClean="0"/>
-              <a:t>When it is discovered that big, painful changes are needed quickly because the deadline is approaching…</a:t>
-            </a:r>
-          </a:p>
-          <a:p>
-            <a:r>
-              <a:rPr lang="en-US" dirty="0" smtClean="0"/>
-              <a:t>Force the square peg into the round hole.</a:t>
-            </a:r>
-          </a:p>
-        </p:txBody>
-      </p:sp>
-    </p:spTree>
-    <p:custDataLst>
-      <p:tags r:id="rId1"/>
-    </p:custDataLst>
-    <p:extLst>
-      <p:ext uri="{BB962C8B-B14F-4D97-AF65-F5344CB8AC3E}">
-        <p14:creationId xmlns:p14="http://schemas.microsoft.com/office/powerpoint/2010/main" val="1598860705"/>
-      </p:ext>
-    </p:extLst>
-  </p:cSld>
-  <p:clrMapOvr>
-    <a:masterClrMapping/>
-  </p:clrMapOvr>
-  <p:transition spd="slow">
-    <p:wipe dir="d"/>
-  </p:transition>
-  <p:timing>
-    <p:tnLst>
-      <p:par>
-        <p:cTn id="1" dur="indefinite" restart="never" nodeType="tmRoot">
-          <p:childTnLst>
-            <p:seq concurrent="1" nextAc="seek">
-              <p:cTn id="2" dur="indefinite" nodeType="mainSeq">
-                <p:childTnLst>
-                  <p:par>
-                    <p:cTn id="3" fill="hold">
-                      <p:stCondLst>
-                        <p:cond delay="indefinite"/>
-                      </p:stCondLst>
-                      <p:childTnLst>
-                        <p:par>
-                          <p:cTn id="4" fill="hold">
-                            <p:stCondLst>
-                              <p:cond delay="0"/>
-                            </p:stCondLst>
-                            <p:childTnLst>
-                              <p:par>
-                                <p:cTn id="5" presetID="10" presetClass="entr" presetSubtype="0" fill="hold" grpId="0" nodeType="clickEffect">
-                                  <p:stCondLst>
-                                    <p:cond delay="0"/>
-                                  </p:stCondLst>
-                                  <p:childTnLst>
-                                    <p:set>
-                                      <p:cBhvr>
-                                        <p:cTn id="6" dur="1" fill="hold">
-                                          <p:stCondLst>
-                                            <p:cond delay="0"/>
-                                          </p:stCondLst>
-                                        </p:cTn>
-                                        <p:tgtEl>
-                                          <p:spTgt spid="5">
-                                            <p:txEl>
-                                              <p:pRg st="0" end="0"/>
-                                            </p:txEl>
-                                          </p:spTgt>
-                                        </p:tgtEl>
-                                        <p:attrNameLst>
-                                          <p:attrName>style.visibility</p:attrName>
-                                        </p:attrNameLst>
-                                      </p:cBhvr>
-                                      <p:to>
-                                        <p:strVal val="visible"/>
-                                      </p:to>
-                                    </p:set>
-                                    <p:animEffect transition="in" filter="fade">
-                                      <p:cBhvr>
-                                        <p:cTn id="7" dur="500"/>
-                                        <p:tgtEl>
-                                          <p:spTgt spid="5">
-                                            <p:txEl>
-                                              <p:pRg st="0" end="0"/>
-                                            </p:txEl>
-                                          </p:spTgt>
-                                        </p:tgtEl>
-                                      </p:cBhvr>
-                                    </p:animEffect>
-                                  </p:childTnLst>
-                                </p:cTn>
-                              </p:par>
-                            </p:childTnLst>
-                          </p:cTn>
-                        </p:par>
-                      </p:childTnLst>
-                    </p:cTn>
-                  </p:par>
-                  <p:par>
-                    <p:cTn id="8" fill="hold">
-                      <p:stCondLst>
-                        <p:cond delay="indefinite"/>
-                      </p:stCondLst>
-                      <p:childTnLst>
-                        <p:par>
-                          <p:cTn id="9" fill="hold">
-                            <p:stCondLst>
-                              <p:cond delay="0"/>
-                            </p:stCondLst>
-                            <p:childTnLst>
-                              <p:par>
-                                <p:cTn id="10" presetID="10" presetClass="entr" presetSubtype="0" fill="hold" grpId="0" nodeType="clickEffect">
-                                  <p:stCondLst>
-                                    <p:cond delay="0"/>
-                                  </p:stCondLst>
-                                  <p:childTnLst>
-                                    <p:set>
-                                      <p:cBhvr>
-                                        <p:cTn id="11" dur="1" fill="hold">
-                                          <p:stCondLst>
-                                            <p:cond delay="0"/>
-                                          </p:stCondLst>
-                                        </p:cTn>
-                                        <p:tgtEl>
-                                          <p:spTgt spid="5">
-                                            <p:txEl>
-                                              <p:pRg st="1" end="1"/>
-                                            </p:txEl>
-                                          </p:spTgt>
-                                        </p:tgtEl>
-                                        <p:attrNameLst>
-                                          <p:attrName>style.visibility</p:attrName>
-                                        </p:attrNameLst>
-                                      </p:cBhvr>
-                                      <p:to>
-                                        <p:strVal val="visible"/>
-                                      </p:to>
-                                    </p:set>
-                                    <p:animEffect transition="in" filter="fade">
-                                      <p:cBhvr>
-                                        <p:cTn id="12" dur="500"/>
-                                        <p:tgtEl>
-                                          <p:spTgt spid="5">
-                                            <p:txEl>
-                                              <p:pRg st="1" end="1"/>
-                                            </p:txEl>
-                                          </p:spTgt>
-                                        </p:tgtEl>
-                                      </p:cBhvr>
-                                    </p:animEffect>
-                                  </p:childTnLst>
-                                </p:cTn>
-                              </p:par>
-                            </p:childTnLst>
-                          </p:cTn>
-                        </p:par>
-                      </p:childTnLst>
-                    </p:cTn>
-                  </p:par>
-                  <p:par>
-                    <p:cTn id="13" fill="hold">
-                      <p:stCondLst>
-                        <p:cond delay="indefinite"/>
-                      </p:stCondLst>
-                      <p:childTnLst>
-                        <p:par>
-                          <p:cTn id="14" fill="hold">
-                            <p:stCondLst>
-                              <p:cond delay="0"/>
-                            </p:stCondLst>
-                            <p:childTnLst>
-                              <p:par>
-                                <p:cTn id="15" presetID="10" presetClass="entr" presetSubtype="0" fill="hold" grpId="0" nodeType="clickEffect">
-                                  <p:stCondLst>
-                                    <p:cond delay="0"/>
-                                  </p:stCondLst>
-                                  <p:childTnLst>
-                                    <p:set>
-                                      <p:cBhvr>
-                                        <p:cTn id="16" dur="1" fill="hold">
-                                          <p:stCondLst>
-                                            <p:cond delay="0"/>
-                                          </p:stCondLst>
-                                        </p:cTn>
-                                        <p:tgtEl>
-                                          <p:spTgt spid="5">
-                                            <p:txEl>
-                                              <p:pRg st="2" end="2"/>
-                                            </p:txEl>
-                                          </p:spTgt>
-                                        </p:tgtEl>
-                                        <p:attrNameLst>
-                                          <p:attrName>style.visibility</p:attrName>
-                                        </p:attrNameLst>
-                                      </p:cBhvr>
-                                      <p:to>
-                                        <p:strVal val="visible"/>
-                                      </p:to>
-                                    </p:set>
-                                    <p:animEffect transition="in" filter="fade">
-                                      <p:cBhvr>
-                                        <p:cTn id="17" dur="500"/>
-                                        <p:tgtEl>
-                                          <p:spTgt spid="5">
-                                            <p:txEl>
-                                              <p:pRg st="2" end="2"/>
-                                            </p:txEl>
-                                          </p:spTgt>
-                                        </p:tgtEl>
-                                      </p:cBhvr>
-                                    </p:animEffect>
-                                  </p:childTnLst>
-                                </p:cTn>
-                              </p:par>
-                            </p:childTnLst>
-                          </p:cTn>
-                        </p:par>
-                      </p:childTnLst>
-                    </p:cTn>
-                  </p:par>
-                </p:childTnLst>
-              </p:cTn>
-              <p:prevCondLst>
-                <p:cond evt="onPrev" delay="0">
-                  <p:tgtEl>
-                    <p:sldTgt/>
-                  </p:tgtEl>
-                </p:cond>
-              </p:prevCondLst>
-              <p:nextCondLst>
-                <p:cond evt="onNext" delay="0">
-                  <p:tgtEl>
-                    <p:sldTgt/>
-                  </p:tgtEl>
-                </p:cond>
-              </p:nextCondLst>
-            </p:seq>
-          </p:childTnLst>
-        </p:cTn>
-      </p:par>
-    </p:tnLst>
-    <p:bldLst>
-      <p:bldP spid="5" grpId="0" build="p"/>
-    </p:bldLst>
-  </p:timing>
-</p:sld>
-</file>
-
-<file path=ppt/slides/slide6.xml><?xml version="1.0" encoding="utf-8"?>
-<p:sld xmlns:a="http://schemas.openxmlformats.org/drawingml/2006/main" xmlns:r="http://schemas.openxmlformats.org/officeDocument/2006/relationships" xmlns:p="http://schemas.openxmlformats.org/presentationml/2006/main">
-  <p:cSld>
-    <p:spTree>
-      <p:nvGrpSpPr>
-        <p:cNvPr id="1" name=""/>
-        <p:cNvGrpSpPr/>
-        <p:nvPr/>
-      </p:nvGrpSpPr>
-      <p:grpSpPr>
-        <a:xfrm>
-          <a:off x="0" y="0"/>
-          <a:ext cx="0" cy="0"/>
-          <a:chOff x="0" y="0"/>
-          <a:chExt cx="0" cy="0"/>
-        </a:xfrm>
-      </p:grpSpPr>
-      <p:sp>
-        <p:nvSpPr>
-          <p:cNvPr id="2" name="Title 1"/>
-          <p:cNvSpPr>
-            <a:spLocks noGrp="1"/>
-          </p:cNvSpPr>
-          <p:nvPr>
-            <p:ph type="title"/>
-            <p:custDataLst>
-              <p:tags r:id="rId2"/>
-            </p:custDataLst>
-          </p:nvPr>
-        </p:nvSpPr>
-        <p:spPr/>
-        <p:txBody>
-          <a:bodyPr>
-            <a:normAutofit/>
-          </a:bodyPr>
-          <a:lstStyle/>
-          <a:p>
-            <a:r>
-              <a:rPr lang="en-US" dirty="0" smtClean="0"/>
-              <a:t>And In The Future…</a:t>
-            </a:r>
-            <a:endParaRPr lang="en-US" dirty="0"/>
-          </a:p>
-        </p:txBody>
-      </p:sp>
-      <p:sp>
-        <p:nvSpPr>
-          <p:cNvPr id="5" name="Content Placeholder 4"/>
-          <p:cNvSpPr>
-            <a:spLocks noGrp="1"/>
-          </p:cNvSpPr>
-          <p:nvPr>
-            <p:ph idx="1"/>
-            <p:custDataLst>
-              <p:tags r:id="rId3"/>
-            </p:custDataLst>
-          </p:nvPr>
-        </p:nvSpPr>
-        <p:spPr/>
-        <p:txBody>
-          <a:bodyPr>
-            <a:normAutofit/>
-          </a:bodyPr>
-          <a:lstStyle/>
-          <a:p>
-            <a:r>
-              <a:rPr lang="en-US" dirty="0" smtClean="0"/>
-              <a:t>Continue to bash that peg through.</a:t>
-            </a:r>
-          </a:p>
-          <a:p>
-            <a:r>
-              <a:rPr lang="en-US" dirty="0" smtClean="0"/>
-              <a:t>Wonder why the code base looks so different than the business problem it is supposed to solve.</a:t>
-            </a:r>
-          </a:p>
-        </p:txBody>
-      </p:sp>
-    </p:spTree>
-    <p:custDataLst>
-      <p:tags r:id="rId1"/>
-    </p:custDataLst>
-    <p:extLst>
-      <p:ext uri="{BB962C8B-B14F-4D97-AF65-F5344CB8AC3E}">
-        <p14:creationId xmlns:p14="http://schemas.microsoft.com/office/powerpoint/2010/main" val="1759918784"/>
-      </p:ext>
-    </p:extLst>
-  </p:cSld>
-  <p:clrMapOvr>
-    <a:masterClrMapping/>
-  </p:clrMapOvr>
-  <p:transition spd="slow">
-    <p:wipe dir="d"/>
-  </p:transition>
-  <p:timing>
-    <p:tnLst>
-      <p:par>
-        <p:cTn id="1" dur="indefinite" restart="never" nodeType="tmRoot">
-          <p:childTnLst>
-            <p:seq concurrent="1" nextAc="seek">
-              <p:cTn id="2" dur="indefinite" nodeType="mainSeq">
-                <p:childTnLst>
-                  <p:par>
-                    <p:cTn id="3" fill="hold">
-                      <p:stCondLst>
-                        <p:cond delay="indefinite"/>
-                      </p:stCondLst>
-                      <p:childTnLst>
-                        <p:par>
-                          <p:cTn id="4" fill="hold">
-                            <p:stCondLst>
-                              <p:cond delay="0"/>
-                            </p:stCondLst>
-                            <p:childTnLst>
-                              <p:par>
-                                <p:cTn id="5" presetID="10" presetClass="entr" presetSubtype="0" fill="hold" grpId="0" nodeType="clickEffect">
-                                  <p:stCondLst>
-                                    <p:cond delay="0"/>
-                                  </p:stCondLst>
-                                  <p:childTnLst>
-                                    <p:set>
-                                      <p:cBhvr>
-                                        <p:cTn id="6" dur="1" fill="hold">
-                                          <p:stCondLst>
-                                            <p:cond delay="0"/>
-                                          </p:stCondLst>
-                                        </p:cTn>
-                                        <p:tgtEl>
-                                          <p:spTgt spid="5">
-                                            <p:txEl>
-                                              <p:pRg st="0" end="0"/>
-                                            </p:txEl>
-                                          </p:spTgt>
-                                        </p:tgtEl>
-                                        <p:attrNameLst>
-                                          <p:attrName>style.visibility</p:attrName>
-                                        </p:attrNameLst>
-                                      </p:cBhvr>
-                                      <p:to>
-                                        <p:strVal val="visible"/>
-                                      </p:to>
-                                    </p:set>
-                                    <p:animEffect transition="in" filter="fade">
-                                      <p:cBhvr>
-                                        <p:cTn id="7" dur="500"/>
-                                        <p:tgtEl>
-                                          <p:spTgt spid="5">
-                                            <p:txEl>
-                                              <p:pRg st="0" end="0"/>
-                                            </p:txEl>
-                                          </p:spTgt>
-                                        </p:tgtEl>
-                                      </p:cBhvr>
-                                    </p:animEffect>
-                                  </p:childTnLst>
-                                </p:cTn>
-                              </p:par>
-                            </p:childTnLst>
-                          </p:cTn>
-                        </p:par>
-                      </p:childTnLst>
-                    </p:cTn>
-                  </p:par>
-                  <p:par>
-                    <p:cTn id="8" fill="hold">
-                      <p:stCondLst>
-                        <p:cond delay="indefinite"/>
-                      </p:stCondLst>
-                      <p:childTnLst>
-                        <p:par>
-                          <p:cTn id="9" fill="hold">
-                            <p:stCondLst>
-                              <p:cond delay="0"/>
-                            </p:stCondLst>
-                            <p:childTnLst>
-                              <p:par>
-                                <p:cTn id="10" presetID="10" presetClass="entr" presetSubtype="0" fill="hold" grpId="0" nodeType="clickEffect">
-                                  <p:stCondLst>
-                                    <p:cond delay="0"/>
-                                  </p:stCondLst>
-                                  <p:childTnLst>
-                                    <p:set>
-                                      <p:cBhvr>
-                                        <p:cTn id="11" dur="1" fill="hold">
-                                          <p:stCondLst>
-                                            <p:cond delay="0"/>
-                                          </p:stCondLst>
-                                        </p:cTn>
-                                        <p:tgtEl>
-                                          <p:spTgt spid="5">
-                                            <p:txEl>
-                                              <p:pRg st="1" end="1"/>
-                                            </p:txEl>
-                                          </p:spTgt>
-                                        </p:tgtEl>
-                                        <p:attrNameLst>
-                                          <p:attrName>style.visibility</p:attrName>
-                                        </p:attrNameLst>
-                                      </p:cBhvr>
-                                      <p:to>
-                                        <p:strVal val="visible"/>
-                                      </p:to>
-                                    </p:set>
-                                    <p:animEffect transition="in" filter="fade">
-                                      <p:cBhvr>
-                                        <p:cTn id="12" dur="500"/>
-                                        <p:tgtEl>
-                                          <p:spTgt spid="5">
-                                            <p:txEl>
-                                              <p:pRg st="1" end="1"/>
-                                            </p:txEl>
-                                          </p:spTgt>
-                                        </p:tgtEl>
-                                      </p:cBhvr>
-                                    </p:animEffect>
-                                  </p:childTnLst>
-                                </p:cTn>
-                              </p:par>
-                            </p:childTnLst>
-                          </p:cTn>
-                        </p:par>
-                      </p:childTnLst>
-                    </p:cTn>
-                  </p:par>
-                </p:childTnLst>
-              </p:cTn>
-              <p:prevCondLst>
-                <p:cond evt="onPrev" delay="0">
-                  <p:tgtEl>
-                    <p:sldTgt/>
-                  </p:tgtEl>
-                </p:cond>
-              </p:prevCondLst>
-              <p:nextCondLst>
-                <p:cond evt="onNext" delay="0">
-                  <p:tgtEl>
-                    <p:sldTgt/>
-                  </p:tgtEl>
-                </p:cond>
-              </p:nextCondLst>
-            </p:seq>
-          </p:childTnLst>
-        </p:cTn>
-      </p:par>
-    </p:tnLst>
-    <p:bldLst>
-      <p:bldP spid="5" grpId="0" build="p"/>
-    </p:bldLst>
-  </p:timing>
-</p:sld>
-</file>
-
-<file path=ppt/slides/slide7.xml><?xml version="1.0" encoding="utf-8"?>
-<p:sld xmlns:a="http://schemas.openxmlformats.org/drawingml/2006/main" xmlns:r="http://schemas.openxmlformats.org/officeDocument/2006/relationships" xmlns:p="http://schemas.openxmlformats.org/presentationml/2006/main">
-  <p:cSld>
-    <p:spTree>
-      <p:nvGrpSpPr>
-        <p:cNvPr id="1" name=""/>
-        <p:cNvGrpSpPr/>
-        <p:nvPr/>
-      </p:nvGrpSpPr>
-      <p:grpSpPr>
-        <a:xfrm>
-          <a:off x="0" y="0"/>
-          <a:ext cx="0" cy="0"/>
-          <a:chOff x="0" y="0"/>
-          <a:chExt cx="0" cy="0"/>
-        </a:xfrm>
-      </p:grpSpPr>
-      <p:sp>
-        <p:nvSpPr>
-          <p:cNvPr id="2" name="Title 1"/>
-          <p:cNvSpPr>
-            <a:spLocks noGrp="1"/>
-          </p:cNvSpPr>
-          <p:nvPr>
-            <p:ph type="title"/>
-            <p:custDataLst>
-              <p:tags r:id="rId2"/>
-            </p:custDataLst>
-          </p:nvPr>
-        </p:nvSpPr>
-        <p:spPr/>
-        <p:txBody>
-          <a:bodyPr>
-            <a:normAutofit/>
-          </a:bodyPr>
-          <a:lstStyle/>
-          <a:p>
-            <a:r>
-              <a:rPr lang="en-US" dirty="0" smtClean="0"/>
-              <a:t>Inside-Out Development</a:t>
-            </a:r>
-            <a:endParaRPr lang="en-US" dirty="0"/>
-          </a:p>
-        </p:txBody>
-      </p:sp>
-      <p:sp>
-        <p:nvSpPr>
-          <p:cNvPr id="5" name="Content Placeholder 4"/>
-          <p:cNvSpPr>
-            <a:spLocks noGrp="1"/>
-          </p:cNvSpPr>
-          <p:nvPr>
-            <p:ph idx="1"/>
-            <p:custDataLst>
-              <p:tags r:id="rId3"/>
-            </p:custDataLst>
-          </p:nvPr>
-        </p:nvSpPr>
-        <p:spPr/>
-        <p:txBody>
-          <a:bodyPr>
-            <a:normAutofit/>
-          </a:bodyPr>
-          <a:lstStyle/>
-          <a:p>
-            <a:r>
-              <a:rPr lang="en-US" dirty="0" smtClean="0"/>
-              <a:t>Starts with the “inside” of the application, and development moves “out” to the user-facing portions.</a:t>
-            </a:r>
-          </a:p>
-          <a:p>
-            <a:r>
-              <a:rPr lang="en-US" dirty="0" smtClean="0"/>
-              <a:t>Requires planning, experience, and time.</a:t>
-            </a:r>
-          </a:p>
-          <a:p>
-            <a:r>
-              <a:rPr lang="en-US" dirty="0" smtClean="0"/>
-              <a:t>The time until manager or client feedback can be high.</a:t>
-            </a:r>
-          </a:p>
-          <a:p>
-            <a:r>
-              <a:rPr lang="en-US" dirty="0" smtClean="0"/>
-              <a:t>Focused on all of the things that programmers care about.</a:t>
-            </a:r>
-          </a:p>
-          <a:p>
-            <a:endParaRPr lang="en-US" dirty="0" smtClean="0"/>
-          </a:p>
-        </p:txBody>
-      </p:sp>
-    </p:spTree>
-    <p:custDataLst>
-      <p:tags r:id="rId1"/>
-    </p:custDataLst>
-    <p:extLst>
-      <p:ext uri="{BB962C8B-B14F-4D97-AF65-F5344CB8AC3E}">
-        <p14:creationId xmlns:p14="http://schemas.microsoft.com/office/powerpoint/2010/main" val="1286744200"/>
-      </p:ext>
-    </p:extLst>
-  </p:cSld>
-  <p:clrMapOvr>
-    <a:masterClrMapping/>
-  </p:clrMapOvr>
-  <p:transition spd="slow">
-    <p:wipe dir="d"/>
-  </p:transition>
-  <p:timing>
-    <p:tnLst>
-      <p:par>
-        <p:cTn id="1" dur="indefinite" restart="never" nodeType="tmRoot">
-          <p:childTnLst>
-            <p:seq concurrent="1" nextAc="seek">
-              <p:cTn id="2" dur="indefinite" nodeType="mainSeq">
-                <p:childTnLst>
-                  <p:par>
-                    <p:cTn id="3" fill="hold">
-                      <p:stCondLst>
-                        <p:cond delay="indefinite"/>
-                      </p:stCondLst>
-                      <p:childTnLst>
-                        <p:par>
-                          <p:cTn id="4" fill="hold">
-                            <p:stCondLst>
-                              <p:cond delay="0"/>
-                            </p:stCondLst>
-                            <p:childTnLst>
-                              <p:par>
-                                <p:cTn id="5" presetID="10" presetClass="entr" presetSubtype="0" fill="hold" grpId="0" nodeType="clickEffect">
-                                  <p:stCondLst>
-                                    <p:cond delay="0"/>
-                                  </p:stCondLst>
-                                  <p:childTnLst>
-                                    <p:set>
-                                      <p:cBhvr>
-                                        <p:cTn id="6" dur="1" fill="hold">
-                                          <p:stCondLst>
-                                            <p:cond delay="0"/>
-                                          </p:stCondLst>
-                                        </p:cTn>
-                                        <p:tgtEl>
-                                          <p:spTgt spid="5">
-                                            <p:txEl>
-                                              <p:pRg st="0" end="0"/>
-                                            </p:txEl>
-                                          </p:spTgt>
-                                        </p:tgtEl>
-                                        <p:attrNameLst>
-                                          <p:attrName>style.visibility</p:attrName>
-                                        </p:attrNameLst>
-                                      </p:cBhvr>
-                                      <p:to>
-                                        <p:strVal val="visible"/>
-                                      </p:to>
-                                    </p:set>
-                                    <p:animEffect transition="in" filter="fade">
-                                      <p:cBhvr>
-                                        <p:cTn id="7" dur="500"/>
-                                        <p:tgtEl>
-                                          <p:spTgt spid="5">
-                                            <p:txEl>
-                                              <p:pRg st="0" end="0"/>
-                                            </p:txEl>
-                                          </p:spTgt>
-                                        </p:tgtEl>
-                                      </p:cBhvr>
-                                    </p:animEffect>
-                                  </p:childTnLst>
-                                </p:cTn>
-                              </p:par>
-                            </p:childTnLst>
-                          </p:cTn>
-                        </p:par>
-                      </p:childTnLst>
-                    </p:cTn>
-                  </p:par>
-                  <p:par>
-                    <p:cTn id="8" fill="hold">
-                      <p:stCondLst>
-                        <p:cond delay="indefinite"/>
-                      </p:stCondLst>
-                      <p:childTnLst>
-                        <p:par>
-                          <p:cTn id="9" fill="hold">
-                            <p:stCondLst>
-                              <p:cond delay="0"/>
-                            </p:stCondLst>
-                            <p:childTnLst>
-                              <p:par>
-                                <p:cTn id="10" presetID="10" presetClass="entr" presetSubtype="0" fill="hold" grpId="0" nodeType="clickEffect">
-                                  <p:stCondLst>
-                                    <p:cond delay="0"/>
-                                  </p:stCondLst>
-                                  <p:childTnLst>
-                                    <p:set>
-                                      <p:cBhvr>
-                                        <p:cTn id="11" dur="1" fill="hold">
-                                          <p:stCondLst>
-                                            <p:cond delay="0"/>
-                                          </p:stCondLst>
-                                        </p:cTn>
-                                        <p:tgtEl>
-                                          <p:spTgt spid="5">
-                                            <p:txEl>
-                                              <p:pRg st="1" end="1"/>
-                                            </p:txEl>
-                                          </p:spTgt>
-                                        </p:tgtEl>
-                                        <p:attrNameLst>
-                                          <p:attrName>style.visibility</p:attrName>
-                                        </p:attrNameLst>
-                                      </p:cBhvr>
-                                      <p:to>
-                                        <p:strVal val="visible"/>
-                                      </p:to>
-                                    </p:set>
-                                    <p:animEffect transition="in" filter="fade">
-                                      <p:cBhvr>
-                                        <p:cTn id="12" dur="500"/>
-                                        <p:tgtEl>
-                                          <p:spTgt spid="5">
-                                            <p:txEl>
-                                              <p:pRg st="1" end="1"/>
-                                            </p:txEl>
-                                          </p:spTgt>
-                                        </p:tgtEl>
-                                      </p:cBhvr>
-                                    </p:animEffect>
-                                  </p:childTnLst>
-                                </p:cTn>
-                              </p:par>
-                            </p:childTnLst>
-                          </p:cTn>
-                        </p:par>
-                      </p:childTnLst>
-                    </p:cTn>
-                  </p:par>
-                  <p:par>
-                    <p:cTn id="13" fill="hold">
-                      <p:stCondLst>
-                        <p:cond delay="indefinite"/>
-                      </p:stCondLst>
-                      <p:childTnLst>
-                        <p:par>
-                          <p:cTn id="14" fill="hold">
-                            <p:stCondLst>
-                              <p:cond delay="0"/>
-                            </p:stCondLst>
-                            <p:childTnLst>
-                              <p:par>
-                                <p:cTn id="15" presetID="10" presetClass="entr" presetSubtype="0" fill="hold" grpId="0" nodeType="clickEffect">
-                                  <p:stCondLst>
-                                    <p:cond delay="0"/>
-                                  </p:stCondLst>
-                                  <p:childTnLst>
-                                    <p:set>
-                                      <p:cBhvr>
-                                        <p:cTn id="16" dur="1" fill="hold">
-                                          <p:stCondLst>
-                                            <p:cond delay="0"/>
-                                          </p:stCondLst>
-                                        </p:cTn>
-                                        <p:tgtEl>
-                                          <p:spTgt spid="5">
-                                            <p:txEl>
-                                              <p:pRg st="2" end="2"/>
-                                            </p:txEl>
-                                          </p:spTgt>
-                                        </p:tgtEl>
-                                        <p:attrNameLst>
-                                          <p:attrName>style.visibility</p:attrName>
-                                        </p:attrNameLst>
-                                      </p:cBhvr>
-                                      <p:to>
-                                        <p:strVal val="visible"/>
-                                      </p:to>
-                                    </p:set>
-                                    <p:animEffect transition="in" filter="fade">
-                                      <p:cBhvr>
-                                        <p:cTn id="17" dur="500"/>
-                                        <p:tgtEl>
-                                          <p:spTgt spid="5">
-                                            <p:txEl>
-                                              <p:pRg st="2" end="2"/>
-                                            </p:txEl>
-                                          </p:spTgt>
-                                        </p:tgtEl>
-                                      </p:cBhvr>
-                                    </p:animEffect>
-                                  </p:childTnLst>
-                                </p:cTn>
-                              </p:par>
-                            </p:childTnLst>
-                          </p:cTn>
-                        </p:par>
-                      </p:childTnLst>
-                    </p:cTn>
-                  </p:par>
-                  <p:par>
-                    <p:cTn id="18" fill="hold">
-                      <p:stCondLst>
-                        <p:cond delay="indefinite"/>
-                      </p:stCondLst>
-                      <p:childTnLst>
-                        <p:par>
-                          <p:cTn id="19" fill="hold">
-                            <p:stCondLst>
-                              <p:cond delay="0"/>
-                            </p:stCondLst>
-                            <p:childTnLst>
-                              <p:par>
-                                <p:cTn id="20" presetID="10" presetClass="entr" presetSubtype="0" fill="hold" grpId="0" nodeType="clickEffect">
-                                  <p:stCondLst>
-                                    <p:cond delay="0"/>
-                                  </p:stCondLst>
-                                  <p:childTnLst>
-                                    <p:set>
-                                      <p:cBhvr>
-                                        <p:cTn id="21" dur="1" fill="hold">
-                                          <p:stCondLst>
-                                            <p:cond delay="0"/>
-                                          </p:stCondLst>
-                                        </p:cTn>
-                                        <p:tgtEl>
-                                          <p:spTgt spid="5">
-                                            <p:txEl>
-                                              <p:pRg st="3" end="3"/>
-                                            </p:txEl>
-                                          </p:spTgt>
-                                        </p:tgtEl>
-                                        <p:attrNameLst>
-                                          <p:attrName>style.visibility</p:attrName>
-                                        </p:attrNameLst>
-                                      </p:cBhvr>
-                                      <p:to>
-                                        <p:strVal val="visible"/>
-                                      </p:to>
-                                    </p:set>
-                                    <p:animEffect transition="in" filter="fade">
-                                      <p:cBhvr>
-                                        <p:cTn id="22" dur="500"/>
-                                        <p:tgtEl>
-                                          <p:spTgt spid="5">
-                                            <p:txEl>
-                                              <p:pRg st="3" end="3"/>
-                                            </p:txEl>
-                                          </p:spTgt>
-                                        </p:tgtEl>
-                                      </p:cBhvr>
-                                    </p:animEffect>
-                                  </p:childTnLst>
-                                </p:cTn>
-                              </p:par>
-                            </p:childTnLst>
-                          </p:cTn>
-                        </p:par>
-                      </p:childTnLst>
-                    </p:cTn>
-                  </p:par>
-                </p:childTnLst>
-              </p:cTn>
-              <p:prevCondLst>
-                <p:cond evt="onPrev" delay="0">
-                  <p:tgtEl>
-                    <p:sldTgt/>
-                  </p:tgtEl>
-                </p:cond>
-              </p:prevCondLst>
-              <p:nextCondLst>
-                <p:cond evt="onNext" delay="0">
-                  <p:tgtEl>
-                    <p:sldTgt/>
-                  </p:tgtEl>
-                </p:cond>
-              </p:nextCondLst>
-            </p:seq>
-          </p:childTnLst>
-        </p:cTn>
-      </p:par>
-    </p:tnLst>
-    <p:bldLst>
-      <p:bldP spid="5" grpId="0" build="p"/>
-    </p:bldLst>
-  </p:timing>
-</p:sld>
-</file>
-
 <file path=ppt/slides/slide8.xml><?xml version="1.0" encoding="utf-8"?>
 <p:sld xmlns:a="http://schemas.openxmlformats.org/drawingml/2006/main" xmlns:r="http://schemas.openxmlformats.org/officeDocument/2006/relationships" xmlns:p="http://schemas.openxmlformats.org/presentationml/2006/main">
   <p:cSld>
@@ -13107,14 +8109,9 @@
           <a:p>
             <a:r>
               <a:rPr lang="en-US" sz="7200" dirty="0" smtClean="0"/>
-              <a:t>Introducing…</a:t>
-            </a:r>
-          </a:p>
-          <a:p>
-            <a:r>
-              <a:rPr lang="en-US" sz="7200" dirty="0" smtClean="0"/>
-              <a:t>Outside-In Development</a:t>
-            </a:r>
+              <a:t>Let’s Try It Out</a:t>
+            </a:r>
+            <a:endParaRPr lang="en-US" sz="7200" dirty="0"/>
           </a:p>
         </p:txBody>
       </p:sp>
@@ -13149,11 +8146,6 @@
         </p:spPr>
       </p:pic>
     </p:spTree>
-    <p:extLst>
-      <p:ext uri="{BB962C8B-B14F-4D97-AF65-F5344CB8AC3E}">
-        <p14:creationId xmlns:p14="http://schemas.microsoft.com/office/powerpoint/2010/main" val="253595242"/>
-      </p:ext>
-    </p:extLst>
   </p:cSld>
   <p:clrMapOvr>
     <a:masterClrMapping/>
@@ -13203,14 +8195,12 @@
         </p:nvSpPr>
         <p:spPr/>
         <p:txBody>
-          <a:bodyPr>
-            <a:normAutofit/>
-          </a:bodyPr>
+          <a:bodyPr/>
           <a:lstStyle/>
           <a:p>
             <a:r>
               <a:rPr lang="en-US" dirty="0" smtClean="0"/>
-              <a:t>Outside-In Development</a:t>
+              <a:t>Things to think about…</a:t>
             </a:r>
             <a:endParaRPr lang="en-US" dirty="0"/>
           </a:p>
@@ -13232,26 +8222,37 @@
         <p:spPr/>
         <p:txBody>
           <a:bodyPr>
-            <a:normAutofit lnSpcReduction="10000"/>
+            <a:noAutofit/>
           </a:bodyPr>
           <a:lstStyle/>
           <a:p>
             <a:r>
               <a:rPr lang="en-US" dirty="0" smtClean="0"/>
-              <a:t>Starts on the “outside” of the application, where it is actually being used, and then works “in” through any layers until it hits data storage.</a:t>
-            </a:r>
-          </a:p>
-          <a:p>
+              <a:t>This development process is not specific to </a:t>
+            </a:r>
+            <a:r>
+              <a:rPr lang="en-US" dirty="0" err="1" smtClean="0"/>
+              <a:t>SpecFlow</a:t>
+            </a:r>
             <a:r>
               <a:rPr lang="en-US" dirty="0" smtClean="0"/>
-              <a:t>Focused on delivering results that can be presented to others for fast feedback.</a:t>
+              <a:t> or MVC.</a:t>
             </a:r>
           </a:p>
           <a:p>
             <a:r>
               <a:rPr lang="en-US" dirty="0" smtClean="0"/>
-              <a:t>Nothing is coded unless it is absolutely needed to produce an immediate result to the front-end.</a:t>
-            </a:r>
+              <a:t>There are a few different approaches to this type of development – this is only one.</a:t>
+            </a:r>
+          </a:p>
+          <a:p>
+            <a:r>
+              <a:rPr lang="en-US" dirty="0" smtClean="0"/>
+              <a:t>It takes practice to learn when to employ mocking, real objects, databases, etc.</a:t>
+            </a:r>
+          </a:p>
+          <a:p>
+            <a:endParaRPr lang="en-US" dirty="0"/>
           </a:p>
           <a:p>
             <a:endParaRPr lang="en-US" dirty="0" smtClean="0"/>
@@ -13264,7 +8265,7 @@
     </p:custDataLst>
     <p:extLst>
       <p:ext uri="{BB962C8B-B14F-4D97-AF65-F5344CB8AC3E}">
-        <p14:creationId xmlns:p14="http://schemas.microsoft.com/office/powerpoint/2010/main" val="3195343682"/>
+        <p14:creationId xmlns:p14="http://schemas.microsoft.com/office/powerpoint/2010/main" val="2109988480"/>
       </p:ext>
     </p:extLst>
   </p:cSld>
@@ -13595,99 +8596,9 @@
 </p:tagLst>
 </file>
 
-<file path=ppt/tags/tag25.xml><?xml version="1.0" encoding="utf-8"?>
-<p:tagLst xmlns:a="http://schemas.openxmlformats.org/drawingml/2006/main" xmlns:r="http://schemas.openxmlformats.org/officeDocument/2006/relationships" xmlns:p="http://schemas.openxmlformats.org/presentationml/2006/main">
-  <p:tag name="DVSECTIONID" val="QUq8QELArFIgadhH063fpq"/>
-</p:tagLst>
-</file>
-
-<file path=ppt/tags/tag26.xml><?xml version="1.0" encoding="utf-8"?>
-<p:tagLst xmlns:a="http://schemas.openxmlformats.org/drawingml/2006/main" xmlns:r="http://schemas.openxmlformats.org/officeDocument/2006/relationships" xmlns:p="http://schemas.openxmlformats.org/presentationml/2006/main">
-  <p:tag name="DVSHAPEID" val="InkrlxYPS4jAzciXk8ToAM"/>
-</p:tagLst>
-</file>
-
-<file path=ppt/tags/tag27.xml><?xml version="1.0" encoding="utf-8"?>
-<p:tagLst xmlns:a="http://schemas.openxmlformats.org/drawingml/2006/main" xmlns:r="http://schemas.openxmlformats.org/officeDocument/2006/relationships" xmlns:p="http://schemas.openxmlformats.org/presentationml/2006/main">
-  <p:tag name="DVSHAPEID" val="retnMj4SFfqbVIhVK0Rf83"/>
-</p:tagLst>
-</file>
-
-<file path=ppt/tags/tag28.xml><?xml version="1.0" encoding="utf-8"?>
-<p:tagLst xmlns:a="http://schemas.openxmlformats.org/drawingml/2006/main" xmlns:r="http://schemas.openxmlformats.org/officeDocument/2006/relationships" xmlns:p="http://schemas.openxmlformats.org/presentationml/2006/main">
-  <p:tag name="DVSECTIONID" val="QUq8QELArFIgadhH063fpq"/>
-</p:tagLst>
-</file>
-
-<file path=ppt/tags/tag29.xml><?xml version="1.0" encoding="utf-8"?>
-<p:tagLst xmlns:a="http://schemas.openxmlformats.org/drawingml/2006/main" xmlns:r="http://schemas.openxmlformats.org/officeDocument/2006/relationships" xmlns:p="http://schemas.openxmlformats.org/presentationml/2006/main">
-  <p:tag name="DVSHAPEID" val="InkrlxYPS4jAzciXk8ToAM"/>
-</p:tagLst>
-</file>
-
 <file path=ppt/tags/tag3.xml><?xml version="1.0" encoding="utf-8"?>
 <p:tagLst xmlns:a="http://schemas.openxmlformats.org/drawingml/2006/main" xmlns:r="http://schemas.openxmlformats.org/officeDocument/2006/relationships" xmlns:p="http://schemas.openxmlformats.org/presentationml/2006/main">
   <p:tag name="DVSHAPEID" val="0uhWvCQomImT50qU5y4Znw"/>
-</p:tagLst>
-</file>
-
-<file path=ppt/tags/tag30.xml><?xml version="1.0" encoding="utf-8"?>
-<p:tagLst xmlns:a="http://schemas.openxmlformats.org/drawingml/2006/main" xmlns:r="http://schemas.openxmlformats.org/officeDocument/2006/relationships" xmlns:p="http://schemas.openxmlformats.org/presentationml/2006/main">
-  <p:tag name="DVSHAPEID" val="retnMj4SFfqbVIhVK0Rf83"/>
-</p:tagLst>
-</file>
-
-<file path=ppt/tags/tag31.xml><?xml version="1.0" encoding="utf-8"?>
-<p:tagLst xmlns:a="http://schemas.openxmlformats.org/drawingml/2006/main" xmlns:r="http://schemas.openxmlformats.org/officeDocument/2006/relationships" xmlns:p="http://schemas.openxmlformats.org/presentationml/2006/main">
-  <p:tag name="DVSECTIONID" val="QUq8QELArFIgadhH063fpq"/>
-</p:tagLst>
-</file>
-
-<file path=ppt/tags/tag32.xml><?xml version="1.0" encoding="utf-8"?>
-<p:tagLst xmlns:a="http://schemas.openxmlformats.org/drawingml/2006/main" xmlns:r="http://schemas.openxmlformats.org/officeDocument/2006/relationships" xmlns:p="http://schemas.openxmlformats.org/presentationml/2006/main">
-  <p:tag name="DVSHAPEID" val="InkrlxYPS4jAzciXk8ToAM"/>
-</p:tagLst>
-</file>
-
-<file path=ppt/tags/tag33.xml><?xml version="1.0" encoding="utf-8"?>
-<p:tagLst xmlns:a="http://schemas.openxmlformats.org/drawingml/2006/main" xmlns:r="http://schemas.openxmlformats.org/officeDocument/2006/relationships" xmlns:p="http://schemas.openxmlformats.org/presentationml/2006/main">
-  <p:tag name="DVSHAPEID" val="retnMj4SFfqbVIhVK0Rf83"/>
-</p:tagLst>
-</file>
-
-<file path=ppt/tags/tag34.xml><?xml version="1.0" encoding="utf-8"?>
-<p:tagLst xmlns:a="http://schemas.openxmlformats.org/drawingml/2006/main" xmlns:r="http://schemas.openxmlformats.org/officeDocument/2006/relationships" xmlns:p="http://schemas.openxmlformats.org/presentationml/2006/main">
-  <p:tag name="DVSECTIONID" val="QUq8QELArFIgadhH063fpq"/>
-</p:tagLst>
-</file>
-
-<file path=ppt/tags/tag35.xml><?xml version="1.0" encoding="utf-8"?>
-<p:tagLst xmlns:a="http://schemas.openxmlformats.org/drawingml/2006/main" xmlns:r="http://schemas.openxmlformats.org/officeDocument/2006/relationships" xmlns:p="http://schemas.openxmlformats.org/presentationml/2006/main">
-  <p:tag name="DVSHAPEID" val="InkrlxYPS4jAzciXk8ToAM"/>
-</p:tagLst>
-</file>
-
-<file path=ppt/tags/tag36.xml><?xml version="1.0" encoding="utf-8"?>
-<p:tagLst xmlns:a="http://schemas.openxmlformats.org/drawingml/2006/main" xmlns:r="http://schemas.openxmlformats.org/officeDocument/2006/relationships" xmlns:p="http://schemas.openxmlformats.org/presentationml/2006/main">
-  <p:tag name="DVSHAPEID" val="retnMj4SFfqbVIhVK0Rf83"/>
-</p:tagLst>
-</file>
-
-<file path=ppt/tags/tag37.xml><?xml version="1.0" encoding="utf-8"?>
-<p:tagLst xmlns:a="http://schemas.openxmlformats.org/drawingml/2006/main" xmlns:r="http://schemas.openxmlformats.org/officeDocument/2006/relationships" xmlns:p="http://schemas.openxmlformats.org/presentationml/2006/main">
-  <p:tag name="DVSECTIONID" val="QUq8QELArFIgadhH063fpq"/>
-</p:tagLst>
-</file>
-
-<file path=ppt/tags/tag38.xml><?xml version="1.0" encoding="utf-8"?>
-<p:tagLst xmlns:a="http://schemas.openxmlformats.org/drawingml/2006/main" xmlns:r="http://schemas.openxmlformats.org/officeDocument/2006/relationships" xmlns:p="http://schemas.openxmlformats.org/presentationml/2006/main">
-  <p:tag name="DVSHAPEID" val="InkrlxYPS4jAzciXk8ToAM"/>
-</p:tagLst>
-</file>
-
-<file path=ppt/tags/tag39.xml><?xml version="1.0" encoding="utf-8"?>
-<p:tagLst xmlns:a="http://schemas.openxmlformats.org/drawingml/2006/main" xmlns:r="http://schemas.openxmlformats.org/officeDocument/2006/relationships" xmlns:p="http://schemas.openxmlformats.org/presentationml/2006/main">
-  <p:tag name="DVSHAPEID" val="retnMj4SFfqbVIhVK0Rf83"/>
 </p:tagLst>
 </file>
 
@@ -13697,81 +8608,9 @@
 </p:tagLst>
 </file>
 
-<file path=ppt/tags/tag40.xml><?xml version="1.0" encoding="utf-8"?>
-<p:tagLst xmlns:a="http://schemas.openxmlformats.org/drawingml/2006/main" xmlns:r="http://schemas.openxmlformats.org/officeDocument/2006/relationships" xmlns:p="http://schemas.openxmlformats.org/presentationml/2006/main">
-  <p:tag name="DVSECTIONID" val="QUq8QELArFIgadhH063fpq"/>
-</p:tagLst>
-</file>
-
-<file path=ppt/tags/tag41.xml><?xml version="1.0" encoding="utf-8"?>
-<p:tagLst xmlns:a="http://schemas.openxmlformats.org/drawingml/2006/main" xmlns:r="http://schemas.openxmlformats.org/officeDocument/2006/relationships" xmlns:p="http://schemas.openxmlformats.org/presentationml/2006/main">
-  <p:tag name="DVSHAPEID" val="InkrlxYPS4jAzciXk8ToAM"/>
-</p:tagLst>
-</file>
-
-<file path=ppt/tags/tag42.xml><?xml version="1.0" encoding="utf-8"?>
-<p:tagLst xmlns:a="http://schemas.openxmlformats.org/drawingml/2006/main" xmlns:r="http://schemas.openxmlformats.org/officeDocument/2006/relationships" xmlns:p="http://schemas.openxmlformats.org/presentationml/2006/main">
-  <p:tag name="DVSHAPEID" val="retnMj4SFfqbVIhVK0Rf83"/>
-</p:tagLst>
-</file>
-
-<file path=ppt/tags/tag43.xml><?xml version="1.0" encoding="utf-8"?>
-<p:tagLst xmlns:a="http://schemas.openxmlformats.org/drawingml/2006/main" xmlns:r="http://schemas.openxmlformats.org/officeDocument/2006/relationships" xmlns:p="http://schemas.openxmlformats.org/presentationml/2006/main">
-  <p:tag name="DVSECTIONID" val="QUq8QELArFIgadhH063fpq"/>
-</p:tagLst>
-</file>
-
-<file path=ppt/tags/tag44.xml><?xml version="1.0" encoding="utf-8"?>
-<p:tagLst xmlns:a="http://schemas.openxmlformats.org/drawingml/2006/main" xmlns:r="http://schemas.openxmlformats.org/officeDocument/2006/relationships" xmlns:p="http://schemas.openxmlformats.org/presentationml/2006/main">
-  <p:tag name="DVSHAPEID" val="InkrlxYPS4jAzciXk8ToAM"/>
-</p:tagLst>
-</file>
-
-<file path=ppt/tags/tag45.xml><?xml version="1.0" encoding="utf-8"?>
-<p:tagLst xmlns:a="http://schemas.openxmlformats.org/drawingml/2006/main" xmlns:r="http://schemas.openxmlformats.org/officeDocument/2006/relationships" xmlns:p="http://schemas.openxmlformats.org/presentationml/2006/main">
-  <p:tag name="DVSHAPEID" val="retnMj4SFfqbVIhVK0Rf83"/>
-</p:tagLst>
-</file>
-
-<file path=ppt/tags/tag46.xml><?xml version="1.0" encoding="utf-8"?>
-<p:tagLst xmlns:a="http://schemas.openxmlformats.org/drawingml/2006/main" xmlns:r="http://schemas.openxmlformats.org/officeDocument/2006/relationships" xmlns:p="http://schemas.openxmlformats.org/presentationml/2006/main">
-  <p:tag name="DVSECTIONID" val="QUq8QELArFIgadhH063fpq"/>
-</p:tagLst>
-</file>
-
-<file path=ppt/tags/tag47.xml><?xml version="1.0" encoding="utf-8"?>
-<p:tagLst xmlns:a="http://schemas.openxmlformats.org/drawingml/2006/main" xmlns:r="http://schemas.openxmlformats.org/officeDocument/2006/relationships" xmlns:p="http://schemas.openxmlformats.org/presentationml/2006/main">
-  <p:tag name="DVSHAPEID" val="InkrlxYPS4jAzciXk8ToAM"/>
-</p:tagLst>
-</file>
-
-<file path=ppt/tags/tag48.xml><?xml version="1.0" encoding="utf-8"?>
-<p:tagLst xmlns:a="http://schemas.openxmlformats.org/drawingml/2006/main" xmlns:r="http://schemas.openxmlformats.org/officeDocument/2006/relationships" xmlns:p="http://schemas.openxmlformats.org/presentationml/2006/main">
-  <p:tag name="DVSHAPEID" val="retnMj4SFfqbVIhVK0Rf83"/>
-</p:tagLst>
-</file>
-
-<file path=ppt/tags/tag49.xml><?xml version="1.0" encoding="utf-8"?>
-<p:tagLst xmlns:a="http://schemas.openxmlformats.org/drawingml/2006/main" xmlns:r="http://schemas.openxmlformats.org/officeDocument/2006/relationships" xmlns:p="http://schemas.openxmlformats.org/presentationml/2006/main">
-  <p:tag name="DVSECTIONID" val="QUq8QELArFIgadhH063fpq"/>
-</p:tagLst>
-</file>
-
 <file path=ppt/tags/tag5.xml><?xml version="1.0" encoding="utf-8"?>
 <p:tagLst xmlns:a="http://schemas.openxmlformats.org/drawingml/2006/main" xmlns:r="http://schemas.openxmlformats.org/officeDocument/2006/relationships" xmlns:p="http://schemas.openxmlformats.org/presentationml/2006/main">
   <p:tag name="DVSHAPEID" val="InkrlxYPS4jAzciXk8ToAM"/>
-</p:tagLst>
-</file>
-
-<file path=ppt/tags/tag50.xml><?xml version="1.0" encoding="utf-8"?>
-<p:tagLst xmlns:a="http://schemas.openxmlformats.org/drawingml/2006/main" xmlns:r="http://schemas.openxmlformats.org/officeDocument/2006/relationships" xmlns:p="http://schemas.openxmlformats.org/presentationml/2006/main">
-  <p:tag name="DVSHAPEID" val="InkrlxYPS4jAzciXk8ToAM"/>
-</p:tagLst>
-</file>
-
-<file path=ppt/tags/tag51.xml><?xml version="1.0" encoding="utf-8"?>
-<p:tagLst xmlns:a="http://schemas.openxmlformats.org/drawingml/2006/main" xmlns:r="http://schemas.openxmlformats.org/officeDocument/2006/relationships" xmlns:p="http://schemas.openxmlformats.org/presentationml/2006/main">
-  <p:tag name="DVSHAPEID" val="retnMj4SFfqbVIhVK0Rf83"/>
 </p:tagLst>
 </file>
 
